--- a/presentations/Milestone 1 Report Out.pptx
+++ b/presentations/Milestone 1 Report Out.pptx
@@ -1,54 +1,54 @@
 
 <file path=ppt/presentation.xml><?xml version="1.0" encoding="utf-8"?>
-<p:presentation xmlns:a="http://schemas.openxmlformats.org/drawingml/2006/main" xmlns:r="http://schemas.openxmlformats.org/officeDocument/2006/relationships" xmlns:mc="http://schemas.openxmlformats.org/markup-compatibility/2006" xmlns:mv="urn:schemas-microsoft-com:mac:vml" xmlns:p="http://schemas.openxmlformats.org/presentationml/2006/main" xmlns:c="http://schemas.openxmlformats.org/drawingml/2006/chart" xmlns:dgm="http://schemas.openxmlformats.org/drawingml/2006/diagram" xmlns:o="urn:schemas-microsoft-com:office:office" xmlns:v="urn:schemas-microsoft-com:vml" xmlns:pvml="urn:schemas-microsoft-com:office:powerpoint" xmlns:com="http://schemas.openxmlformats.org/drawingml/2006/compatibility" xmlns:p14="http://schemas.microsoft.com/office/powerpoint/2010/main" xmlns:p15="http://schemas.microsoft.com/office/powerpoint/2012/main" autoCompressPictures="0" embedTrueTypeFonts="1" strictFirstAndLastChars="0" saveSubsetFonts="1">
+<p:presentation xmlns:a="http://schemas.openxmlformats.org/drawingml/2006/main" xmlns:r="http://schemas.openxmlformats.org/officeDocument/2006/relationships" xmlns:p="http://schemas.openxmlformats.org/presentationml/2006/main" strictFirstAndLastChars="0" embedTrueTypeFonts="1" saveSubsetFonts="1" autoCompressPictures="0">
   <p:sldMasterIdLst>
-    <p:sldMasterId id="2147483659" r:id="rId5"/>
+    <p:sldMasterId id="2147483659" r:id="rId1"/>
   </p:sldMasterIdLst>
   <p:notesMasterIdLst>
-    <p:notesMasterId r:id="rId6"/>
+    <p:notesMasterId r:id="rId22"/>
   </p:notesMasterIdLst>
   <p:sldIdLst>
-    <p:sldId id="256" r:id="rId7"/>
-    <p:sldId id="257" r:id="rId8"/>
-    <p:sldId id="258" r:id="rId9"/>
-    <p:sldId id="259" r:id="rId10"/>
-    <p:sldId id="260" r:id="rId11"/>
-    <p:sldId id="261" r:id="rId12"/>
-    <p:sldId id="262" r:id="rId13"/>
-    <p:sldId id="263" r:id="rId14"/>
-    <p:sldId id="264" r:id="rId15"/>
-    <p:sldId id="265" r:id="rId16"/>
-    <p:sldId id="266" r:id="rId17"/>
-    <p:sldId id="267" r:id="rId18"/>
-    <p:sldId id="268" r:id="rId19"/>
-    <p:sldId id="269" r:id="rId20"/>
-    <p:sldId id="270" r:id="rId21"/>
-    <p:sldId id="271" r:id="rId22"/>
-    <p:sldId id="272" r:id="rId23"/>
-    <p:sldId id="273" r:id="rId24"/>
-    <p:sldId id="274" r:id="rId25"/>
-    <p:sldId id="275" r:id="rId26"/>
+    <p:sldId id="256" r:id="rId2"/>
+    <p:sldId id="257" r:id="rId3"/>
+    <p:sldId id="258" r:id="rId4"/>
+    <p:sldId id="259" r:id="rId5"/>
+    <p:sldId id="260" r:id="rId6"/>
+    <p:sldId id="261" r:id="rId7"/>
+    <p:sldId id="262" r:id="rId8"/>
+    <p:sldId id="263" r:id="rId9"/>
+    <p:sldId id="264" r:id="rId10"/>
+    <p:sldId id="265" r:id="rId11"/>
+    <p:sldId id="266" r:id="rId12"/>
+    <p:sldId id="267" r:id="rId13"/>
+    <p:sldId id="268" r:id="rId14"/>
+    <p:sldId id="269" r:id="rId15"/>
+    <p:sldId id="270" r:id="rId16"/>
+    <p:sldId id="271" r:id="rId17"/>
+    <p:sldId id="272" r:id="rId18"/>
+    <p:sldId id="273" r:id="rId19"/>
+    <p:sldId id="274" r:id="rId20"/>
+    <p:sldId id="275" r:id="rId21"/>
   </p:sldIdLst>
-  <p:sldSz cy="5143500" cx="9144000"/>
+  <p:sldSz cx="9144000" cy="5143500" type="screen16x9"/>
   <p:notesSz cx="6858000" cy="9144000"/>
   <p:embeddedFontLst>
     <p:embeddedFont>
-      <p:font typeface="Roboto"/>
+      <p:font typeface="Merriweather" panose="020B0604020202020204" charset="0"/>
+      <p:regular r:id="rId23"/>
+      <p:bold r:id="rId24"/>
+      <p:italic r:id="rId25"/>
+      <p:boldItalic r:id="rId26"/>
+    </p:embeddedFont>
+    <p:embeddedFont>
+      <p:font typeface="Roboto" panose="020B0604020202020204" charset="0"/>
       <p:regular r:id="rId27"/>
       <p:bold r:id="rId28"/>
       <p:italic r:id="rId29"/>
       <p:boldItalic r:id="rId30"/>
     </p:embeddedFont>
-    <p:embeddedFont>
-      <p:font typeface="Merriweather"/>
-      <p:regular r:id="rId31"/>
-      <p:bold r:id="rId32"/>
-      <p:italic r:id="rId33"/>
-      <p:boldItalic r:id="rId34"/>
-    </p:embeddedFont>
   </p:embeddedFontLst>
   <p:defaultTextStyle>
-    <a:defPPr lvl="0" marR="0" rtl="0" algn="l">
+    <a:defPPr marR="0" lvl="0" algn="l" rtl="0">
       <a:lnSpc>
         <a:spcPct val="100000"/>
       </a:lnSpc>
@@ -59,7 +59,7 @@
         <a:spcPts val="0"/>
       </a:spcAft>
     </a:defPPr>
-    <a:lvl1pPr lvl="0" marR="0" rtl="0" algn="l">
+    <a:lvl1pPr marR="0" lvl="0" algn="l" rtl="0">
       <a:lnSpc>
         <a:spcPct val="100000"/>
       </a:lnSpc>
@@ -73,7 +73,7 @@
         <a:srgbClr val="000000"/>
       </a:buClr>
       <a:buFont typeface="Arial"/>
-      <a:defRPr b="0" i="0" sz="1400" u="none" cap="none" strike="noStrike">
+      <a:defRPr sz="1400" b="0" i="0" u="none" strike="noStrike" cap="none">
         <a:solidFill>
           <a:srgbClr val="000000"/>
         </a:solidFill>
@@ -83,7 +83,7 @@
         <a:sym typeface="Arial"/>
       </a:defRPr>
     </a:lvl1pPr>
-    <a:lvl2pPr lvl="1" marR="0" rtl="0" algn="l">
+    <a:lvl2pPr marR="0" lvl="1" algn="l" rtl="0">
       <a:lnSpc>
         <a:spcPct val="100000"/>
       </a:lnSpc>
@@ -97,7 +97,7 @@
         <a:srgbClr val="000000"/>
       </a:buClr>
       <a:buFont typeface="Arial"/>
-      <a:defRPr b="0" i="0" sz="1400" u="none" cap="none" strike="noStrike">
+      <a:defRPr sz="1400" b="0" i="0" u="none" strike="noStrike" cap="none">
         <a:solidFill>
           <a:srgbClr val="000000"/>
         </a:solidFill>
@@ -107,7 +107,7 @@
         <a:sym typeface="Arial"/>
       </a:defRPr>
     </a:lvl2pPr>
-    <a:lvl3pPr lvl="2" marR="0" rtl="0" algn="l">
+    <a:lvl3pPr marR="0" lvl="2" algn="l" rtl="0">
       <a:lnSpc>
         <a:spcPct val="100000"/>
       </a:lnSpc>
@@ -121,7 +121,7 @@
         <a:srgbClr val="000000"/>
       </a:buClr>
       <a:buFont typeface="Arial"/>
-      <a:defRPr b="0" i="0" sz="1400" u="none" cap="none" strike="noStrike">
+      <a:defRPr sz="1400" b="0" i="0" u="none" strike="noStrike" cap="none">
         <a:solidFill>
           <a:srgbClr val="000000"/>
         </a:solidFill>
@@ -131,7 +131,7 @@
         <a:sym typeface="Arial"/>
       </a:defRPr>
     </a:lvl3pPr>
-    <a:lvl4pPr lvl="3" marR="0" rtl="0" algn="l">
+    <a:lvl4pPr marR="0" lvl="3" algn="l" rtl="0">
       <a:lnSpc>
         <a:spcPct val="100000"/>
       </a:lnSpc>
@@ -145,7 +145,7 @@
         <a:srgbClr val="000000"/>
       </a:buClr>
       <a:buFont typeface="Arial"/>
-      <a:defRPr b="0" i="0" sz="1400" u="none" cap="none" strike="noStrike">
+      <a:defRPr sz="1400" b="0" i="0" u="none" strike="noStrike" cap="none">
         <a:solidFill>
           <a:srgbClr val="000000"/>
         </a:solidFill>
@@ -155,7 +155,7 @@
         <a:sym typeface="Arial"/>
       </a:defRPr>
     </a:lvl4pPr>
-    <a:lvl5pPr lvl="4" marR="0" rtl="0" algn="l">
+    <a:lvl5pPr marR="0" lvl="4" algn="l" rtl="0">
       <a:lnSpc>
         <a:spcPct val="100000"/>
       </a:lnSpc>
@@ -169,7 +169,7 @@
         <a:srgbClr val="000000"/>
       </a:buClr>
       <a:buFont typeface="Arial"/>
-      <a:defRPr b="0" i="0" sz="1400" u="none" cap="none" strike="noStrike">
+      <a:defRPr sz="1400" b="0" i="0" u="none" strike="noStrike" cap="none">
         <a:solidFill>
           <a:srgbClr val="000000"/>
         </a:solidFill>
@@ -179,7 +179,7 @@
         <a:sym typeface="Arial"/>
       </a:defRPr>
     </a:lvl5pPr>
-    <a:lvl6pPr lvl="5" marR="0" rtl="0" algn="l">
+    <a:lvl6pPr marR="0" lvl="5" algn="l" rtl="0">
       <a:lnSpc>
         <a:spcPct val="100000"/>
       </a:lnSpc>
@@ -193,7 +193,7 @@
         <a:srgbClr val="000000"/>
       </a:buClr>
       <a:buFont typeface="Arial"/>
-      <a:defRPr b="0" i="0" sz="1400" u="none" cap="none" strike="noStrike">
+      <a:defRPr sz="1400" b="0" i="0" u="none" strike="noStrike" cap="none">
         <a:solidFill>
           <a:srgbClr val="000000"/>
         </a:solidFill>
@@ -203,7 +203,7 @@
         <a:sym typeface="Arial"/>
       </a:defRPr>
     </a:lvl6pPr>
-    <a:lvl7pPr lvl="6" marR="0" rtl="0" algn="l">
+    <a:lvl7pPr marR="0" lvl="6" algn="l" rtl="0">
       <a:lnSpc>
         <a:spcPct val="100000"/>
       </a:lnSpc>
@@ -217,7 +217,7 @@
         <a:srgbClr val="000000"/>
       </a:buClr>
       <a:buFont typeface="Arial"/>
-      <a:defRPr b="0" i="0" sz="1400" u="none" cap="none" strike="noStrike">
+      <a:defRPr sz="1400" b="0" i="0" u="none" strike="noStrike" cap="none">
         <a:solidFill>
           <a:srgbClr val="000000"/>
         </a:solidFill>
@@ -227,7 +227,7 @@
         <a:sym typeface="Arial"/>
       </a:defRPr>
     </a:lvl7pPr>
-    <a:lvl8pPr lvl="7" marR="0" rtl="0" algn="l">
+    <a:lvl8pPr marR="0" lvl="7" algn="l" rtl="0">
       <a:lnSpc>
         <a:spcPct val="100000"/>
       </a:lnSpc>
@@ -241,7 +241,7 @@
         <a:srgbClr val="000000"/>
       </a:buClr>
       <a:buFont typeface="Arial"/>
-      <a:defRPr b="0" i="0" sz="1400" u="none" cap="none" strike="noStrike">
+      <a:defRPr sz="1400" b="0" i="0" u="none" strike="noStrike" cap="none">
         <a:solidFill>
           <a:srgbClr val="000000"/>
         </a:solidFill>
@@ -251,7 +251,7 @@
         <a:sym typeface="Arial"/>
       </a:defRPr>
     </a:lvl8pPr>
-    <a:lvl9pPr lvl="8" marR="0" rtl="0" algn="l">
+    <a:lvl9pPr marR="0" lvl="8" algn="l" rtl="0">
       <a:lnSpc>
         <a:spcPct val="100000"/>
       </a:lnSpc>
@@ -265,7 +265,7 @@
         <a:srgbClr val="000000"/>
       </a:buClr>
       <a:buFont typeface="Arial"/>
-      <a:defRPr b="0" i="0" sz="1400" u="none" cap="none" strike="noStrike">
+      <a:defRPr sz="1400" b="0" i="0" u="none" strike="noStrike" cap="none">
         <a:solidFill>
           <a:srgbClr val="000000"/>
         </a:solidFill>
@@ -278,7 +278,7 @@
   </p:defaultTextStyle>
   <p:extLst>
     <p:ext uri="{EFAFB233-063F-42B5-8137-9DF3F51BA10A}">
-      <p15:sldGuideLst>
+      <p15:sldGuideLst xmlns:p15="http://schemas.microsoft.com/office/powerpoint/2012/main">
         <p15:guide id="1" orient="horz" pos="1620">
           <p15:clr>
             <a:srgbClr val="A4A3A4"/>
@@ -296,11 +296,16 @@
 </file>
 
 <file path=ppt/notesMasters/notesMaster1.xml><?xml version="1.0" encoding="utf-8"?>
-<p:notesMaster xmlns:a="http://schemas.openxmlformats.org/drawingml/2006/main" xmlns:r="http://schemas.openxmlformats.org/officeDocument/2006/relationships" xmlns:mc="http://schemas.openxmlformats.org/markup-compatibility/2006" xmlns:mv="urn:schemas-microsoft-com:mac:vml" xmlns:p="http://schemas.openxmlformats.org/presentationml/2006/main" xmlns:c="http://schemas.openxmlformats.org/drawingml/2006/chart" xmlns:dgm="http://schemas.openxmlformats.org/drawingml/2006/diagram" xmlns:o="urn:schemas-microsoft-com:office:office" xmlns:v="urn:schemas-microsoft-com:vml" xmlns:pvml="urn:schemas-microsoft-com:office:powerpoint" xmlns:com="http://schemas.openxmlformats.org/drawingml/2006/compatibility" xmlns:p14="http://schemas.microsoft.com/office/powerpoint/2010/main" xmlns:p15="http://schemas.microsoft.com/office/powerpoint/2012/main">
+<p:notesMaster xmlns:a="http://schemas.openxmlformats.org/drawingml/2006/main" xmlns:r="http://schemas.openxmlformats.org/officeDocument/2006/relationships" xmlns:p="http://schemas.openxmlformats.org/presentationml/2006/main">
   <p:cSld>
+    <p:bg>
+      <p:bgRef idx="1001">
+        <a:schemeClr val="bg1"/>
+      </p:bgRef>
+    </p:bg>
     <p:spTree>
       <p:nvGrpSpPr>
-        <p:cNvPr id="2" name="Shape 2"/>
+        <p:cNvPr id="1" name="Shape 2"/>
         <p:cNvGrpSpPr/>
         <p:nvPr/>
       </p:nvGrpSpPr>
@@ -315,9 +320,11 @@
       <p:sp>
         <p:nvSpPr>
           <p:cNvPr id="3" name="Google Shape;3;n"/>
-          <p:cNvSpPr/>
+          <p:cNvSpPr>
+            <a:spLocks noGrp="1" noRot="1" noChangeAspect="1"/>
+          </p:cNvSpPr>
           <p:nvPr>
-            <p:ph idx="2" type="sldImg"/>
+            <p:ph type="sldImg" idx="2"/>
           </p:nvPr>
         </p:nvSpPr>
         <p:spPr>
@@ -326,9 +333,13 @@
             <a:ext cx="6096075" cy="3429000"/>
           </a:xfrm>
           <a:custGeom>
-            <a:rect b="b" l="l" r="r" t="t"/>
+            <a:avLst/>
+            <a:gdLst/>
+            <a:ahLst/>
+            <a:cxnLst/>
+            <a:rect l="l" t="t" r="r" b="b"/>
             <a:pathLst>
-              <a:path extrusionOk="0" h="120000" w="120000">
+              <a:path w="120000" h="120000" extrusionOk="0">
                 <a:moveTo>
                   <a:pt x="0" y="0"/>
                 </a:moveTo>
@@ -346,23 +357,25 @@
             </a:pathLst>
           </a:custGeom>
           <a:noFill/>
-          <a:ln cap="flat" cmpd="sng" w="9525">
+          <a:ln w="9525" cap="flat" cmpd="sng">
             <a:solidFill>
               <a:srgbClr val="000000"/>
             </a:solidFill>
             <a:prstDash val="solid"/>
             <a:round/>
-            <a:headEnd len="sm" w="sm" type="none"/>
-            <a:tailEnd len="sm" w="sm" type="none"/>
+            <a:headEnd type="none" w="sm" len="sm"/>
+            <a:tailEnd type="none" w="sm" len="sm"/>
           </a:ln>
         </p:spPr>
       </p:sp>
       <p:sp>
         <p:nvSpPr>
           <p:cNvPr id="4" name="Google Shape;4;n"/>
-          <p:cNvSpPr txBox="1"/>
+          <p:cNvSpPr txBox="1">
+            <a:spLocks noGrp="1"/>
+          </p:cNvSpPr>
           <p:nvPr>
-            <p:ph idx="1" type="body"/>
+            <p:ph type="body" idx="1"/>
           </p:nvPr>
         </p:nvSpPr>
         <p:spPr>
@@ -379,9 +392,9 @@
           </a:ln>
         </p:spPr>
         <p:txBody>
-          <a:bodyPr anchorCtr="0" anchor="t" bIns="91425" lIns="91425" spcFirstLastPara="1" rIns="91425" wrap="square" tIns="91425"/>
+          <a:bodyPr spcFirstLastPara="1" wrap="square" lIns="91425" tIns="91425" rIns="91425" bIns="91425" anchor="t" anchorCtr="0"/>
           <a:lstStyle>
-            <a:lvl1pPr indent="-298450" lvl="0" marL="457200">
+            <a:lvl1pPr marL="457200" lvl="0" indent="-298450">
               <a:spcBef>
                 <a:spcPts val="0"/>
               </a:spcBef>
@@ -392,7 +405,7 @@
               <a:buChar char="●"/>
               <a:defRPr sz="1100"/>
             </a:lvl1pPr>
-            <a:lvl2pPr indent="-298450" lvl="1" marL="914400">
+            <a:lvl2pPr marL="914400" lvl="1" indent="-298450">
               <a:spcBef>
                 <a:spcPts val="0"/>
               </a:spcBef>
@@ -403,7 +416,7 @@
               <a:buChar char="○"/>
               <a:defRPr sz="1100"/>
             </a:lvl2pPr>
-            <a:lvl3pPr indent="-298450" lvl="2" marL="1371600">
+            <a:lvl3pPr marL="1371600" lvl="2" indent="-298450">
               <a:spcBef>
                 <a:spcPts val="0"/>
               </a:spcBef>
@@ -414,7 +427,7 @@
               <a:buChar char="■"/>
               <a:defRPr sz="1100"/>
             </a:lvl3pPr>
-            <a:lvl4pPr indent="-298450" lvl="3" marL="1828800">
+            <a:lvl4pPr marL="1828800" lvl="3" indent="-298450">
               <a:spcBef>
                 <a:spcPts val="0"/>
               </a:spcBef>
@@ -425,7 +438,7 @@
               <a:buChar char="●"/>
               <a:defRPr sz="1100"/>
             </a:lvl4pPr>
-            <a:lvl5pPr indent="-298450" lvl="4" marL="2286000">
+            <a:lvl5pPr marL="2286000" lvl="4" indent="-298450">
               <a:spcBef>
                 <a:spcPts val="0"/>
               </a:spcBef>
@@ -436,7 +449,7 @@
               <a:buChar char="○"/>
               <a:defRPr sz="1100"/>
             </a:lvl5pPr>
-            <a:lvl6pPr indent="-298450" lvl="5" marL="2743200">
+            <a:lvl6pPr marL="2743200" lvl="5" indent="-298450">
               <a:spcBef>
                 <a:spcPts val="0"/>
               </a:spcBef>
@@ -447,7 +460,7 @@
               <a:buChar char="■"/>
               <a:defRPr sz="1100"/>
             </a:lvl6pPr>
-            <a:lvl7pPr indent="-298450" lvl="6" marL="3200400">
+            <a:lvl7pPr marL="3200400" lvl="6" indent="-298450">
               <a:spcBef>
                 <a:spcPts val="0"/>
               </a:spcBef>
@@ -458,7 +471,7 @@
               <a:buChar char="●"/>
               <a:defRPr sz="1100"/>
             </a:lvl7pPr>
-            <a:lvl8pPr indent="-298450" lvl="7" marL="3657600">
+            <a:lvl8pPr marL="3657600" lvl="7" indent="-298450">
               <a:spcBef>
                 <a:spcPts val="0"/>
               </a:spcBef>
@@ -469,7 +482,7 @@
               <a:buChar char="○"/>
               <a:defRPr sz="1100"/>
             </a:lvl8pPr>
-            <a:lvl9pPr indent="-298450" lvl="8" marL="4114800">
+            <a:lvl9pPr marL="4114800" lvl="8" indent="-298450">
               <a:spcBef>
                 <a:spcPts val="0"/>
               </a:spcBef>
@@ -481,14 +494,16 @@
               <a:defRPr sz="1100"/>
             </a:lvl9pPr>
           </a:lstStyle>
-          <a:p/>
+          <a:p>
+            <a:endParaRPr/>
+          </a:p>
         </p:txBody>
       </p:sp>
     </p:spTree>
   </p:cSld>
-  <p:clrMap accent1="accent1" accent2="accent2" accent3="accent3" accent4="accent4" accent5="accent5" accent6="accent6" bg1="lt1" bg2="dk2" tx1="dk1" tx2="lt2" folHlink="folHlink" hlink="hlink"/>
+  <p:clrMap bg1="lt1" tx1="dk1" bg2="dk2" tx2="lt2" accent1="accent1" accent2="accent2" accent3="accent3" accent4="accent4" accent5="accent5" accent6="accent6" hlink="hlink" folHlink="folHlink"/>
   <p:notesStyle>
-    <a:defPPr lvl="0" marR="0" rtl="0" algn="l">
+    <a:defPPr marR="0" lvl="0" algn="l" rtl="0">
       <a:lnSpc>
         <a:spcPct val="100000"/>
       </a:lnSpc>
@@ -499,7 +514,7 @@
         <a:spcPts val="0"/>
       </a:spcAft>
     </a:defPPr>
-    <a:lvl1pPr lvl="0" marR="0" rtl="0" algn="l">
+    <a:lvl1pPr marR="0" lvl="0" algn="l" rtl="0">
       <a:lnSpc>
         <a:spcPct val="100000"/>
       </a:lnSpc>
@@ -513,7 +528,7 @@
         <a:srgbClr val="000000"/>
       </a:buClr>
       <a:buFont typeface="Arial"/>
-      <a:defRPr b="0" i="0" sz="1400" u="none" cap="none" strike="noStrike">
+      <a:defRPr sz="1400" b="0" i="0" u="none" strike="noStrike" cap="none">
         <a:solidFill>
           <a:srgbClr val="000000"/>
         </a:solidFill>
@@ -523,7 +538,7 @@
         <a:sym typeface="Arial"/>
       </a:defRPr>
     </a:lvl1pPr>
-    <a:lvl2pPr lvl="1" marR="0" rtl="0" algn="l">
+    <a:lvl2pPr marR="0" lvl="1" algn="l" rtl="0">
       <a:lnSpc>
         <a:spcPct val="100000"/>
       </a:lnSpc>
@@ -537,7 +552,7 @@
         <a:srgbClr val="000000"/>
       </a:buClr>
       <a:buFont typeface="Arial"/>
-      <a:defRPr b="0" i="0" sz="1400" u="none" cap="none" strike="noStrike">
+      <a:defRPr sz="1400" b="0" i="0" u="none" strike="noStrike" cap="none">
         <a:solidFill>
           <a:srgbClr val="000000"/>
         </a:solidFill>
@@ -547,7 +562,7 @@
         <a:sym typeface="Arial"/>
       </a:defRPr>
     </a:lvl2pPr>
-    <a:lvl3pPr lvl="2" marR="0" rtl="0" algn="l">
+    <a:lvl3pPr marR="0" lvl="2" algn="l" rtl="0">
       <a:lnSpc>
         <a:spcPct val="100000"/>
       </a:lnSpc>
@@ -561,7 +576,7 @@
         <a:srgbClr val="000000"/>
       </a:buClr>
       <a:buFont typeface="Arial"/>
-      <a:defRPr b="0" i="0" sz="1400" u="none" cap="none" strike="noStrike">
+      <a:defRPr sz="1400" b="0" i="0" u="none" strike="noStrike" cap="none">
         <a:solidFill>
           <a:srgbClr val="000000"/>
         </a:solidFill>
@@ -571,7 +586,7 @@
         <a:sym typeface="Arial"/>
       </a:defRPr>
     </a:lvl3pPr>
-    <a:lvl4pPr lvl="3" marR="0" rtl="0" algn="l">
+    <a:lvl4pPr marR="0" lvl="3" algn="l" rtl="0">
       <a:lnSpc>
         <a:spcPct val="100000"/>
       </a:lnSpc>
@@ -585,7 +600,7 @@
         <a:srgbClr val="000000"/>
       </a:buClr>
       <a:buFont typeface="Arial"/>
-      <a:defRPr b="0" i="0" sz="1400" u="none" cap="none" strike="noStrike">
+      <a:defRPr sz="1400" b="0" i="0" u="none" strike="noStrike" cap="none">
         <a:solidFill>
           <a:srgbClr val="000000"/>
         </a:solidFill>
@@ -595,7 +610,7 @@
         <a:sym typeface="Arial"/>
       </a:defRPr>
     </a:lvl4pPr>
-    <a:lvl5pPr lvl="4" marR="0" rtl="0" algn="l">
+    <a:lvl5pPr marR="0" lvl="4" algn="l" rtl="0">
       <a:lnSpc>
         <a:spcPct val="100000"/>
       </a:lnSpc>
@@ -609,7 +624,7 @@
         <a:srgbClr val="000000"/>
       </a:buClr>
       <a:buFont typeface="Arial"/>
-      <a:defRPr b="0" i="0" sz="1400" u="none" cap="none" strike="noStrike">
+      <a:defRPr sz="1400" b="0" i="0" u="none" strike="noStrike" cap="none">
         <a:solidFill>
           <a:srgbClr val="000000"/>
         </a:solidFill>
@@ -619,7 +634,7 @@
         <a:sym typeface="Arial"/>
       </a:defRPr>
     </a:lvl5pPr>
-    <a:lvl6pPr lvl="5" marR="0" rtl="0" algn="l">
+    <a:lvl6pPr marR="0" lvl="5" algn="l" rtl="0">
       <a:lnSpc>
         <a:spcPct val="100000"/>
       </a:lnSpc>
@@ -633,7 +648,7 @@
         <a:srgbClr val="000000"/>
       </a:buClr>
       <a:buFont typeface="Arial"/>
-      <a:defRPr b="0" i="0" sz="1400" u="none" cap="none" strike="noStrike">
+      <a:defRPr sz="1400" b="0" i="0" u="none" strike="noStrike" cap="none">
         <a:solidFill>
           <a:srgbClr val="000000"/>
         </a:solidFill>
@@ -643,7 +658,7 @@
         <a:sym typeface="Arial"/>
       </a:defRPr>
     </a:lvl6pPr>
-    <a:lvl7pPr lvl="6" marR="0" rtl="0" algn="l">
+    <a:lvl7pPr marR="0" lvl="6" algn="l" rtl="0">
       <a:lnSpc>
         <a:spcPct val="100000"/>
       </a:lnSpc>
@@ -657,7 +672,7 @@
         <a:srgbClr val="000000"/>
       </a:buClr>
       <a:buFont typeface="Arial"/>
-      <a:defRPr b="0" i="0" sz="1400" u="none" cap="none" strike="noStrike">
+      <a:defRPr sz="1400" b="0" i="0" u="none" strike="noStrike" cap="none">
         <a:solidFill>
           <a:srgbClr val="000000"/>
         </a:solidFill>
@@ -667,7 +682,7 @@
         <a:sym typeface="Arial"/>
       </a:defRPr>
     </a:lvl7pPr>
-    <a:lvl8pPr lvl="7" marR="0" rtl="0" algn="l">
+    <a:lvl8pPr marR="0" lvl="7" algn="l" rtl="0">
       <a:lnSpc>
         <a:spcPct val="100000"/>
       </a:lnSpc>
@@ -681,7 +696,7 @@
         <a:srgbClr val="000000"/>
       </a:buClr>
       <a:buFont typeface="Arial"/>
-      <a:defRPr b="0" i="0" sz="1400" u="none" cap="none" strike="noStrike">
+      <a:defRPr sz="1400" b="0" i="0" u="none" strike="noStrike" cap="none">
         <a:solidFill>
           <a:srgbClr val="000000"/>
         </a:solidFill>
@@ -691,7 +706,7 @@
         <a:sym typeface="Arial"/>
       </a:defRPr>
     </a:lvl8pPr>
-    <a:lvl9pPr lvl="8" marR="0" rtl="0" algn="l">
+    <a:lvl9pPr marR="0" lvl="8" algn="l" rtl="0">
       <a:lnSpc>
         <a:spcPct val="100000"/>
       </a:lnSpc>
@@ -705,7 +720,7 @@
         <a:srgbClr val="000000"/>
       </a:buClr>
       <a:buFont typeface="Arial"/>
-      <a:defRPr b="0" i="0" sz="1400" u="none" cap="none" strike="noStrike">
+      <a:defRPr sz="1400" b="0" i="0" u="none" strike="noStrike" cap="none">
         <a:solidFill>
           <a:srgbClr val="000000"/>
         </a:solidFill>
@@ -720,11 +735,11 @@
 </file>
 
 <file path=ppt/notesSlides/notesSlide1.xml><?xml version="1.0" encoding="utf-8"?>
-<p:notes xmlns:a="http://schemas.openxmlformats.org/drawingml/2006/main" xmlns:r="http://schemas.openxmlformats.org/officeDocument/2006/relationships" xmlns:mc="http://schemas.openxmlformats.org/markup-compatibility/2006" xmlns:mv="urn:schemas-microsoft-com:mac:vml" xmlns:p="http://schemas.openxmlformats.org/presentationml/2006/main" xmlns:c="http://schemas.openxmlformats.org/drawingml/2006/chart" xmlns:dgm="http://schemas.openxmlformats.org/drawingml/2006/diagram" xmlns:o="urn:schemas-microsoft-com:office:office" xmlns:v="urn:schemas-microsoft-com:vml" xmlns:pvml="urn:schemas-microsoft-com:office:powerpoint" xmlns:com="http://schemas.openxmlformats.org/drawingml/2006/compatibility" xmlns:p14="http://schemas.microsoft.com/office/powerpoint/2010/main" xmlns:p15="http://schemas.microsoft.com/office/powerpoint/2012/main" showMasterPhAnim="0" showMasterSp="0">
+<p:notes xmlns:a="http://schemas.openxmlformats.org/drawingml/2006/main" xmlns:r="http://schemas.openxmlformats.org/officeDocument/2006/relationships" xmlns:p="http://schemas.openxmlformats.org/presentationml/2006/main" showMasterSp="0" showMasterPhAnim="0">
   <p:cSld>
     <p:spTree>
       <p:nvGrpSpPr>
-        <p:cNvPr id="60" name="Shape 60"/>
+        <p:cNvPr id="1" name="Shape 60"/>
         <p:cNvGrpSpPr/>
         <p:nvPr/>
       </p:nvGrpSpPr>
@@ -739,9 +754,11 @@
       <p:sp>
         <p:nvSpPr>
           <p:cNvPr id="61" name="Google Shape;61;p:notes"/>
-          <p:cNvSpPr/>
+          <p:cNvSpPr>
+            <a:spLocks noGrp="1" noRot="1" noChangeAspect="1"/>
+          </p:cNvSpPr>
           <p:nvPr>
-            <p:ph idx="2" type="sldImg"/>
+            <p:ph type="sldImg" idx="2"/>
           </p:nvPr>
         </p:nvSpPr>
         <p:spPr>
@@ -750,9 +767,13 @@
             <a:ext cx="6096075" cy="3429000"/>
           </a:xfrm>
           <a:custGeom>
-            <a:rect b="b" l="l" r="r" t="t"/>
+            <a:avLst/>
+            <a:gdLst/>
+            <a:ahLst/>
+            <a:cxnLst/>
+            <a:rect l="l" t="t" r="r" b="b"/>
             <a:pathLst>
-              <a:path extrusionOk="0" h="120000" w="120000">
+              <a:path w="120000" h="120000" extrusionOk="0">
                 <a:moveTo>
                   <a:pt x="0" y="0"/>
                 </a:moveTo>
@@ -774,9 +795,11 @@
       <p:sp>
         <p:nvSpPr>
           <p:cNvPr id="62" name="Google Shape;62;p:notes"/>
-          <p:cNvSpPr txBox="1"/>
+          <p:cNvSpPr txBox="1">
+            <a:spLocks noGrp="1"/>
+          </p:cNvSpPr>
           <p:nvPr>
-            <p:ph idx="1" type="body"/>
+            <p:ph type="body" idx="1"/>
           </p:nvPr>
         </p:nvSpPr>
         <p:spPr>
@@ -789,12 +812,12 @@
           </a:prstGeom>
         </p:spPr>
         <p:txBody>
-          <a:bodyPr anchorCtr="0" anchor="t" bIns="91425" lIns="91425" spcFirstLastPara="1" rIns="91425" wrap="square" tIns="91425">
+          <a:bodyPr spcFirstLastPara="1" wrap="square" lIns="91425" tIns="91425" rIns="91425" bIns="91425" anchor="t" anchorCtr="0">
             <a:noAutofit/>
           </a:bodyPr>
           <a:lstStyle/>
           <a:p>
-            <a:pPr indent="0" lvl="0" marL="0" rtl="0" algn="l">
+            <a:pPr marL="0" lvl="0" indent="0" algn="l" rtl="0">
               <a:spcBef>
                 <a:spcPts val="0"/>
               </a:spcBef>
@@ -820,11 +843,11 @@
 </file>
 
 <file path=ppt/notesSlides/notesSlide10.xml><?xml version="1.0" encoding="utf-8"?>
-<p:notes xmlns:a="http://schemas.openxmlformats.org/drawingml/2006/main" xmlns:r="http://schemas.openxmlformats.org/officeDocument/2006/relationships" xmlns:mc="http://schemas.openxmlformats.org/markup-compatibility/2006" xmlns:mv="urn:schemas-microsoft-com:mac:vml" xmlns:p="http://schemas.openxmlformats.org/presentationml/2006/main" xmlns:c="http://schemas.openxmlformats.org/drawingml/2006/chart" xmlns:dgm="http://schemas.openxmlformats.org/drawingml/2006/diagram" xmlns:o="urn:schemas-microsoft-com:office:office" xmlns:v="urn:schemas-microsoft-com:vml" xmlns:pvml="urn:schemas-microsoft-com:office:powerpoint" xmlns:com="http://schemas.openxmlformats.org/drawingml/2006/compatibility" xmlns:p14="http://schemas.microsoft.com/office/powerpoint/2010/main" xmlns:p15="http://schemas.microsoft.com/office/powerpoint/2012/main" showMasterPhAnim="0" showMasterSp="0">
+<p:notes xmlns:a="http://schemas.openxmlformats.org/drawingml/2006/main" xmlns:r="http://schemas.openxmlformats.org/officeDocument/2006/relationships" xmlns:p="http://schemas.openxmlformats.org/presentationml/2006/main" showMasterSp="0" showMasterPhAnim="0">
   <p:cSld>
     <p:spTree>
       <p:nvGrpSpPr>
-        <p:cNvPr id="116" name="Shape 116"/>
+        <p:cNvPr id="1" name="Shape 116"/>
         <p:cNvGrpSpPr/>
         <p:nvPr/>
       </p:nvGrpSpPr>
@@ -839,9 +862,11 @@
       <p:sp>
         <p:nvSpPr>
           <p:cNvPr id="117" name="Google Shape;117;g42cb35d7e9_1_15:notes"/>
-          <p:cNvSpPr/>
+          <p:cNvSpPr>
+            <a:spLocks noGrp="1" noRot="1" noChangeAspect="1"/>
+          </p:cNvSpPr>
           <p:nvPr>
-            <p:ph idx="2" type="sldImg"/>
+            <p:ph type="sldImg" idx="2"/>
           </p:nvPr>
         </p:nvSpPr>
         <p:spPr>
@@ -850,9 +875,13 @@
             <a:ext cx="6096000" cy="3429000"/>
           </a:xfrm>
           <a:custGeom>
-            <a:rect b="b" l="l" r="r" t="t"/>
+            <a:avLst/>
+            <a:gdLst/>
+            <a:ahLst/>
+            <a:cxnLst/>
+            <a:rect l="l" t="t" r="r" b="b"/>
             <a:pathLst>
-              <a:path extrusionOk="0" h="120000" w="120000">
+              <a:path w="120000" h="120000" extrusionOk="0">
                 <a:moveTo>
                   <a:pt x="0" y="0"/>
                 </a:moveTo>
@@ -874,9 +903,11 @@
       <p:sp>
         <p:nvSpPr>
           <p:cNvPr id="118" name="Google Shape;118;g42cb35d7e9_1_15:notes"/>
-          <p:cNvSpPr txBox="1"/>
+          <p:cNvSpPr txBox="1">
+            <a:spLocks noGrp="1"/>
+          </p:cNvSpPr>
           <p:nvPr>
-            <p:ph idx="1" type="body"/>
+            <p:ph type="body" idx="1"/>
           </p:nvPr>
         </p:nvSpPr>
         <p:spPr>
@@ -889,12 +920,12 @@
           </a:prstGeom>
         </p:spPr>
         <p:txBody>
-          <a:bodyPr anchorCtr="0" anchor="t" bIns="91425" lIns="91425" spcFirstLastPara="1" rIns="91425" wrap="square" tIns="91425">
+          <a:bodyPr spcFirstLastPara="1" wrap="square" lIns="91425" tIns="91425" rIns="91425" bIns="91425" anchor="t" anchorCtr="0">
             <a:noAutofit/>
           </a:bodyPr>
           <a:lstStyle/>
           <a:p>
-            <a:pPr indent="0" lvl="0" marL="0" rtl="0" algn="l">
+            <a:pPr marL="0" lvl="0" indent="0" algn="l" rtl="0">
               <a:spcBef>
                 <a:spcPts val="0"/>
               </a:spcBef>
@@ -920,11 +951,11 @@
 </file>
 
 <file path=ppt/notesSlides/notesSlide11.xml><?xml version="1.0" encoding="utf-8"?>
-<p:notes xmlns:a="http://schemas.openxmlformats.org/drawingml/2006/main" xmlns:r="http://schemas.openxmlformats.org/officeDocument/2006/relationships" xmlns:mc="http://schemas.openxmlformats.org/markup-compatibility/2006" xmlns:mv="urn:schemas-microsoft-com:mac:vml" xmlns:p="http://schemas.openxmlformats.org/presentationml/2006/main" xmlns:c="http://schemas.openxmlformats.org/drawingml/2006/chart" xmlns:dgm="http://schemas.openxmlformats.org/drawingml/2006/diagram" xmlns:o="urn:schemas-microsoft-com:office:office" xmlns:v="urn:schemas-microsoft-com:vml" xmlns:pvml="urn:schemas-microsoft-com:office:powerpoint" xmlns:com="http://schemas.openxmlformats.org/drawingml/2006/compatibility" xmlns:p14="http://schemas.microsoft.com/office/powerpoint/2010/main" xmlns:p15="http://schemas.microsoft.com/office/powerpoint/2012/main" showMasterPhAnim="0" showMasterSp="0">
+<p:notes xmlns:a="http://schemas.openxmlformats.org/drawingml/2006/main" xmlns:r="http://schemas.openxmlformats.org/officeDocument/2006/relationships" xmlns:p="http://schemas.openxmlformats.org/presentationml/2006/main" showMasterSp="0" showMasterPhAnim="0">
   <p:cSld>
     <p:spTree>
       <p:nvGrpSpPr>
-        <p:cNvPr id="122" name="Shape 122"/>
+        <p:cNvPr id="1" name="Shape 122"/>
         <p:cNvGrpSpPr/>
         <p:nvPr/>
       </p:nvGrpSpPr>
@@ -939,9 +970,11 @@
       <p:sp>
         <p:nvSpPr>
           <p:cNvPr id="123" name="Google Shape;123;g42cb35d7e9_1_19:notes"/>
-          <p:cNvSpPr/>
+          <p:cNvSpPr>
+            <a:spLocks noGrp="1" noRot="1" noChangeAspect="1"/>
+          </p:cNvSpPr>
           <p:nvPr>
-            <p:ph idx="2" type="sldImg"/>
+            <p:ph type="sldImg" idx="2"/>
           </p:nvPr>
         </p:nvSpPr>
         <p:spPr>
@@ -950,9 +983,13 @@
             <a:ext cx="6096000" cy="3429000"/>
           </a:xfrm>
           <a:custGeom>
-            <a:rect b="b" l="l" r="r" t="t"/>
+            <a:avLst/>
+            <a:gdLst/>
+            <a:ahLst/>
+            <a:cxnLst/>
+            <a:rect l="l" t="t" r="r" b="b"/>
             <a:pathLst>
-              <a:path extrusionOk="0" h="120000" w="120000">
+              <a:path w="120000" h="120000" extrusionOk="0">
                 <a:moveTo>
                   <a:pt x="0" y="0"/>
                 </a:moveTo>
@@ -974,9 +1011,11 @@
       <p:sp>
         <p:nvSpPr>
           <p:cNvPr id="124" name="Google Shape;124;g42cb35d7e9_1_19:notes"/>
-          <p:cNvSpPr txBox="1"/>
+          <p:cNvSpPr txBox="1">
+            <a:spLocks noGrp="1"/>
+          </p:cNvSpPr>
           <p:nvPr>
-            <p:ph idx="1" type="body"/>
+            <p:ph type="body" idx="1"/>
           </p:nvPr>
         </p:nvSpPr>
         <p:spPr>
@@ -989,12 +1028,12 @@
           </a:prstGeom>
         </p:spPr>
         <p:txBody>
-          <a:bodyPr anchorCtr="0" anchor="t" bIns="91425" lIns="91425" spcFirstLastPara="1" rIns="91425" wrap="square" tIns="91425">
+          <a:bodyPr spcFirstLastPara="1" wrap="square" lIns="91425" tIns="91425" rIns="91425" bIns="91425" anchor="t" anchorCtr="0">
             <a:noAutofit/>
           </a:bodyPr>
           <a:lstStyle/>
           <a:p>
-            <a:pPr indent="0" lvl="0" marL="0" rtl="0" algn="l">
+            <a:pPr marL="0" lvl="0" indent="0" algn="l" rtl="0">
               <a:spcBef>
                 <a:spcPts val="0"/>
               </a:spcBef>
@@ -1020,11 +1059,11 @@
 </file>
 
 <file path=ppt/notesSlides/notesSlide12.xml><?xml version="1.0" encoding="utf-8"?>
-<p:notes xmlns:a="http://schemas.openxmlformats.org/drawingml/2006/main" xmlns:r="http://schemas.openxmlformats.org/officeDocument/2006/relationships" xmlns:mc="http://schemas.openxmlformats.org/markup-compatibility/2006" xmlns:mv="urn:schemas-microsoft-com:mac:vml" xmlns:p="http://schemas.openxmlformats.org/presentationml/2006/main" xmlns:c="http://schemas.openxmlformats.org/drawingml/2006/chart" xmlns:dgm="http://schemas.openxmlformats.org/drawingml/2006/diagram" xmlns:o="urn:schemas-microsoft-com:office:office" xmlns:v="urn:schemas-microsoft-com:vml" xmlns:pvml="urn:schemas-microsoft-com:office:powerpoint" xmlns:com="http://schemas.openxmlformats.org/drawingml/2006/compatibility" xmlns:p14="http://schemas.microsoft.com/office/powerpoint/2010/main" xmlns:p15="http://schemas.microsoft.com/office/powerpoint/2012/main" showMasterPhAnim="0" showMasterSp="0">
+<p:notes xmlns:a="http://schemas.openxmlformats.org/drawingml/2006/main" xmlns:r="http://schemas.openxmlformats.org/officeDocument/2006/relationships" xmlns:p="http://schemas.openxmlformats.org/presentationml/2006/main" showMasterSp="0" showMasterPhAnim="0">
   <p:cSld>
     <p:spTree>
       <p:nvGrpSpPr>
-        <p:cNvPr id="128" name="Shape 128"/>
+        <p:cNvPr id="1" name="Shape 128"/>
         <p:cNvGrpSpPr/>
         <p:nvPr/>
       </p:nvGrpSpPr>
@@ -1039,9 +1078,11 @@
       <p:sp>
         <p:nvSpPr>
           <p:cNvPr id="129" name="Google Shape;129;g42cb35d7e9_1_23:notes"/>
-          <p:cNvSpPr/>
+          <p:cNvSpPr>
+            <a:spLocks noGrp="1" noRot="1" noChangeAspect="1"/>
+          </p:cNvSpPr>
           <p:nvPr>
-            <p:ph idx="2" type="sldImg"/>
+            <p:ph type="sldImg" idx="2"/>
           </p:nvPr>
         </p:nvSpPr>
         <p:spPr>
@@ -1050,9 +1091,13 @@
             <a:ext cx="6096000" cy="3429000"/>
           </a:xfrm>
           <a:custGeom>
-            <a:rect b="b" l="l" r="r" t="t"/>
+            <a:avLst/>
+            <a:gdLst/>
+            <a:ahLst/>
+            <a:cxnLst/>
+            <a:rect l="l" t="t" r="r" b="b"/>
             <a:pathLst>
-              <a:path extrusionOk="0" h="120000" w="120000">
+              <a:path w="120000" h="120000" extrusionOk="0">
                 <a:moveTo>
                   <a:pt x="0" y="0"/>
                 </a:moveTo>
@@ -1074,9 +1119,11 @@
       <p:sp>
         <p:nvSpPr>
           <p:cNvPr id="130" name="Google Shape;130;g42cb35d7e9_1_23:notes"/>
-          <p:cNvSpPr txBox="1"/>
+          <p:cNvSpPr txBox="1">
+            <a:spLocks noGrp="1"/>
+          </p:cNvSpPr>
           <p:nvPr>
-            <p:ph idx="1" type="body"/>
+            <p:ph type="body" idx="1"/>
           </p:nvPr>
         </p:nvSpPr>
         <p:spPr>
@@ -1089,12 +1136,12 @@
           </a:prstGeom>
         </p:spPr>
         <p:txBody>
-          <a:bodyPr anchorCtr="0" anchor="t" bIns="91425" lIns="91425" spcFirstLastPara="1" rIns="91425" wrap="square" tIns="91425">
+          <a:bodyPr spcFirstLastPara="1" wrap="square" lIns="91425" tIns="91425" rIns="91425" bIns="91425" anchor="t" anchorCtr="0">
             <a:noAutofit/>
           </a:bodyPr>
           <a:lstStyle/>
           <a:p>
-            <a:pPr indent="0" lvl="0" marL="0" rtl="0" algn="l">
+            <a:pPr marL="0" lvl="0" indent="0" algn="l" rtl="0">
               <a:spcBef>
                 <a:spcPts val="0"/>
               </a:spcBef>
@@ -1120,11 +1167,11 @@
 </file>
 
 <file path=ppt/notesSlides/notesSlide13.xml><?xml version="1.0" encoding="utf-8"?>
-<p:notes xmlns:a="http://schemas.openxmlformats.org/drawingml/2006/main" xmlns:r="http://schemas.openxmlformats.org/officeDocument/2006/relationships" xmlns:mc="http://schemas.openxmlformats.org/markup-compatibility/2006" xmlns:mv="urn:schemas-microsoft-com:mac:vml" xmlns:p="http://schemas.openxmlformats.org/presentationml/2006/main" xmlns:c="http://schemas.openxmlformats.org/drawingml/2006/chart" xmlns:dgm="http://schemas.openxmlformats.org/drawingml/2006/diagram" xmlns:o="urn:schemas-microsoft-com:office:office" xmlns:v="urn:schemas-microsoft-com:vml" xmlns:pvml="urn:schemas-microsoft-com:office:powerpoint" xmlns:com="http://schemas.openxmlformats.org/drawingml/2006/compatibility" xmlns:p14="http://schemas.microsoft.com/office/powerpoint/2010/main" xmlns:p15="http://schemas.microsoft.com/office/powerpoint/2012/main" showMasterPhAnim="0" showMasterSp="0">
+<p:notes xmlns:a="http://schemas.openxmlformats.org/drawingml/2006/main" xmlns:r="http://schemas.openxmlformats.org/officeDocument/2006/relationships" xmlns:p="http://schemas.openxmlformats.org/presentationml/2006/main" showMasterSp="0" showMasterPhAnim="0">
   <p:cSld>
     <p:spTree>
       <p:nvGrpSpPr>
-        <p:cNvPr id="134" name="Shape 134"/>
+        <p:cNvPr id="1" name="Shape 134"/>
         <p:cNvGrpSpPr/>
         <p:nvPr/>
       </p:nvGrpSpPr>
@@ -1139,9 +1186,11 @@
       <p:sp>
         <p:nvSpPr>
           <p:cNvPr id="135" name="Google Shape;135;g42cb35d7e9_1_27:notes"/>
-          <p:cNvSpPr/>
+          <p:cNvSpPr>
+            <a:spLocks noGrp="1" noRot="1" noChangeAspect="1"/>
+          </p:cNvSpPr>
           <p:nvPr>
-            <p:ph idx="2" type="sldImg"/>
+            <p:ph type="sldImg" idx="2"/>
           </p:nvPr>
         </p:nvSpPr>
         <p:spPr>
@@ -1150,9 +1199,13 @@
             <a:ext cx="6096000" cy="3429000"/>
           </a:xfrm>
           <a:custGeom>
-            <a:rect b="b" l="l" r="r" t="t"/>
+            <a:avLst/>
+            <a:gdLst/>
+            <a:ahLst/>
+            <a:cxnLst/>
+            <a:rect l="l" t="t" r="r" b="b"/>
             <a:pathLst>
-              <a:path extrusionOk="0" h="120000" w="120000">
+              <a:path w="120000" h="120000" extrusionOk="0">
                 <a:moveTo>
                   <a:pt x="0" y="0"/>
                 </a:moveTo>
@@ -1174,9 +1227,11 @@
       <p:sp>
         <p:nvSpPr>
           <p:cNvPr id="136" name="Google Shape;136;g42cb35d7e9_1_27:notes"/>
-          <p:cNvSpPr txBox="1"/>
+          <p:cNvSpPr txBox="1">
+            <a:spLocks noGrp="1"/>
+          </p:cNvSpPr>
           <p:nvPr>
-            <p:ph idx="1" type="body"/>
+            <p:ph type="body" idx="1"/>
           </p:nvPr>
         </p:nvSpPr>
         <p:spPr>
@@ -1189,12 +1244,12 @@
           </a:prstGeom>
         </p:spPr>
         <p:txBody>
-          <a:bodyPr anchorCtr="0" anchor="t" bIns="91425" lIns="91425" spcFirstLastPara="1" rIns="91425" wrap="square" tIns="91425">
+          <a:bodyPr spcFirstLastPara="1" wrap="square" lIns="91425" tIns="91425" rIns="91425" bIns="91425" anchor="t" anchorCtr="0">
             <a:noAutofit/>
           </a:bodyPr>
           <a:lstStyle/>
           <a:p>
-            <a:pPr indent="0" lvl="0" marL="0" rtl="0" algn="l">
+            <a:pPr marL="0" lvl="0" indent="0" algn="l" rtl="0">
               <a:spcBef>
                 <a:spcPts val="0"/>
               </a:spcBef>
@@ -1220,11 +1275,11 @@
 </file>
 
 <file path=ppt/notesSlides/notesSlide14.xml><?xml version="1.0" encoding="utf-8"?>
-<p:notes xmlns:a="http://schemas.openxmlformats.org/drawingml/2006/main" xmlns:r="http://schemas.openxmlformats.org/officeDocument/2006/relationships" xmlns:mc="http://schemas.openxmlformats.org/markup-compatibility/2006" xmlns:mv="urn:schemas-microsoft-com:mac:vml" xmlns:p="http://schemas.openxmlformats.org/presentationml/2006/main" xmlns:c="http://schemas.openxmlformats.org/drawingml/2006/chart" xmlns:dgm="http://schemas.openxmlformats.org/drawingml/2006/diagram" xmlns:o="urn:schemas-microsoft-com:office:office" xmlns:v="urn:schemas-microsoft-com:vml" xmlns:pvml="urn:schemas-microsoft-com:office:powerpoint" xmlns:com="http://schemas.openxmlformats.org/drawingml/2006/compatibility" xmlns:p14="http://schemas.microsoft.com/office/powerpoint/2010/main" xmlns:p15="http://schemas.microsoft.com/office/powerpoint/2012/main" showMasterPhAnim="0" showMasterSp="0">
+<p:notes xmlns:a="http://schemas.openxmlformats.org/drawingml/2006/main" xmlns:r="http://schemas.openxmlformats.org/officeDocument/2006/relationships" xmlns:p="http://schemas.openxmlformats.org/presentationml/2006/main" showMasterSp="0" showMasterPhAnim="0">
   <p:cSld>
     <p:spTree>
       <p:nvGrpSpPr>
-        <p:cNvPr id="140" name="Shape 140"/>
+        <p:cNvPr id="1" name="Shape 140"/>
         <p:cNvGrpSpPr/>
         <p:nvPr/>
       </p:nvGrpSpPr>
@@ -1239,9 +1294,11 @@
       <p:sp>
         <p:nvSpPr>
           <p:cNvPr id="141" name="Google Shape;141;g42cb35d7e9_1_35:notes"/>
-          <p:cNvSpPr/>
+          <p:cNvSpPr>
+            <a:spLocks noGrp="1" noRot="1" noChangeAspect="1"/>
+          </p:cNvSpPr>
           <p:nvPr>
-            <p:ph idx="2" type="sldImg"/>
+            <p:ph type="sldImg" idx="2"/>
           </p:nvPr>
         </p:nvSpPr>
         <p:spPr>
@@ -1250,9 +1307,13 @@
             <a:ext cx="6096000" cy="3429000"/>
           </a:xfrm>
           <a:custGeom>
-            <a:rect b="b" l="l" r="r" t="t"/>
+            <a:avLst/>
+            <a:gdLst/>
+            <a:ahLst/>
+            <a:cxnLst/>
+            <a:rect l="l" t="t" r="r" b="b"/>
             <a:pathLst>
-              <a:path extrusionOk="0" h="120000" w="120000">
+              <a:path w="120000" h="120000" extrusionOk="0">
                 <a:moveTo>
                   <a:pt x="0" y="0"/>
                 </a:moveTo>
@@ -1274,9 +1335,11 @@
       <p:sp>
         <p:nvSpPr>
           <p:cNvPr id="142" name="Google Shape;142;g42cb35d7e9_1_35:notes"/>
-          <p:cNvSpPr txBox="1"/>
+          <p:cNvSpPr txBox="1">
+            <a:spLocks noGrp="1"/>
+          </p:cNvSpPr>
           <p:nvPr>
-            <p:ph idx="1" type="body"/>
+            <p:ph type="body" idx="1"/>
           </p:nvPr>
         </p:nvSpPr>
         <p:spPr>
@@ -1289,12 +1352,12 @@
           </a:prstGeom>
         </p:spPr>
         <p:txBody>
-          <a:bodyPr anchorCtr="0" anchor="t" bIns="91425" lIns="91425" spcFirstLastPara="1" rIns="91425" wrap="square" tIns="91425">
+          <a:bodyPr spcFirstLastPara="1" wrap="square" lIns="91425" tIns="91425" rIns="91425" bIns="91425" anchor="t" anchorCtr="0">
             <a:noAutofit/>
           </a:bodyPr>
           <a:lstStyle/>
           <a:p>
-            <a:pPr indent="0" lvl="0" marL="0" rtl="0" algn="l">
+            <a:pPr marL="0" lvl="0" indent="0" algn="l" rtl="0">
               <a:spcBef>
                 <a:spcPts val="0"/>
               </a:spcBef>
@@ -1320,11 +1383,11 @@
 </file>
 
 <file path=ppt/notesSlides/notesSlide15.xml><?xml version="1.0" encoding="utf-8"?>
-<p:notes xmlns:a="http://schemas.openxmlformats.org/drawingml/2006/main" xmlns:r="http://schemas.openxmlformats.org/officeDocument/2006/relationships" xmlns:mc="http://schemas.openxmlformats.org/markup-compatibility/2006" xmlns:mv="urn:schemas-microsoft-com:mac:vml" xmlns:p="http://schemas.openxmlformats.org/presentationml/2006/main" xmlns:c="http://schemas.openxmlformats.org/drawingml/2006/chart" xmlns:dgm="http://schemas.openxmlformats.org/drawingml/2006/diagram" xmlns:o="urn:schemas-microsoft-com:office:office" xmlns:v="urn:schemas-microsoft-com:vml" xmlns:pvml="urn:schemas-microsoft-com:office:powerpoint" xmlns:com="http://schemas.openxmlformats.org/drawingml/2006/compatibility" xmlns:p14="http://schemas.microsoft.com/office/powerpoint/2010/main" xmlns:p15="http://schemas.microsoft.com/office/powerpoint/2012/main" showMasterPhAnim="0" showMasterSp="0">
+<p:notes xmlns:a="http://schemas.openxmlformats.org/drawingml/2006/main" xmlns:r="http://schemas.openxmlformats.org/officeDocument/2006/relationships" xmlns:p="http://schemas.openxmlformats.org/presentationml/2006/main" showMasterSp="0" showMasterPhAnim="0">
   <p:cSld>
     <p:spTree>
       <p:nvGrpSpPr>
-        <p:cNvPr id="146" name="Shape 146"/>
+        <p:cNvPr id="1" name="Shape 146"/>
         <p:cNvGrpSpPr/>
         <p:nvPr/>
       </p:nvGrpSpPr>
@@ -1339,9 +1402,11 @@
       <p:sp>
         <p:nvSpPr>
           <p:cNvPr id="147" name="Google Shape;147;g42cb35d7e9_22_7:notes"/>
-          <p:cNvSpPr/>
+          <p:cNvSpPr>
+            <a:spLocks noGrp="1" noRot="1" noChangeAspect="1"/>
+          </p:cNvSpPr>
           <p:nvPr>
-            <p:ph idx="2" type="sldImg"/>
+            <p:ph type="sldImg" idx="2"/>
           </p:nvPr>
         </p:nvSpPr>
         <p:spPr>
@@ -1350,9 +1415,13 @@
             <a:ext cx="6096000" cy="3429000"/>
           </a:xfrm>
           <a:custGeom>
-            <a:rect b="b" l="l" r="r" t="t"/>
+            <a:avLst/>
+            <a:gdLst/>
+            <a:ahLst/>
+            <a:cxnLst/>
+            <a:rect l="l" t="t" r="r" b="b"/>
             <a:pathLst>
-              <a:path extrusionOk="0" h="120000" w="120000">
+              <a:path w="120000" h="120000" extrusionOk="0">
                 <a:moveTo>
                   <a:pt x="0" y="0"/>
                 </a:moveTo>
@@ -1374,9 +1443,11 @@
       <p:sp>
         <p:nvSpPr>
           <p:cNvPr id="148" name="Google Shape;148;g42cb35d7e9_22_7:notes"/>
-          <p:cNvSpPr txBox="1"/>
+          <p:cNvSpPr txBox="1">
+            <a:spLocks noGrp="1"/>
+          </p:cNvSpPr>
           <p:nvPr>
-            <p:ph idx="1" type="body"/>
+            <p:ph type="body" idx="1"/>
           </p:nvPr>
         </p:nvSpPr>
         <p:spPr>
@@ -1389,12 +1460,12 @@
           </a:prstGeom>
         </p:spPr>
         <p:txBody>
-          <a:bodyPr anchorCtr="0" anchor="t" bIns="91425" lIns="91425" spcFirstLastPara="1" rIns="91425" wrap="square" tIns="91425">
+          <a:bodyPr spcFirstLastPara="1" wrap="square" lIns="91425" tIns="91425" rIns="91425" bIns="91425" anchor="t" anchorCtr="0">
             <a:noAutofit/>
           </a:bodyPr>
           <a:lstStyle/>
           <a:p>
-            <a:pPr indent="0" lvl="0" marL="0" rtl="0" algn="l">
+            <a:pPr marL="0" lvl="0" indent="0" algn="l" rtl="0">
               <a:spcBef>
                 <a:spcPts val="0"/>
               </a:spcBef>
@@ -1420,11 +1491,11 @@
 </file>
 
 <file path=ppt/notesSlides/notesSlide16.xml><?xml version="1.0" encoding="utf-8"?>
-<p:notes xmlns:a="http://schemas.openxmlformats.org/drawingml/2006/main" xmlns:r="http://schemas.openxmlformats.org/officeDocument/2006/relationships" xmlns:mc="http://schemas.openxmlformats.org/markup-compatibility/2006" xmlns:mv="urn:schemas-microsoft-com:mac:vml" xmlns:p="http://schemas.openxmlformats.org/presentationml/2006/main" xmlns:c="http://schemas.openxmlformats.org/drawingml/2006/chart" xmlns:dgm="http://schemas.openxmlformats.org/drawingml/2006/diagram" xmlns:o="urn:schemas-microsoft-com:office:office" xmlns:v="urn:schemas-microsoft-com:vml" xmlns:pvml="urn:schemas-microsoft-com:office:powerpoint" xmlns:com="http://schemas.openxmlformats.org/drawingml/2006/compatibility" xmlns:p14="http://schemas.microsoft.com/office/powerpoint/2010/main" xmlns:p15="http://schemas.microsoft.com/office/powerpoint/2012/main" showMasterPhAnim="0" showMasterSp="0">
+<p:notes xmlns:a="http://schemas.openxmlformats.org/drawingml/2006/main" xmlns:r="http://schemas.openxmlformats.org/officeDocument/2006/relationships" xmlns:p="http://schemas.openxmlformats.org/presentationml/2006/main" showMasterSp="0" showMasterPhAnim="0">
   <p:cSld>
     <p:spTree>
       <p:nvGrpSpPr>
-        <p:cNvPr id="152" name="Shape 152"/>
+        <p:cNvPr id="1" name="Shape 152"/>
         <p:cNvGrpSpPr/>
         <p:nvPr/>
       </p:nvGrpSpPr>
@@ -1439,9 +1510,11 @@
       <p:sp>
         <p:nvSpPr>
           <p:cNvPr id="153" name="Google Shape;153;g42cb35d7e9_1_31:notes"/>
-          <p:cNvSpPr/>
+          <p:cNvSpPr>
+            <a:spLocks noGrp="1" noRot="1" noChangeAspect="1"/>
+          </p:cNvSpPr>
           <p:nvPr>
-            <p:ph idx="2" type="sldImg"/>
+            <p:ph type="sldImg" idx="2"/>
           </p:nvPr>
         </p:nvSpPr>
         <p:spPr>
@@ -1450,9 +1523,13 @@
             <a:ext cx="6096000" cy="3429000"/>
           </a:xfrm>
           <a:custGeom>
-            <a:rect b="b" l="l" r="r" t="t"/>
+            <a:avLst/>
+            <a:gdLst/>
+            <a:ahLst/>
+            <a:cxnLst/>
+            <a:rect l="l" t="t" r="r" b="b"/>
             <a:pathLst>
-              <a:path extrusionOk="0" h="120000" w="120000">
+              <a:path w="120000" h="120000" extrusionOk="0">
                 <a:moveTo>
                   <a:pt x="0" y="0"/>
                 </a:moveTo>
@@ -1474,9 +1551,11 @@
       <p:sp>
         <p:nvSpPr>
           <p:cNvPr id="154" name="Google Shape;154;g42cb35d7e9_1_31:notes"/>
-          <p:cNvSpPr txBox="1"/>
+          <p:cNvSpPr txBox="1">
+            <a:spLocks noGrp="1"/>
+          </p:cNvSpPr>
           <p:nvPr>
-            <p:ph idx="1" type="body"/>
+            <p:ph type="body" idx="1"/>
           </p:nvPr>
         </p:nvSpPr>
         <p:spPr>
@@ -1489,12 +1568,12 @@
           </a:prstGeom>
         </p:spPr>
         <p:txBody>
-          <a:bodyPr anchorCtr="0" anchor="t" bIns="91425" lIns="91425" spcFirstLastPara="1" rIns="91425" wrap="square" tIns="91425">
+          <a:bodyPr spcFirstLastPara="1" wrap="square" lIns="91425" tIns="91425" rIns="91425" bIns="91425" anchor="t" anchorCtr="0">
             <a:noAutofit/>
           </a:bodyPr>
           <a:lstStyle/>
           <a:p>
-            <a:pPr indent="0" lvl="0" marL="0" rtl="0" algn="l">
+            <a:pPr marL="0" lvl="0" indent="0" algn="l" rtl="0">
               <a:spcBef>
                 <a:spcPts val="0"/>
               </a:spcBef>
@@ -1520,11 +1599,11 @@
 </file>
 
 <file path=ppt/notesSlides/notesSlide17.xml><?xml version="1.0" encoding="utf-8"?>
-<p:notes xmlns:a="http://schemas.openxmlformats.org/drawingml/2006/main" xmlns:r="http://schemas.openxmlformats.org/officeDocument/2006/relationships" xmlns:mc="http://schemas.openxmlformats.org/markup-compatibility/2006" xmlns:mv="urn:schemas-microsoft-com:mac:vml" xmlns:p="http://schemas.openxmlformats.org/presentationml/2006/main" xmlns:c="http://schemas.openxmlformats.org/drawingml/2006/chart" xmlns:dgm="http://schemas.openxmlformats.org/drawingml/2006/diagram" xmlns:o="urn:schemas-microsoft-com:office:office" xmlns:v="urn:schemas-microsoft-com:vml" xmlns:pvml="urn:schemas-microsoft-com:office:powerpoint" xmlns:com="http://schemas.openxmlformats.org/drawingml/2006/compatibility" xmlns:p14="http://schemas.microsoft.com/office/powerpoint/2010/main" xmlns:p15="http://schemas.microsoft.com/office/powerpoint/2012/main" showMasterPhAnim="0" showMasterSp="0">
+<p:notes xmlns:a="http://schemas.openxmlformats.org/drawingml/2006/main" xmlns:r="http://schemas.openxmlformats.org/officeDocument/2006/relationships" xmlns:p="http://schemas.openxmlformats.org/presentationml/2006/main" showMasterSp="0" showMasterPhAnim="0">
   <p:cSld>
     <p:spTree>
       <p:nvGrpSpPr>
-        <p:cNvPr id="158" name="Shape 158"/>
+        <p:cNvPr id="1" name="Shape 158"/>
         <p:cNvGrpSpPr/>
         <p:nvPr/>
       </p:nvGrpSpPr>
@@ -1539,20 +1618,26 @@
       <p:sp>
         <p:nvSpPr>
           <p:cNvPr id="159" name="Google Shape;159;g42cb35d7e9_22_12:notes"/>
-          <p:cNvSpPr/>
+          <p:cNvSpPr>
+            <a:spLocks noGrp="1" noRot="1" noChangeAspect="1"/>
+          </p:cNvSpPr>
           <p:nvPr>
-            <p:ph idx="2" type="sldImg"/>
+            <p:ph type="sldImg" idx="2"/>
           </p:nvPr>
         </p:nvSpPr>
         <p:spPr>
           <a:xfrm>
-            <a:off x="381300" y="685800"/>
+            <a:off x="381000" y="685800"/>
             <a:ext cx="6096000" cy="3429000"/>
           </a:xfrm>
           <a:custGeom>
-            <a:rect b="b" l="l" r="r" t="t"/>
+            <a:avLst/>
+            <a:gdLst/>
+            <a:ahLst/>
+            <a:cxnLst/>
+            <a:rect l="l" t="t" r="r" b="b"/>
             <a:pathLst>
-              <a:path extrusionOk="0" h="120000" w="120000">
+              <a:path w="120000" h="120000" extrusionOk="0">
                 <a:moveTo>
                   <a:pt x="0" y="0"/>
                 </a:moveTo>
@@ -1574,9 +1659,11 @@
       <p:sp>
         <p:nvSpPr>
           <p:cNvPr id="160" name="Google Shape;160;g42cb35d7e9_22_12:notes"/>
-          <p:cNvSpPr txBox="1"/>
+          <p:cNvSpPr txBox="1">
+            <a:spLocks noGrp="1"/>
+          </p:cNvSpPr>
           <p:nvPr>
-            <p:ph idx="1" type="body"/>
+            <p:ph type="body" idx="1"/>
           </p:nvPr>
         </p:nvSpPr>
         <p:spPr>
@@ -1589,12 +1676,12 @@
           </a:prstGeom>
         </p:spPr>
         <p:txBody>
-          <a:bodyPr anchorCtr="0" anchor="t" bIns="91425" lIns="91425" spcFirstLastPara="1" rIns="91425" wrap="square" tIns="91425">
+          <a:bodyPr spcFirstLastPara="1" wrap="square" lIns="91425" tIns="91425" rIns="91425" bIns="91425" anchor="t" anchorCtr="0">
             <a:noAutofit/>
           </a:bodyPr>
           <a:lstStyle/>
           <a:p>
-            <a:pPr indent="0" lvl="0" marL="0" rtl="0" algn="l">
+            <a:pPr marL="0" lvl="0" indent="0" algn="l" rtl="0">
               <a:spcBef>
                 <a:spcPts val="0"/>
               </a:spcBef>
@@ -1620,11 +1707,11 @@
 </file>
 
 <file path=ppt/notesSlides/notesSlide18.xml><?xml version="1.0" encoding="utf-8"?>
-<p:notes xmlns:a="http://schemas.openxmlformats.org/drawingml/2006/main" xmlns:r="http://schemas.openxmlformats.org/officeDocument/2006/relationships" xmlns:mc="http://schemas.openxmlformats.org/markup-compatibility/2006" xmlns:mv="urn:schemas-microsoft-com:mac:vml" xmlns:p="http://schemas.openxmlformats.org/presentationml/2006/main" xmlns:c="http://schemas.openxmlformats.org/drawingml/2006/chart" xmlns:dgm="http://schemas.openxmlformats.org/drawingml/2006/diagram" xmlns:o="urn:schemas-microsoft-com:office:office" xmlns:v="urn:schemas-microsoft-com:vml" xmlns:pvml="urn:schemas-microsoft-com:office:powerpoint" xmlns:com="http://schemas.openxmlformats.org/drawingml/2006/compatibility" xmlns:p14="http://schemas.microsoft.com/office/powerpoint/2010/main" xmlns:p15="http://schemas.microsoft.com/office/powerpoint/2012/main" showMasterPhAnim="0" showMasterSp="0">
+<p:notes xmlns:a="http://schemas.openxmlformats.org/drawingml/2006/main" xmlns:r="http://schemas.openxmlformats.org/officeDocument/2006/relationships" xmlns:p="http://schemas.openxmlformats.org/presentationml/2006/main" showMasterSp="0" showMasterPhAnim="0">
   <p:cSld>
     <p:spTree>
       <p:nvGrpSpPr>
-        <p:cNvPr id="164" name="Shape 164"/>
+        <p:cNvPr id="1" name="Shape 164"/>
         <p:cNvGrpSpPr/>
         <p:nvPr/>
       </p:nvGrpSpPr>
@@ -1639,9 +1726,11 @@
       <p:sp>
         <p:nvSpPr>
           <p:cNvPr id="165" name="Google Shape;165;g42a7c12f2a_3_18:notes"/>
-          <p:cNvSpPr/>
+          <p:cNvSpPr>
+            <a:spLocks noGrp="1" noRot="1" noChangeAspect="1"/>
+          </p:cNvSpPr>
           <p:nvPr>
-            <p:ph idx="2" type="sldImg"/>
+            <p:ph type="sldImg" idx="2"/>
           </p:nvPr>
         </p:nvSpPr>
         <p:spPr>
@@ -1650,9 +1739,13 @@
             <a:ext cx="6096000" cy="3429000"/>
           </a:xfrm>
           <a:custGeom>
-            <a:rect b="b" l="l" r="r" t="t"/>
+            <a:avLst/>
+            <a:gdLst/>
+            <a:ahLst/>
+            <a:cxnLst/>
+            <a:rect l="l" t="t" r="r" b="b"/>
             <a:pathLst>
-              <a:path extrusionOk="0" h="120000" w="120000">
+              <a:path w="120000" h="120000" extrusionOk="0">
                 <a:moveTo>
                   <a:pt x="0" y="0"/>
                 </a:moveTo>
@@ -1674,9 +1767,11 @@
       <p:sp>
         <p:nvSpPr>
           <p:cNvPr id="166" name="Google Shape;166;g42a7c12f2a_3_18:notes"/>
-          <p:cNvSpPr txBox="1"/>
+          <p:cNvSpPr txBox="1">
+            <a:spLocks noGrp="1"/>
+          </p:cNvSpPr>
           <p:nvPr>
-            <p:ph idx="1" type="body"/>
+            <p:ph type="body" idx="1"/>
           </p:nvPr>
         </p:nvSpPr>
         <p:spPr>
@@ -1689,12 +1784,12 @@
           </a:prstGeom>
         </p:spPr>
         <p:txBody>
-          <a:bodyPr anchorCtr="0" anchor="t" bIns="91425" lIns="91425" spcFirstLastPara="1" rIns="91425" wrap="square" tIns="91425">
+          <a:bodyPr spcFirstLastPara="1" wrap="square" lIns="91425" tIns="91425" rIns="91425" bIns="91425" anchor="t" anchorCtr="0">
             <a:noAutofit/>
           </a:bodyPr>
           <a:lstStyle/>
           <a:p>
-            <a:pPr indent="0" lvl="0" marL="0" rtl="0" algn="l">
+            <a:pPr marL="0" lvl="0" indent="0" algn="l" rtl="0">
               <a:spcBef>
                 <a:spcPts val="0"/>
               </a:spcBef>
@@ -1720,11 +1815,11 @@
 </file>
 
 <file path=ppt/notesSlides/notesSlide19.xml><?xml version="1.0" encoding="utf-8"?>
-<p:notes xmlns:a="http://schemas.openxmlformats.org/drawingml/2006/main" xmlns:r="http://schemas.openxmlformats.org/officeDocument/2006/relationships" xmlns:mc="http://schemas.openxmlformats.org/markup-compatibility/2006" xmlns:mv="urn:schemas-microsoft-com:mac:vml" xmlns:p="http://schemas.openxmlformats.org/presentationml/2006/main" xmlns:c="http://schemas.openxmlformats.org/drawingml/2006/chart" xmlns:dgm="http://schemas.openxmlformats.org/drawingml/2006/diagram" xmlns:o="urn:schemas-microsoft-com:office:office" xmlns:v="urn:schemas-microsoft-com:vml" xmlns:pvml="urn:schemas-microsoft-com:office:powerpoint" xmlns:com="http://schemas.openxmlformats.org/drawingml/2006/compatibility" xmlns:p14="http://schemas.microsoft.com/office/powerpoint/2010/main" xmlns:p15="http://schemas.microsoft.com/office/powerpoint/2012/main" showMasterPhAnim="0" showMasterSp="0">
+<p:notes xmlns:a="http://schemas.openxmlformats.org/drawingml/2006/main" xmlns:r="http://schemas.openxmlformats.org/officeDocument/2006/relationships" xmlns:p="http://schemas.openxmlformats.org/presentationml/2006/main" showMasterSp="0" showMasterPhAnim="0">
   <p:cSld>
     <p:spTree>
       <p:nvGrpSpPr>
-        <p:cNvPr id="170" name="Shape 170"/>
+        <p:cNvPr id="1" name="Shape 170"/>
         <p:cNvGrpSpPr/>
         <p:nvPr/>
       </p:nvGrpSpPr>
@@ -1739,9 +1834,11 @@
       <p:sp>
         <p:nvSpPr>
           <p:cNvPr id="171" name="Google Shape;171;g42cb35d7e9_5_0:notes"/>
-          <p:cNvSpPr/>
+          <p:cNvSpPr>
+            <a:spLocks noGrp="1" noRot="1" noChangeAspect="1"/>
+          </p:cNvSpPr>
           <p:nvPr>
-            <p:ph idx="2" type="sldImg"/>
+            <p:ph type="sldImg" idx="2"/>
           </p:nvPr>
         </p:nvSpPr>
         <p:spPr>
@@ -1750,9 +1847,13 @@
             <a:ext cx="6096000" cy="3429000"/>
           </a:xfrm>
           <a:custGeom>
-            <a:rect b="b" l="l" r="r" t="t"/>
+            <a:avLst/>
+            <a:gdLst/>
+            <a:ahLst/>
+            <a:cxnLst/>
+            <a:rect l="l" t="t" r="r" b="b"/>
             <a:pathLst>
-              <a:path extrusionOk="0" h="120000" w="120000">
+              <a:path w="120000" h="120000" extrusionOk="0">
                 <a:moveTo>
                   <a:pt x="0" y="0"/>
                 </a:moveTo>
@@ -1774,9 +1875,11 @@
       <p:sp>
         <p:nvSpPr>
           <p:cNvPr id="172" name="Google Shape;172;g42cb35d7e9_5_0:notes"/>
-          <p:cNvSpPr txBox="1"/>
+          <p:cNvSpPr txBox="1">
+            <a:spLocks noGrp="1"/>
+          </p:cNvSpPr>
           <p:nvPr>
-            <p:ph idx="1" type="body"/>
+            <p:ph type="body" idx="1"/>
           </p:nvPr>
         </p:nvSpPr>
         <p:spPr>
@@ -1789,12 +1892,12 @@
           </a:prstGeom>
         </p:spPr>
         <p:txBody>
-          <a:bodyPr anchorCtr="0" anchor="t" bIns="91425" lIns="91425" spcFirstLastPara="1" rIns="91425" wrap="square" tIns="91425">
+          <a:bodyPr spcFirstLastPara="1" wrap="square" lIns="91425" tIns="91425" rIns="91425" bIns="91425" anchor="t" anchorCtr="0">
             <a:noAutofit/>
           </a:bodyPr>
           <a:lstStyle/>
           <a:p>
-            <a:pPr indent="0" lvl="0" marL="0" rtl="0" algn="l">
+            <a:pPr marL="0" lvl="0" indent="0" algn="l" rtl="0">
               <a:spcBef>
                 <a:spcPts val="0"/>
               </a:spcBef>
@@ -1820,11 +1923,11 @@
 </file>
 
 <file path=ppt/notesSlides/notesSlide2.xml><?xml version="1.0" encoding="utf-8"?>
-<p:notes xmlns:a="http://schemas.openxmlformats.org/drawingml/2006/main" xmlns:r="http://schemas.openxmlformats.org/officeDocument/2006/relationships" xmlns:mc="http://schemas.openxmlformats.org/markup-compatibility/2006" xmlns:mv="urn:schemas-microsoft-com:mac:vml" xmlns:p="http://schemas.openxmlformats.org/presentationml/2006/main" xmlns:c="http://schemas.openxmlformats.org/drawingml/2006/chart" xmlns:dgm="http://schemas.openxmlformats.org/drawingml/2006/diagram" xmlns:o="urn:schemas-microsoft-com:office:office" xmlns:v="urn:schemas-microsoft-com:vml" xmlns:pvml="urn:schemas-microsoft-com:office:powerpoint" xmlns:com="http://schemas.openxmlformats.org/drawingml/2006/compatibility" xmlns:p14="http://schemas.microsoft.com/office/powerpoint/2010/main" xmlns:p15="http://schemas.microsoft.com/office/powerpoint/2012/main" showMasterPhAnim="0" showMasterSp="0">
+<p:notes xmlns:a="http://schemas.openxmlformats.org/drawingml/2006/main" xmlns:r="http://schemas.openxmlformats.org/officeDocument/2006/relationships" xmlns:p="http://schemas.openxmlformats.org/presentationml/2006/main" showMasterSp="0" showMasterPhAnim="0">
   <p:cSld>
     <p:spTree>
       <p:nvGrpSpPr>
-        <p:cNvPr id="67" name="Shape 67"/>
+        <p:cNvPr id="1" name="Shape 67"/>
         <p:cNvGrpSpPr/>
         <p:nvPr/>
       </p:nvGrpSpPr>
@@ -1839,9 +1942,11 @@
       <p:sp>
         <p:nvSpPr>
           <p:cNvPr id="68" name="Google Shape;68;g42a7c12f2a_0_153:notes"/>
-          <p:cNvSpPr/>
+          <p:cNvSpPr>
+            <a:spLocks noGrp="1" noRot="1" noChangeAspect="1"/>
+          </p:cNvSpPr>
           <p:nvPr>
-            <p:ph idx="2" type="sldImg"/>
+            <p:ph type="sldImg" idx="2"/>
           </p:nvPr>
         </p:nvSpPr>
         <p:spPr>
@@ -1850,9 +1955,13 @@
             <a:ext cx="6096000" cy="3429000"/>
           </a:xfrm>
           <a:custGeom>
-            <a:rect b="b" l="l" r="r" t="t"/>
+            <a:avLst/>
+            <a:gdLst/>
+            <a:ahLst/>
+            <a:cxnLst/>
+            <a:rect l="l" t="t" r="r" b="b"/>
             <a:pathLst>
-              <a:path extrusionOk="0" h="120000" w="120000">
+              <a:path w="120000" h="120000" extrusionOk="0">
                 <a:moveTo>
                   <a:pt x="0" y="0"/>
                 </a:moveTo>
@@ -1874,9 +1983,11 @@
       <p:sp>
         <p:nvSpPr>
           <p:cNvPr id="69" name="Google Shape;69;g42a7c12f2a_0_153:notes"/>
-          <p:cNvSpPr txBox="1"/>
+          <p:cNvSpPr txBox="1">
+            <a:spLocks noGrp="1"/>
+          </p:cNvSpPr>
           <p:nvPr>
-            <p:ph idx="1" type="body"/>
+            <p:ph type="body" idx="1"/>
           </p:nvPr>
         </p:nvSpPr>
         <p:spPr>
@@ -1889,12 +2000,12 @@
           </a:prstGeom>
         </p:spPr>
         <p:txBody>
-          <a:bodyPr anchorCtr="0" anchor="t" bIns="91425" lIns="91425" spcFirstLastPara="1" rIns="91425" wrap="square" tIns="91425">
+          <a:bodyPr spcFirstLastPara="1" wrap="square" lIns="91425" tIns="91425" rIns="91425" bIns="91425" anchor="t" anchorCtr="0">
             <a:noAutofit/>
           </a:bodyPr>
           <a:lstStyle/>
           <a:p>
-            <a:pPr indent="0" lvl="0" marL="0" rtl="0" algn="l">
+            <a:pPr marL="0" lvl="0" indent="0" algn="l" rtl="0">
               <a:spcBef>
                 <a:spcPts val="0"/>
               </a:spcBef>
@@ -1920,11 +2031,11 @@
 </file>
 
 <file path=ppt/notesSlides/notesSlide20.xml><?xml version="1.0" encoding="utf-8"?>
-<p:notes xmlns:a="http://schemas.openxmlformats.org/drawingml/2006/main" xmlns:r="http://schemas.openxmlformats.org/officeDocument/2006/relationships" xmlns:mc="http://schemas.openxmlformats.org/markup-compatibility/2006" xmlns:mv="urn:schemas-microsoft-com:mac:vml" xmlns:p="http://schemas.openxmlformats.org/presentationml/2006/main" xmlns:c="http://schemas.openxmlformats.org/drawingml/2006/chart" xmlns:dgm="http://schemas.openxmlformats.org/drawingml/2006/diagram" xmlns:o="urn:schemas-microsoft-com:office:office" xmlns:v="urn:schemas-microsoft-com:vml" xmlns:pvml="urn:schemas-microsoft-com:office:powerpoint" xmlns:com="http://schemas.openxmlformats.org/drawingml/2006/compatibility" xmlns:p14="http://schemas.microsoft.com/office/powerpoint/2010/main" xmlns:p15="http://schemas.microsoft.com/office/powerpoint/2012/main" showMasterPhAnim="0" showMasterSp="0">
+<p:notes xmlns:a="http://schemas.openxmlformats.org/drawingml/2006/main" xmlns:r="http://schemas.openxmlformats.org/officeDocument/2006/relationships" xmlns:p="http://schemas.openxmlformats.org/presentationml/2006/main" showMasterSp="0" showMasterPhAnim="0">
   <p:cSld>
     <p:spTree>
       <p:nvGrpSpPr>
-        <p:cNvPr id="176" name="Shape 176"/>
+        <p:cNvPr id="1" name="Shape 176"/>
         <p:cNvGrpSpPr/>
         <p:nvPr/>
       </p:nvGrpSpPr>
@@ -1939,9 +2050,11 @@
       <p:sp>
         <p:nvSpPr>
           <p:cNvPr id="177" name="Google Shape;177;g42cb35d7e9_22_0:notes"/>
-          <p:cNvSpPr/>
+          <p:cNvSpPr>
+            <a:spLocks noGrp="1" noRot="1" noChangeAspect="1"/>
+          </p:cNvSpPr>
           <p:nvPr>
-            <p:ph idx="2" type="sldImg"/>
+            <p:ph type="sldImg" idx="2"/>
           </p:nvPr>
         </p:nvSpPr>
         <p:spPr>
@@ -1950,9 +2063,13 @@
             <a:ext cx="6096000" cy="3429000"/>
           </a:xfrm>
           <a:custGeom>
-            <a:rect b="b" l="l" r="r" t="t"/>
+            <a:avLst/>
+            <a:gdLst/>
+            <a:ahLst/>
+            <a:cxnLst/>
+            <a:rect l="l" t="t" r="r" b="b"/>
             <a:pathLst>
-              <a:path extrusionOk="0" h="120000" w="120000">
+              <a:path w="120000" h="120000" extrusionOk="0">
                 <a:moveTo>
                   <a:pt x="0" y="0"/>
                 </a:moveTo>
@@ -1974,9 +2091,11 @@
       <p:sp>
         <p:nvSpPr>
           <p:cNvPr id="178" name="Google Shape;178;g42cb35d7e9_22_0:notes"/>
-          <p:cNvSpPr txBox="1"/>
+          <p:cNvSpPr txBox="1">
+            <a:spLocks noGrp="1"/>
+          </p:cNvSpPr>
           <p:nvPr>
-            <p:ph idx="1" type="body"/>
+            <p:ph type="body" idx="1"/>
           </p:nvPr>
         </p:nvSpPr>
         <p:spPr>
@@ -1989,12 +2108,12 @@
           </a:prstGeom>
         </p:spPr>
         <p:txBody>
-          <a:bodyPr anchorCtr="0" anchor="t" bIns="91425" lIns="91425" spcFirstLastPara="1" rIns="91425" wrap="square" tIns="91425">
+          <a:bodyPr spcFirstLastPara="1" wrap="square" lIns="91425" tIns="91425" rIns="91425" bIns="91425" anchor="t" anchorCtr="0">
             <a:noAutofit/>
           </a:bodyPr>
           <a:lstStyle/>
           <a:p>
-            <a:pPr indent="0" lvl="0" marL="0" rtl="0" algn="l">
+            <a:pPr marL="0" lvl="0" indent="0" algn="l" rtl="0">
               <a:spcBef>
                 <a:spcPts val="0"/>
               </a:spcBef>
@@ -2020,11 +2139,11 @@
 </file>
 
 <file path=ppt/notesSlides/notesSlide3.xml><?xml version="1.0" encoding="utf-8"?>
-<p:notes xmlns:a="http://schemas.openxmlformats.org/drawingml/2006/main" xmlns:r="http://schemas.openxmlformats.org/officeDocument/2006/relationships" xmlns:mc="http://schemas.openxmlformats.org/markup-compatibility/2006" xmlns:mv="urn:schemas-microsoft-com:mac:vml" xmlns:p="http://schemas.openxmlformats.org/presentationml/2006/main" xmlns:c="http://schemas.openxmlformats.org/drawingml/2006/chart" xmlns:dgm="http://schemas.openxmlformats.org/drawingml/2006/diagram" xmlns:o="urn:schemas-microsoft-com:office:office" xmlns:v="urn:schemas-microsoft-com:vml" xmlns:pvml="urn:schemas-microsoft-com:office:powerpoint" xmlns:com="http://schemas.openxmlformats.org/drawingml/2006/compatibility" xmlns:p14="http://schemas.microsoft.com/office/powerpoint/2010/main" xmlns:p15="http://schemas.microsoft.com/office/powerpoint/2012/main" showMasterPhAnim="0" showMasterSp="0">
+<p:notes xmlns:a="http://schemas.openxmlformats.org/drawingml/2006/main" xmlns:r="http://schemas.openxmlformats.org/officeDocument/2006/relationships" xmlns:p="http://schemas.openxmlformats.org/presentationml/2006/main" showMasterSp="0" showMasterPhAnim="0">
   <p:cSld>
     <p:spTree>
       <p:nvGrpSpPr>
-        <p:cNvPr id="74" name="Shape 74"/>
+        <p:cNvPr id="1" name="Shape 74"/>
         <p:cNvGrpSpPr/>
         <p:nvPr/>
       </p:nvGrpSpPr>
@@ -2039,9 +2158,11 @@
       <p:sp>
         <p:nvSpPr>
           <p:cNvPr id="75" name="Google Shape;75;g42cb35d7e9_0_0:notes"/>
-          <p:cNvSpPr/>
+          <p:cNvSpPr>
+            <a:spLocks noGrp="1" noRot="1" noChangeAspect="1"/>
+          </p:cNvSpPr>
           <p:nvPr>
-            <p:ph idx="2" type="sldImg"/>
+            <p:ph type="sldImg" idx="2"/>
           </p:nvPr>
         </p:nvSpPr>
         <p:spPr>
@@ -2050,9 +2171,13 @@
             <a:ext cx="6096000" cy="3429000"/>
           </a:xfrm>
           <a:custGeom>
-            <a:rect b="b" l="l" r="r" t="t"/>
+            <a:avLst/>
+            <a:gdLst/>
+            <a:ahLst/>
+            <a:cxnLst/>
+            <a:rect l="l" t="t" r="r" b="b"/>
             <a:pathLst>
-              <a:path extrusionOk="0" h="120000" w="120000">
+              <a:path w="120000" h="120000" extrusionOk="0">
                 <a:moveTo>
                   <a:pt x="0" y="0"/>
                 </a:moveTo>
@@ -2074,9 +2199,11 @@
       <p:sp>
         <p:nvSpPr>
           <p:cNvPr id="76" name="Google Shape;76;g42cb35d7e9_0_0:notes"/>
-          <p:cNvSpPr txBox="1"/>
+          <p:cNvSpPr txBox="1">
+            <a:spLocks noGrp="1"/>
+          </p:cNvSpPr>
           <p:nvPr>
-            <p:ph idx="1" type="body"/>
+            <p:ph type="body" idx="1"/>
           </p:nvPr>
         </p:nvSpPr>
         <p:spPr>
@@ -2089,12 +2216,12 @@
           </a:prstGeom>
         </p:spPr>
         <p:txBody>
-          <a:bodyPr anchorCtr="0" anchor="t" bIns="91425" lIns="91425" spcFirstLastPara="1" rIns="91425" wrap="square" tIns="91425">
+          <a:bodyPr spcFirstLastPara="1" wrap="square" lIns="91425" tIns="91425" rIns="91425" bIns="91425" anchor="t" anchorCtr="0">
             <a:noAutofit/>
           </a:bodyPr>
           <a:lstStyle/>
           <a:p>
-            <a:pPr indent="0" lvl="0" marL="0" rtl="0" algn="l">
+            <a:pPr marL="0" lvl="0" indent="0" algn="l" rtl="0">
               <a:spcBef>
                 <a:spcPts val="0"/>
               </a:spcBef>
@@ -2120,11 +2247,11 @@
 </file>
 
 <file path=ppt/notesSlides/notesSlide4.xml><?xml version="1.0" encoding="utf-8"?>
-<p:notes xmlns:a="http://schemas.openxmlformats.org/drawingml/2006/main" xmlns:r="http://schemas.openxmlformats.org/officeDocument/2006/relationships" xmlns:mc="http://schemas.openxmlformats.org/markup-compatibility/2006" xmlns:mv="urn:schemas-microsoft-com:mac:vml" xmlns:p="http://schemas.openxmlformats.org/presentationml/2006/main" xmlns:c="http://schemas.openxmlformats.org/drawingml/2006/chart" xmlns:dgm="http://schemas.openxmlformats.org/drawingml/2006/diagram" xmlns:o="urn:schemas-microsoft-com:office:office" xmlns:v="urn:schemas-microsoft-com:vml" xmlns:pvml="urn:schemas-microsoft-com:office:powerpoint" xmlns:com="http://schemas.openxmlformats.org/drawingml/2006/compatibility" xmlns:p14="http://schemas.microsoft.com/office/powerpoint/2010/main" xmlns:p15="http://schemas.microsoft.com/office/powerpoint/2012/main" showMasterPhAnim="0" showMasterSp="0">
+<p:notes xmlns:a="http://schemas.openxmlformats.org/drawingml/2006/main" xmlns:r="http://schemas.openxmlformats.org/officeDocument/2006/relationships" xmlns:p="http://schemas.openxmlformats.org/presentationml/2006/main" showMasterSp="0" showMasterPhAnim="0">
   <p:cSld>
     <p:spTree>
       <p:nvGrpSpPr>
-        <p:cNvPr id="80" name="Shape 80"/>
+        <p:cNvPr id="1" name="Shape 80"/>
         <p:cNvGrpSpPr/>
         <p:nvPr/>
       </p:nvGrpSpPr>
@@ -2139,9 +2266,11 @@
       <p:sp>
         <p:nvSpPr>
           <p:cNvPr id="81" name="Google Shape;81;g42a7c12f2a_3_0:notes"/>
-          <p:cNvSpPr/>
+          <p:cNvSpPr>
+            <a:spLocks noGrp="1" noRot="1" noChangeAspect="1"/>
+          </p:cNvSpPr>
           <p:nvPr>
-            <p:ph idx="2" type="sldImg"/>
+            <p:ph type="sldImg" idx="2"/>
           </p:nvPr>
         </p:nvSpPr>
         <p:spPr>
@@ -2150,9 +2279,13 @@
             <a:ext cx="6096000" cy="3429000"/>
           </a:xfrm>
           <a:custGeom>
-            <a:rect b="b" l="l" r="r" t="t"/>
+            <a:avLst/>
+            <a:gdLst/>
+            <a:ahLst/>
+            <a:cxnLst/>
+            <a:rect l="l" t="t" r="r" b="b"/>
             <a:pathLst>
-              <a:path extrusionOk="0" h="120000" w="120000">
+              <a:path w="120000" h="120000" extrusionOk="0">
                 <a:moveTo>
                   <a:pt x="0" y="0"/>
                 </a:moveTo>
@@ -2174,9 +2307,11 @@
       <p:sp>
         <p:nvSpPr>
           <p:cNvPr id="82" name="Google Shape;82;g42a7c12f2a_3_0:notes"/>
-          <p:cNvSpPr txBox="1"/>
+          <p:cNvSpPr txBox="1">
+            <a:spLocks noGrp="1"/>
+          </p:cNvSpPr>
           <p:nvPr>
-            <p:ph idx="1" type="body"/>
+            <p:ph type="body" idx="1"/>
           </p:nvPr>
         </p:nvSpPr>
         <p:spPr>
@@ -2189,12 +2324,12 @@
           </a:prstGeom>
         </p:spPr>
         <p:txBody>
-          <a:bodyPr anchorCtr="0" anchor="t" bIns="91425" lIns="91425" spcFirstLastPara="1" rIns="91425" wrap="square" tIns="91425">
+          <a:bodyPr spcFirstLastPara="1" wrap="square" lIns="91425" tIns="91425" rIns="91425" bIns="91425" anchor="t" anchorCtr="0">
             <a:noAutofit/>
           </a:bodyPr>
           <a:lstStyle/>
           <a:p>
-            <a:pPr indent="0" lvl="0" marL="0" rtl="0" algn="l">
+            <a:pPr marL="0" lvl="0" indent="0" algn="l" rtl="0">
               <a:spcBef>
                 <a:spcPts val="0"/>
               </a:spcBef>
@@ -2220,11 +2355,11 @@
 </file>
 
 <file path=ppt/notesSlides/notesSlide5.xml><?xml version="1.0" encoding="utf-8"?>
-<p:notes xmlns:a="http://schemas.openxmlformats.org/drawingml/2006/main" xmlns:r="http://schemas.openxmlformats.org/officeDocument/2006/relationships" xmlns:mc="http://schemas.openxmlformats.org/markup-compatibility/2006" xmlns:mv="urn:schemas-microsoft-com:mac:vml" xmlns:p="http://schemas.openxmlformats.org/presentationml/2006/main" xmlns:c="http://schemas.openxmlformats.org/drawingml/2006/chart" xmlns:dgm="http://schemas.openxmlformats.org/drawingml/2006/diagram" xmlns:o="urn:schemas-microsoft-com:office:office" xmlns:v="urn:schemas-microsoft-com:vml" xmlns:pvml="urn:schemas-microsoft-com:office:powerpoint" xmlns:com="http://schemas.openxmlformats.org/drawingml/2006/compatibility" xmlns:p14="http://schemas.microsoft.com/office/powerpoint/2010/main" xmlns:p15="http://schemas.microsoft.com/office/powerpoint/2012/main" showMasterPhAnim="0" showMasterSp="0">
+<p:notes xmlns:a="http://schemas.openxmlformats.org/drawingml/2006/main" xmlns:r="http://schemas.openxmlformats.org/officeDocument/2006/relationships" xmlns:p="http://schemas.openxmlformats.org/presentationml/2006/main" showMasterSp="0" showMasterPhAnim="0">
   <p:cSld>
     <p:spTree>
       <p:nvGrpSpPr>
-        <p:cNvPr id="86" name="Shape 86"/>
+        <p:cNvPr id="1" name="Shape 86"/>
         <p:cNvGrpSpPr/>
         <p:nvPr/>
       </p:nvGrpSpPr>
@@ -2239,9 +2374,11 @@
       <p:sp>
         <p:nvSpPr>
           <p:cNvPr id="87" name="Google Shape;87;g42a7c12f2a_3_6:notes"/>
-          <p:cNvSpPr/>
+          <p:cNvSpPr>
+            <a:spLocks noGrp="1" noRot="1" noChangeAspect="1"/>
+          </p:cNvSpPr>
           <p:nvPr>
-            <p:ph idx="2" type="sldImg"/>
+            <p:ph type="sldImg" idx="2"/>
           </p:nvPr>
         </p:nvSpPr>
         <p:spPr>
@@ -2250,9 +2387,13 @@
             <a:ext cx="6096000" cy="3429000"/>
           </a:xfrm>
           <a:custGeom>
-            <a:rect b="b" l="l" r="r" t="t"/>
+            <a:avLst/>
+            <a:gdLst/>
+            <a:ahLst/>
+            <a:cxnLst/>
+            <a:rect l="l" t="t" r="r" b="b"/>
             <a:pathLst>
-              <a:path extrusionOk="0" h="120000" w="120000">
+              <a:path w="120000" h="120000" extrusionOk="0">
                 <a:moveTo>
                   <a:pt x="0" y="0"/>
                 </a:moveTo>
@@ -2274,9 +2415,11 @@
       <p:sp>
         <p:nvSpPr>
           <p:cNvPr id="88" name="Google Shape;88;g42a7c12f2a_3_6:notes"/>
-          <p:cNvSpPr txBox="1"/>
+          <p:cNvSpPr txBox="1">
+            <a:spLocks noGrp="1"/>
+          </p:cNvSpPr>
           <p:nvPr>
-            <p:ph idx="1" type="body"/>
+            <p:ph type="body" idx="1"/>
           </p:nvPr>
         </p:nvSpPr>
         <p:spPr>
@@ -2289,12 +2432,12 @@
           </a:prstGeom>
         </p:spPr>
         <p:txBody>
-          <a:bodyPr anchorCtr="0" anchor="t" bIns="91425" lIns="91425" spcFirstLastPara="1" rIns="91425" wrap="square" tIns="91425">
+          <a:bodyPr spcFirstLastPara="1" wrap="square" lIns="91425" tIns="91425" rIns="91425" bIns="91425" anchor="t" anchorCtr="0">
             <a:noAutofit/>
           </a:bodyPr>
           <a:lstStyle/>
           <a:p>
-            <a:pPr indent="0" lvl="0" marL="0" rtl="0" algn="l">
+            <a:pPr marL="0" lvl="0" indent="0" algn="l" rtl="0">
               <a:spcBef>
                 <a:spcPts val="0"/>
               </a:spcBef>
@@ -2320,11 +2463,11 @@
 </file>
 
 <file path=ppt/notesSlides/notesSlide6.xml><?xml version="1.0" encoding="utf-8"?>
-<p:notes xmlns:a="http://schemas.openxmlformats.org/drawingml/2006/main" xmlns:r="http://schemas.openxmlformats.org/officeDocument/2006/relationships" xmlns:mc="http://schemas.openxmlformats.org/markup-compatibility/2006" xmlns:mv="urn:schemas-microsoft-com:mac:vml" xmlns:p="http://schemas.openxmlformats.org/presentationml/2006/main" xmlns:c="http://schemas.openxmlformats.org/drawingml/2006/chart" xmlns:dgm="http://schemas.openxmlformats.org/drawingml/2006/diagram" xmlns:o="urn:schemas-microsoft-com:office:office" xmlns:v="urn:schemas-microsoft-com:vml" xmlns:pvml="urn:schemas-microsoft-com:office:powerpoint" xmlns:com="http://schemas.openxmlformats.org/drawingml/2006/compatibility" xmlns:p14="http://schemas.microsoft.com/office/powerpoint/2010/main" xmlns:p15="http://schemas.microsoft.com/office/powerpoint/2012/main" showMasterPhAnim="0" showMasterSp="0">
+<p:notes xmlns:a="http://schemas.openxmlformats.org/drawingml/2006/main" xmlns:r="http://schemas.openxmlformats.org/officeDocument/2006/relationships" xmlns:p="http://schemas.openxmlformats.org/presentationml/2006/main" showMasterSp="0" showMasterPhAnim="0">
   <p:cSld>
     <p:spTree>
       <p:nvGrpSpPr>
-        <p:cNvPr id="92" name="Shape 92"/>
+        <p:cNvPr id="1" name="Shape 92"/>
         <p:cNvGrpSpPr/>
         <p:nvPr/>
       </p:nvGrpSpPr>
@@ -2339,9 +2482,11 @@
       <p:sp>
         <p:nvSpPr>
           <p:cNvPr id="93" name="Google Shape;93;g42a7c12f2a_3_12:notes"/>
-          <p:cNvSpPr/>
+          <p:cNvSpPr>
+            <a:spLocks noGrp="1" noRot="1" noChangeAspect="1"/>
+          </p:cNvSpPr>
           <p:nvPr>
-            <p:ph idx="2" type="sldImg"/>
+            <p:ph type="sldImg" idx="2"/>
           </p:nvPr>
         </p:nvSpPr>
         <p:spPr>
@@ -2350,9 +2495,13 @@
             <a:ext cx="6096000" cy="3429000"/>
           </a:xfrm>
           <a:custGeom>
-            <a:rect b="b" l="l" r="r" t="t"/>
+            <a:avLst/>
+            <a:gdLst/>
+            <a:ahLst/>
+            <a:cxnLst/>
+            <a:rect l="l" t="t" r="r" b="b"/>
             <a:pathLst>
-              <a:path extrusionOk="0" h="120000" w="120000">
+              <a:path w="120000" h="120000" extrusionOk="0">
                 <a:moveTo>
                   <a:pt x="0" y="0"/>
                 </a:moveTo>
@@ -2374,9 +2523,11 @@
       <p:sp>
         <p:nvSpPr>
           <p:cNvPr id="94" name="Google Shape;94;g42a7c12f2a_3_12:notes"/>
-          <p:cNvSpPr txBox="1"/>
+          <p:cNvSpPr txBox="1">
+            <a:spLocks noGrp="1"/>
+          </p:cNvSpPr>
           <p:nvPr>
-            <p:ph idx="1" type="body"/>
+            <p:ph type="body" idx="1"/>
           </p:nvPr>
         </p:nvSpPr>
         <p:spPr>
@@ -2389,12 +2540,12 @@
           </a:prstGeom>
         </p:spPr>
         <p:txBody>
-          <a:bodyPr anchorCtr="0" anchor="t" bIns="91425" lIns="91425" spcFirstLastPara="1" rIns="91425" wrap="square" tIns="91425">
+          <a:bodyPr spcFirstLastPara="1" wrap="square" lIns="91425" tIns="91425" rIns="91425" bIns="91425" anchor="t" anchorCtr="0">
             <a:noAutofit/>
           </a:bodyPr>
           <a:lstStyle/>
           <a:p>
-            <a:pPr indent="0" lvl="0" marL="0" rtl="0" algn="l">
+            <a:pPr marL="0" lvl="0" indent="0" algn="l" rtl="0">
               <a:spcBef>
                 <a:spcPts val="0"/>
               </a:spcBef>
@@ -2420,11 +2571,11 @@
 </file>
 
 <file path=ppt/notesSlides/notesSlide7.xml><?xml version="1.0" encoding="utf-8"?>
-<p:notes xmlns:a="http://schemas.openxmlformats.org/drawingml/2006/main" xmlns:r="http://schemas.openxmlformats.org/officeDocument/2006/relationships" xmlns:mc="http://schemas.openxmlformats.org/markup-compatibility/2006" xmlns:mv="urn:schemas-microsoft-com:mac:vml" xmlns:p="http://schemas.openxmlformats.org/presentationml/2006/main" xmlns:c="http://schemas.openxmlformats.org/drawingml/2006/chart" xmlns:dgm="http://schemas.openxmlformats.org/drawingml/2006/diagram" xmlns:o="urn:schemas-microsoft-com:office:office" xmlns:v="urn:schemas-microsoft-com:vml" xmlns:pvml="urn:schemas-microsoft-com:office:powerpoint" xmlns:com="http://schemas.openxmlformats.org/drawingml/2006/compatibility" xmlns:p14="http://schemas.microsoft.com/office/powerpoint/2010/main" xmlns:p15="http://schemas.microsoft.com/office/powerpoint/2012/main" showMasterPhAnim="0" showMasterSp="0">
+<p:notes xmlns:a="http://schemas.openxmlformats.org/drawingml/2006/main" xmlns:r="http://schemas.openxmlformats.org/officeDocument/2006/relationships" xmlns:p="http://schemas.openxmlformats.org/presentationml/2006/main" showMasterSp="0" showMasterPhAnim="0">
   <p:cSld>
     <p:spTree>
       <p:nvGrpSpPr>
-        <p:cNvPr id="98" name="Shape 98"/>
+        <p:cNvPr id="1" name="Shape 98"/>
         <p:cNvGrpSpPr/>
         <p:nvPr/>
       </p:nvGrpSpPr>
@@ -2439,9 +2590,11 @@
       <p:sp>
         <p:nvSpPr>
           <p:cNvPr id="99" name="Google Shape;99;g42cb35d7e9_4_3:notes"/>
-          <p:cNvSpPr/>
+          <p:cNvSpPr>
+            <a:spLocks noGrp="1" noRot="1" noChangeAspect="1"/>
+          </p:cNvSpPr>
           <p:nvPr>
-            <p:ph idx="2" type="sldImg"/>
+            <p:ph type="sldImg" idx="2"/>
           </p:nvPr>
         </p:nvSpPr>
         <p:spPr>
@@ -2450,9 +2603,13 @@
             <a:ext cx="6096000" cy="3429000"/>
           </a:xfrm>
           <a:custGeom>
-            <a:rect b="b" l="l" r="r" t="t"/>
+            <a:avLst/>
+            <a:gdLst/>
+            <a:ahLst/>
+            <a:cxnLst/>
+            <a:rect l="l" t="t" r="r" b="b"/>
             <a:pathLst>
-              <a:path extrusionOk="0" h="120000" w="120000">
+              <a:path w="120000" h="120000" extrusionOk="0">
                 <a:moveTo>
                   <a:pt x="0" y="0"/>
                 </a:moveTo>
@@ -2474,9 +2631,11 @@
       <p:sp>
         <p:nvSpPr>
           <p:cNvPr id="100" name="Google Shape;100;g42cb35d7e9_4_3:notes"/>
-          <p:cNvSpPr txBox="1"/>
+          <p:cNvSpPr txBox="1">
+            <a:spLocks noGrp="1"/>
+          </p:cNvSpPr>
           <p:nvPr>
-            <p:ph idx="1" type="body"/>
+            <p:ph type="body" idx="1"/>
           </p:nvPr>
         </p:nvSpPr>
         <p:spPr>
@@ -2489,12 +2648,12 @@
           </a:prstGeom>
         </p:spPr>
         <p:txBody>
-          <a:bodyPr anchorCtr="0" anchor="t" bIns="91425" lIns="91425" spcFirstLastPara="1" rIns="91425" wrap="square" tIns="91425">
+          <a:bodyPr spcFirstLastPara="1" wrap="square" lIns="91425" tIns="91425" rIns="91425" bIns="91425" anchor="t" anchorCtr="0">
             <a:noAutofit/>
           </a:bodyPr>
           <a:lstStyle/>
           <a:p>
-            <a:pPr indent="0" lvl="0" marL="0" rtl="0" algn="l">
+            <a:pPr marL="0" lvl="0" indent="0" algn="l" rtl="0">
               <a:spcBef>
                 <a:spcPts val="0"/>
               </a:spcBef>
@@ -2520,11 +2679,11 @@
 </file>
 
 <file path=ppt/notesSlides/notesSlide8.xml><?xml version="1.0" encoding="utf-8"?>
-<p:notes xmlns:a="http://schemas.openxmlformats.org/drawingml/2006/main" xmlns:r="http://schemas.openxmlformats.org/officeDocument/2006/relationships" xmlns:mc="http://schemas.openxmlformats.org/markup-compatibility/2006" xmlns:mv="urn:schemas-microsoft-com:mac:vml" xmlns:p="http://schemas.openxmlformats.org/presentationml/2006/main" xmlns:c="http://schemas.openxmlformats.org/drawingml/2006/chart" xmlns:dgm="http://schemas.openxmlformats.org/drawingml/2006/diagram" xmlns:o="urn:schemas-microsoft-com:office:office" xmlns:v="urn:schemas-microsoft-com:vml" xmlns:pvml="urn:schemas-microsoft-com:office:powerpoint" xmlns:com="http://schemas.openxmlformats.org/drawingml/2006/compatibility" xmlns:p14="http://schemas.microsoft.com/office/powerpoint/2010/main" xmlns:p15="http://schemas.microsoft.com/office/powerpoint/2012/main" showMasterPhAnim="0" showMasterSp="0">
+<p:notes xmlns:a="http://schemas.openxmlformats.org/drawingml/2006/main" xmlns:r="http://schemas.openxmlformats.org/officeDocument/2006/relationships" xmlns:p="http://schemas.openxmlformats.org/presentationml/2006/main" showMasterSp="0" showMasterPhAnim="0">
   <p:cSld>
     <p:spTree>
       <p:nvGrpSpPr>
-        <p:cNvPr id="104" name="Shape 104"/>
+        <p:cNvPr id="1" name="Shape 104"/>
         <p:cNvGrpSpPr/>
         <p:nvPr/>
       </p:nvGrpSpPr>
@@ -2539,9 +2698,11 @@
       <p:sp>
         <p:nvSpPr>
           <p:cNvPr id="105" name="Google Shape;105;g42cb35d7e9_1_5:notes"/>
-          <p:cNvSpPr/>
+          <p:cNvSpPr>
+            <a:spLocks noGrp="1" noRot="1" noChangeAspect="1"/>
+          </p:cNvSpPr>
           <p:nvPr>
-            <p:ph idx="2" type="sldImg"/>
+            <p:ph type="sldImg" idx="2"/>
           </p:nvPr>
         </p:nvSpPr>
         <p:spPr>
@@ -2550,9 +2711,13 @@
             <a:ext cx="6096000" cy="3429000"/>
           </a:xfrm>
           <a:custGeom>
-            <a:rect b="b" l="l" r="r" t="t"/>
+            <a:avLst/>
+            <a:gdLst/>
+            <a:ahLst/>
+            <a:cxnLst/>
+            <a:rect l="l" t="t" r="r" b="b"/>
             <a:pathLst>
-              <a:path extrusionOk="0" h="120000" w="120000">
+              <a:path w="120000" h="120000" extrusionOk="0">
                 <a:moveTo>
                   <a:pt x="0" y="0"/>
                 </a:moveTo>
@@ -2574,9 +2739,11 @@
       <p:sp>
         <p:nvSpPr>
           <p:cNvPr id="106" name="Google Shape;106;g42cb35d7e9_1_5:notes"/>
-          <p:cNvSpPr txBox="1"/>
+          <p:cNvSpPr txBox="1">
+            <a:spLocks noGrp="1"/>
+          </p:cNvSpPr>
           <p:nvPr>
-            <p:ph idx="1" type="body"/>
+            <p:ph type="body" idx="1"/>
           </p:nvPr>
         </p:nvSpPr>
         <p:spPr>
@@ -2589,12 +2756,12 @@
           </a:prstGeom>
         </p:spPr>
         <p:txBody>
-          <a:bodyPr anchorCtr="0" anchor="t" bIns="91425" lIns="91425" spcFirstLastPara="1" rIns="91425" wrap="square" tIns="91425">
+          <a:bodyPr spcFirstLastPara="1" wrap="square" lIns="91425" tIns="91425" rIns="91425" bIns="91425" anchor="t" anchorCtr="0">
             <a:noAutofit/>
           </a:bodyPr>
           <a:lstStyle/>
           <a:p>
-            <a:pPr indent="0" lvl="0" marL="0" rtl="0" algn="l">
+            <a:pPr marL="0" lvl="0" indent="0" algn="l" rtl="0">
               <a:spcBef>
                 <a:spcPts val="0"/>
               </a:spcBef>
@@ -2620,11 +2787,11 @@
 </file>
 
 <file path=ppt/notesSlides/notesSlide9.xml><?xml version="1.0" encoding="utf-8"?>
-<p:notes xmlns:a="http://schemas.openxmlformats.org/drawingml/2006/main" xmlns:r="http://schemas.openxmlformats.org/officeDocument/2006/relationships" xmlns:mc="http://schemas.openxmlformats.org/markup-compatibility/2006" xmlns:mv="urn:schemas-microsoft-com:mac:vml" xmlns:p="http://schemas.openxmlformats.org/presentationml/2006/main" xmlns:c="http://schemas.openxmlformats.org/drawingml/2006/chart" xmlns:dgm="http://schemas.openxmlformats.org/drawingml/2006/diagram" xmlns:o="urn:schemas-microsoft-com:office:office" xmlns:v="urn:schemas-microsoft-com:vml" xmlns:pvml="urn:schemas-microsoft-com:office:powerpoint" xmlns:com="http://schemas.openxmlformats.org/drawingml/2006/compatibility" xmlns:p14="http://schemas.microsoft.com/office/powerpoint/2010/main" xmlns:p15="http://schemas.microsoft.com/office/powerpoint/2012/main" showMasterPhAnim="0" showMasterSp="0">
+<p:notes xmlns:a="http://schemas.openxmlformats.org/drawingml/2006/main" xmlns:r="http://schemas.openxmlformats.org/officeDocument/2006/relationships" xmlns:p="http://schemas.openxmlformats.org/presentationml/2006/main" showMasterSp="0" showMasterPhAnim="0">
   <p:cSld>
     <p:spTree>
       <p:nvGrpSpPr>
-        <p:cNvPr id="110" name="Shape 110"/>
+        <p:cNvPr id="1" name="Shape 110"/>
         <p:cNvGrpSpPr/>
         <p:nvPr/>
       </p:nvGrpSpPr>
@@ -2639,9 +2806,11 @@
       <p:sp>
         <p:nvSpPr>
           <p:cNvPr id="111" name="Google Shape;111;g42cb35d7e9_1_10:notes"/>
-          <p:cNvSpPr/>
+          <p:cNvSpPr>
+            <a:spLocks noGrp="1" noRot="1" noChangeAspect="1"/>
+          </p:cNvSpPr>
           <p:nvPr>
-            <p:ph idx="2" type="sldImg"/>
+            <p:ph type="sldImg" idx="2"/>
           </p:nvPr>
         </p:nvSpPr>
         <p:spPr>
@@ -2650,9 +2819,13 @@
             <a:ext cx="6096000" cy="3429000"/>
           </a:xfrm>
           <a:custGeom>
-            <a:rect b="b" l="l" r="r" t="t"/>
+            <a:avLst/>
+            <a:gdLst/>
+            <a:ahLst/>
+            <a:cxnLst/>
+            <a:rect l="l" t="t" r="r" b="b"/>
             <a:pathLst>
-              <a:path extrusionOk="0" h="120000" w="120000">
+              <a:path w="120000" h="120000" extrusionOk="0">
                 <a:moveTo>
                   <a:pt x="0" y="0"/>
                 </a:moveTo>
@@ -2674,9 +2847,11 @@
       <p:sp>
         <p:nvSpPr>
           <p:cNvPr id="112" name="Google Shape;112;g42cb35d7e9_1_10:notes"/>
-          <p:cNvSpPr txBox="1"/>
+          <p:cNvSpPr txBox="1">
+            <a:spLocks noGrp="1"/>
+          </p:cNvSpPr>
           <p:nvPr>
-            <p:ph idx="1" type="body"/>
+            <p:ph type="body" idx="1"/>
           </p:nvPr>
         </p:nvSpPr>
         <p:spPr>
@@ -2689,12 +2864,12 @@
           </a:prstGeom>
         </p:spPr>
         <p:txBody>
-          <a:bodyPr anchorCtr="0" anchor="t" bIns="91425" lIns="91425" spcFirstLastPara="1" rIns="91425" wrap="square" tIns="91425">
+          <a:bodyPr spcFirstLastPara="1" wrap="square" lIns="91425" tIns="91425" rIns="91425" bIns="91425" anchor="t" anchorCtr="0">
             <a:noAutofit/>
           </a:bodyPr>
           <a:lstStyle/>
           <a:p>
-            <a:pPr indent="0" lvl="0" marL="0" rtl="0" algn="l">
+            <a:pPr marL="0" lvl="0" indent="0" algn="l" rtl="0">
               <a:spcBef>
                 <a:spcPts val="0"/>
               </a:spcBef>
@@ -2720,18 +2895,19 @@
 </file>
 
 <file path=ppt/slideLayouts/slideLayout1.xml><?xml version="1.0" encoding="utf-8"?>
-<p:sldLayout xmlns:a="http://schemas.openxmlformats.org/drawingml/2006/main" xmlns:r="http://schemas.openxmlformats.org/officeDocument/2006/relationships" xmlns:mc="http://schemas.openxmlformats.org/markup-compatibility/2006" xmlns:mv="urn:schemas-microsoft-com:mac:vml" xmlns:p="http://schemas.openxmlformats.org/presentationml/2006/main" xmlns:c="http://schemas.openxmlformats.org/drawingml/2006/chart" xmlns:dgm="http://schemas.openxmlformats.org/drawingml/2006/diagram" xmlns:o="urn:schemas-microsoft-com:office:office" xmlns:v="urn:schemas-microsoft-com:vml" xmlns:pvml="urn:schemas-microsoft-com:office:powerpoint" xmlns:com="http://schemas.openxmlformats.org/drawingml/2006/compatibility" xmlns:p14="http://schemas.microsoft.com/office/powerpoint/2010/main" xmlns:p15="http://schemas.microsoft.com/office/powerpoint/2012/main" matchingName="Title slide" type="title">
+<p:sldLayout xmlns:a="http://schemas.openxmlformats.org/drawingml/2006/main" xmlns:r="http://schemas.openxmlformats.org/officeDocument/2006/relationships" xmlns:p="http://schemas.openxmlformats.org/presentationml/2006/main" matchingName="Title slide" type="title">
   <p:cSld name="TITLE">
     <p:bg>
       <p:bgPr>
         <a:solidFill>
           <a:schemeClr val="dk1"/>
         </a:solidFill>
+        <a:effectLst/>
       </p:bgPr>
     </p:bg>
     <p:spTree>
       <p:nvGrpSpPr>
-        <p:cNvPr id="9" name="Shape 9"/>
+        <p:cNvPr id="1" name="Shape 9"/>
         <p:cNvGrpSpPr/>
         <p:nvPr/>
       </p:nvGrpSpPr>
@@ -2755,9 +2931,13 @@
             <a:ext cx="9144250" cy="4398100"/>
           </a:xfrm>
           <a:custGeom>
-            <a:rect b="b" l="l" r="r" t="t"/>
+            <a:avLst/>
+            <a:gdLst/>
+            <a:ahLst/>
+            <a:cxnLst/>
+            <a:rect l="l" t="t" r="r" b="b"/>
             <a:pathLst>
-              <a:path extrusionOk="0" h="175924" w="365770">
+              <a:path w="365770" h="175924" extrusionOk="0">
                 <a:moveTo>
                   <a:pt x="0" y="0"/>
                 </a:moveTo>
@@ -2785,7 +2965,9 @@
       <p:sp>
         <p:nvSpPr>
           <p:cNvPr id="11" name="Google Shape;11;p2"/>
-          <p:cNvSpPr txBox="1"/>
+          <p:cNvSpPr txBox="1">
+            <a:spLocks noGrp="1"/>
+          </p:cNvSpPr>
           <p:nvPr>
             <p:ph type="ctrTitle"/>
           </p:nvPr>
@@ -2800,7 +2982,7 @@
           </a:prstGeom>
         </p:spPr>
         <p:txBody>
-          <a:bodyPr anchorCtr="0" anchor="t" bIns="91425" lIns="91425" spcFirstLastPara="1" rIns="91425" wrap="square" tIns="91425"/>
+          <a:bodyPr spcFirstLastPara="1" wrap="square" lIns="91425" tIns="91425" rIns="91425" bIns="91425" anchor="t" anchorCtr="0"/>
           <a:lstStyle>
             <a:lvl1pPr lvl="0">
               <a:spcBef>
@@ -2902,15 +3084,19 @@
               <a:defRPr sz="3600"/>
             </a:lvl9pPr>
           </a:lstStyle>
-          <a:p/>
+          <a:p>
+            <a:endParaRPr/>
+          </a:p>
         </p:txBody>
       </p:sp>
       <p:sp>
         <p:nvSpPr>
           <p:cNvPr id="12" name="Google Shape;12;p2"/>
-          <p:cNvSpPr txBox="1"/>
+          <p:cNvSpPr txBox="1">
+            <a:spLocks noGrp="1"/>
+          </p:cNvSpPr>
           <p:nvPr>
-            <p:ph idx="1" type="subTitle"/>
+            <p:ph type="subTitle" idx="1"/>
           </p:nvPr>
         </p:nvSpPr>
         <p:spPr>
@@ -2923,7 +3109,7 @@
           </a:prstGeom>
         </p:spPr>
         <p:txBody>
-          <a:bodyPr anchorCtr="0" anchor="t" bIns="91425" lIns="91425" spcFirstLastPara="1" rIns="91425" wrap="square" tIns="91425"/>
+          <a:bodyPr spcFirstLastPara="1" wrap="square" lIns="91425" tIns="91425" rIns="91425" bIns="91425" anchor="t" anchorCtr="0"/>
           <a:lstStyle>
             <a:lvl1pPr lvl="0">
               <a:lnSpc>
@@ -3115,15 +3301,19 @@
               </a:defRPr>
             </a:lvl9pPr>
           </a:lstStyle>
-          <a:p/>
+          <a:p>
+            <a:endParaRPr/>
+          </a:p>
         </p:txBody>
       </p:sp>
       <p:sp>
         <p:nvSpPr>
           <p:cNvPr id="13" name="Google Shape;13;p2"/>
-          <p:cNvSpPr txBox="1"/>
+          <p:cNvSpPr txBox="1">
+            <a:spLocks noGrp="1"/>
+          </p:cNvSpPr>
           <p:nvPr>
-            <p:ph idx="12" type="sldNum"/>
+            <p:ph type="sldNum" idx="12"/>
           </p:nvPr>
         </p:nvSpPr>
         <p:spPr>
@@ -3136,7 +3326,7 @@
           </a:prstGeom>
         </p:spPr>
         <p:txBody>
-          <a:bodyPr anchorCtr="0" anchor="ctr" bIns="91425" lIns="91425" spcFirstLastPara="1" rIns="91425" wrap="square" tIns="91425">
+          <a:bodyPr spcFirstLastPara="1" wrap="square" lIns="91425" tIns="91425" rIns="91425" bIns="91425" anchor="ctr" anchorCtr="0">
             <a:noAutofit/>
           </a:bodyPr>
           <a:lstStyle>
@@ -3214,7 +3404,7 @@
             </a:lvl9pPr>
           </a:lstStyle>
           <a:p>
-            <a:pPr indent="0" lvl="0" marL="0" rtl="0" algn="r">
+            <a:pPr marL="0" lvl="0" indent="0" algn="r" rtl="0">
               <a:spcBef>
                 <a:spcPts val="0"/>
               </a:spcBef>
@@ -3240,18 +3430,19 @@
 </file>
 
 <file path=ppt/slideLayouts/slideLayout10.xml><?xml version="1.0" encoding="utf-8"?>
-<p:sldLayout xmlns:a="http://schemas.openxmlformats.org/drawingml/2006/main" xmlns:r="http://schemas.openxmlformats.org/officeDocument/2006/relationships" xmlns:mc="http://schemas.openxmlformats.org/markup-compatibility/2006" xmlns:mv="urn:schemas-microsoft-com:mac:vml" xmlns:p="http://schemas.openxmlformats.org/presentationml/2006/main" xmlns:c="http://schemas.openxmlformats.org/drawingml/2006/chart" xmlns:dgm="http://schemas.openxmlformats.org/drawingml/2006/diagram" xmlns:o="urn:schemas-microsoft-com:office:office" xmlns:v="urn:schemas-microsoft-com:vml" xmlns:pvml="urn:schemas-microsoft-com:office:powerpoint" xmlns:com="http://schemas.openxmlformats.org/drawingml/2006/compatibility" xmlns:p14="http://schemas.microsoft.com/office/powerpoint/2010/main" xmlns:p15="http://schemas.microsoft.com/office/powerpoint/2012/main" matchingName="Big number">
+<p:sldLayout xmlns:a="http://schemas.openxmlformats.org/drawingml/2006/main" xmlns:r="http://schemas.openxmlformats.org/officeDocument/2006/relationships" xmlns:p="http://schemas.openxmlformats.org/presentationml/2006/main" matchingName="Big number">
   <p:cSld name="BIG_NUMBER">
     <p:bg>
       <p:bgPr>
         <a:solidFill>
           <a:schemeClr val="dk1"/>
         </a:solidFill>
+        <a:effectLst/>
       </p:bgPr>
     </p:bg>
     <p:spTree>
       <p:nvGrpSpPr>
-        <p:cNvPr id="54" name="Shape 54"/>
+        <p:cNvPr id="1" name="Shape 54"/>
         <p:cNvGrpSpPr/>
         <p:nvPr/>
       </p:nvGrpSpPr>
@@ -3266,9 +3457,11 @@
       <p:sp>
         <p:nvSpPr>
           <p:cNvPr id="55" name="Google Shape;55;p11"/>
-          <p:cNvSpPr txBox="1"/>
+          <p:cNvSpPr txBox="1">
+            <a:spLocks noGrp="1"/>
+          </p:cNvSpPr>
           <p:nvPr>
-            <p:ph hasCustomPrompt="1" type="title"/>
+            <p:ph type="title" hasCustomPrompt="1"/>
           </p:nvPr>
         </p:nvSpPr>
         <p:spPr>
@@ -3281,7 +3474,7 @@
           </a:prstGeom>
         </p:spPr>
         <p:txBody>
-          <a:bodyPr anchorCtr="0" anchor="b" bIns="91425" lIns="91425" spcFirstLastPara="1" rIns="91425" wrap="square" tIns="91425"/>
+          <a:bodyPr spcFirstLastPara="1" wrap="square" lIns="91425" tIns="91425" rIns="91425" bIns="91425" anchor="b" anchorCtr="0"/>
           <a:lstStyle>
             <a:lvl1pPr lvl="0">
               <a:spcBef>
@@ -3456,9 +3649,11 @@
       <p:sp>
         <p:nvSpPr>
           <p:cNvPr id="56" name="Google Shape;56;p11"/>
-          <p:cNvSpPr txBox="1"/>
+          <p:cNvSpPr txBox="1">
+            <a:spLocks noGrp="1"/>
+          </p:cNvSpPr>
           <p:nvPr>
-            <p:ph idx="1" type="body"/>
+            <p:ph type="body" idx="1"/>
           </p:nvPr>
         </p:nvSpPr>
         <p:spPr>
@@ -3471,9 +3666,9 @@
           </a:prstGeom>
         </p:spPr>
         <p:txBody>
-          <a:bodyPr anchorCtr="0" anchor="t" bIns="91425" lIns="91425" spcFirstLastPara="1" rIns="91425" wrap="square" tIns="91425"/>
+          <a:bodyPr spcFirstLastPara="1" wrap="square" lIns="91425" tIns="91425" rIns="91425" bIns="91425" anchor="t" anchorCtr="0"/>
           <a:lstStyle>
-            <a:lvl1pPr indent="-311150" lvl="0" marL="457200">
+            <a:lvl1pPr marL="457200" lvl="0" indent="-311150">
               <a:spcBef>
                 <a:spcPts val="0"/>
               </a:spcBef>
@@ -3491,7 +3686,7 @@
                 </a:solidFill>
               </a:defRPr>
             </a:lvl1pPr>
-            <a:lvl2pPr indent="-298450" lvl="1" marL="914400">
+            <a:lvl2pPr marL="914400" lvl="1" indent="-298450">
               <a:spcBef>
                 <a:spcPts val="1600"/>
               </a:spcBef>
@@ -3509,7 +3704,7 @@
                 </a:solidFill>
               </a:defRPr>
             </a:lvl2pPr>
-            <a:lvl3pPr indent="-298450" lvl="2" marL="1371600">
+            <a:lvl3pPr marL="1371600" lvl="2" indent="-298450">
               <a:spcBef>
                 <a:spcPts val="1600"/>
               </a:spcBef>
@@ -3527,7 +3722,7 @@
                 </a:solidFill>
               </a:defRPr>
             </a:lvl3pPr>
-            <a:lvl4pPr indent="-298450" lvl="3" marL="1828800">
+            <a:lvl4pPr marL="1828800" lvl="3" indent="-298450">
               <a:spcBef>
                 <a:spcPts val="1600"/>
               </a:spcBef>
@@ -3545,7 +3740,7 @@
                 </a:solidFill>
               </a:defRPr>
             </a:lvl4pPr>
-            <a:lvl5pPr indent="-298450" lvl="4" marL="2286000">
+            <a:lvl5pPr marL="2286000" lvl="4" indent="-298450">
               <a:spcBef>
                 <a:spcPts val="1600"/>
               </a:spcBef>
@@ -3563,7 +3758,7 @@
                 </a:solidFill>
               </a:defRPr>
             </a:lvl5pPr>
-            <a:lvl6pPr indent="-298450" lvl="5" marL="2743200">
+            <a:lvl6pPr marL="2743200" lvl="5" indent="-298450">
               <a:spcBef>
                 <a:spcPts val="1600"/>
               </a:spcBef>
@@ -3581,7 +3776,7 @@
                 </a:solidFill>
               </a:defRPr>
             </a:lvl6pPr>
-            <a:lvl7pPr indent="-298450" lvl="6" marL="3200400">
+            <a:lvl7pPr marL="3200400" lvl="6" indent="-298450">
               <a:spcBef>
                 <a:spcPts val="1600"/>
               </a:spcBef>
@@ -3599,7 +3794,7 @@
                 </a:solidFill>
               </a:defRPr>
             </a:lvl7pPr>
-            <a:lvl8pPr indent="-298450" lvl="7" marL="3657600">
+            <a:lvl8pPr marL="3657600" lvl="7" indent="-298450">
               <a:spcBef>
                 <a:spcPts val="1600"/>
               </a:spcBef>
@@ -3617,7 +3812,7 @@
                 </a:solidFill>
               </a:defRPr>
             </a:lvl8pPr>
-            <a:lvl9pPr indent="-298450" lvl="8" marL="4114800">
+            <a:lvl9pPr marL="4114800" lvl="8" indent="-298450">
               <a:spcBef>
                 <a:spcPts val="1600"/>
               </a:spcBef>
@@ -3636,15 +3831,19 @@
               </a:defRPr>
             </a:lvl9pPr>
           </a:lstStyle>
-          <a:p/>
+          <a:p>
+            <a:endParaRPr/>
+          </a:p>
         </p:txBody>
       </p:sp>
       <p:sp>
         <p:nvSpPr>
           <p:cNvPr id="57" name="Google Shape;57;p11"/>
-          <p:cNvSpPr txBox="1"/>
+          <p:cNvSpPr txBox="1">
+            <a:spLocks noGrp="1"/>
+          </p:cNvSpPr>
           <p:nvPr>
-            <p:ph idx="12" type="sldNum"/>
+            <p:ph type="sldNum" idx="12"/>
           </p:nvPr>
         </p:nvSpPr>
         <p:spPr>
@@ -3657,7 +3856,7 @@
           </a:prstGeom>
         </p:spPr>
         <p:txBody>
-          <a:bodyPr anchorCtr="0" anchor="ctr" bIns="91425" lIns="91425" spcFirstLastPara="1" rIns="91425" wrap="square" tIns="91425">
+          <a:bodyPr spcFirstLastPara="1" wrap="square" lIns="91425" tIns="91425" rIns="91425" bIns="91425" anchor="ctr" anchorCtr="0">
             <a:noAutofit/>
           </a:bodyPr>
           <a:lstStyle>
@@ -3735,7 +3934,7 @@
             </a:lvl9pPr>
           </a:lstStyle>
           <a:p>
-            <a:pPr indent="0" lvl="0" marL="0" rtl="0" algn="r">
+            <a:pPr marL="0" lvl="0" indent="0" algn="r" rtl="0">
               <a:spcBef>
                 <a:spcPts val="0"/>
               </a:spcBef>
@@ -3761,11 +3960,11 @@
 </file>
 
 <file path=ppt/slideLayouts/slideLayout11.xml><?xml version="1.0" encoding="utf-8"?>
-<p:sldLayout xmlns:a="http://schemas.openxmlformats.org/drawingml/2006/main" xmlns:r="http://schemas.openxmlformats.org/officeDocument/2006/relationships" xmlns:mc="http://schemas.openxmlformats.org/markup-compatibility/2006" xmlns:mv="urn:schemas-microsoft-com:mac:vml" xmlns:p="http://schemas.openxmlformats.org/presentationml/2006/main" xmlns:c="http://schemas.openxmlformats.org/drawingml/2006/chart" xmlns:dgm="http://schemas.openxmlformats.org/drawingml/2006/diagram" xmlns:o="urn:schemas-microsoft-com:office:office" xmlns:v="urn:schemas-microsoft-com:vml" xmlns:pvml="urn:schemas-microsoft-com:office:powerpoint" xmlns:com="http://schemas.openxmlformats.org/drawingml/2006/compatibility" xmlns:p14="http://schemas.microsoft.com/office/powerpoint/2010/main" xmlns:p15="http://schemas.microsoft.com/office/powerpoint/2012/main" matchingName="Blank" type="blank">
+<p:sldLayout xmlns:a="http://schemas.openxmlformats.org/drawingml/2006/main" xmlns:r="http://schemas.openxmlformats.org/officeDocument/2006/relationships" xmlns:p="http://schemas.openxmlformats.org/presentationml/2006/main" matchingName="Blank" type="blank">
   <p:cSld name="BLANK">
     <p:spTree>
       <p:nvGrpSpPr>
-        <p:cNvPr id="58" name="Shape 58"/>
+        <p:cNvPr id="1" name="Shape 58"/>
         <p:cNvGrpSpPr/>
         <p:nvPr/>
       </p:nvGrpSpPr>
@@ -3780,9 +3979,11 @@
       <p:sp>
         <p:nvSpPr>
           <p:cNvPr id="59" name="Google Shape;59;p12"/>
-          <p:cNvSpPr txBox="1"/>
+          <p:cNvSpPr txBox="1">
+            <a:spLocks noGrp="1"/>
+          </p:cNvSpPr>
           <p:nvPr>
-            <p:ph idx="12" type="sldNum"/>
+            <p:ph type="sldNum" idx="12"/>
           </p:nvPr>
         </p:nvSpPr>
         <p:spPr>
@@ -3795,7 +3996,7 @@
           </a:prstGeom>
         </p:spPr>
         <p:txBody>
-          <a:bodyPr anchorCtr="0" anchor="ctr" bIns="91425" lIns="91425" spcFirstLastPara="1" rIns="91425" wrap="square" tIns="91425">
+          <a:bodyPr spcFirstLastPara="1" wrap="square" lIns="91425" tIns="91425" rIns="91425" bIns="91425" anchor="ctr" anchorCtr="0">
             <a:noAutofit/>
           </a:bodyPr>
           <a:lstStyle>
@@ -3837,7 +4038,7 @@
             </a:lvl9pPr>
           </a:lstStyle>
           <a:p>
-            <a:pPr indent="0" lvl="0" marL="0" rtl="0" algn="r">
+            <a:pPr marL="0" lvl="0" indent="0" algn="r" rtl="0">
               <a:spcBef>
                 <a:spcPts val="0"/>
               </a:spcBef>
@@ -3863,18 +4064,19 @@
 </file>
 
 <file path=ppt/slideLayouts/slideLayout2.xml><?xml version="1.0" encoding="utf-8"?>
-<p:sldLayout xmlns:a="http://schemas.openxmlformats.org/drawingml/2006/main" xmlns:r="http://schemas.openxmlformats.org/officeDocument/2006/relationships" xmlns:mc="http://schemas.openxmlformats.org/markup-compatibility/2006" xmlns:mv="urn:schemas-microsoft-com:mac:vml" xmlns:p="http://schemas.openxmlformats.org/presentationml/2006/main" xmlns:c="http://schemas.openxmlformats.org/drawingml/2006/chart" xmlns:dgm="http://schemas.openxmlformats.org/drawingml/2006/diagram" xmlns:o="urn:schemas-microsoft-com:office:office" xmlns:v="urn:schemas-microsoft-com:vml" xmlns:pvml="urn:schemas-microsoft-com:office:powerpoint" xmlns:com="http://schemas.openxmlformats.org/drawingml/2006/compatibility" xmlns:p14="http://schemas.microsoft.com/office/powerpoint/2010/main" xmlns:p15="http://schemas.microsoft.com/office/powerpoint/2012/main" matchingName="Section header" type="secHead">
+<p:sldLayout xmlns:a="http://schemas.openxmlformats.org/drawingml/2006/main" xmlns:r="http://schemas.openxmlformats.org/officeDocument/2006/relationships" xmlns:p="http://schemas.openxmlformats.org/presentationml/2006/main" matchingName="Section header" type="secHead">
   <p:cSld name="SECTION_HEADER">
     <p:bg>
       <p:bgPr>
         <a:solidFill>
           <a:schemeClr val="accent3"/>
         </a:solidFill>
+        <a:effectLst/>
       </p:bgPr>
     </p:bg>
     <p:spTree>
       <p:nvGrpSpPr>
-        <p:cNvPr id="14" name="Shape 14"/>
+        <p:cNvPr id="1" name="Shape 14"/>
         <p:cNvGrpSpPr/>
         <p:nvPr/>
       </p:nvGrpSpPr>
@@ -3898,9 +4100,13 @@
             <a:ext cx="9144250" cy="4398100"/>
           </a:xfrm>
           <a:custGeom>
-            <a:rect b="b" l="l" r="r" t="t"/>
+            <a:avLst/>
+            <a:gdLst/>
+            <a:ahLst/>
+            <a:cxnLst/>
+            <a:rect l="l" t="t" r="r" b="b"/>
             <a:pathLst>
-              <a:path extrusionOk="0" h="175924" w="365770">
+              <a:path w="365770" h="175924" extrusionOk="0">
                 <a:moveTo>
                   <a:pt x="0" y="0"/>
                 </a:moveTo>
@@ -3937,9 +4143,13 @@
             <a:ext cx="9144250" cy="4398100"/>
           </a:xfrm>
           <a:custGeom>
-            <a:rect b="b" l="l" r="r" t="t"/>
+            <a:avLst/>
+            <a:gdLst/>
+            <a:ahLst/>
+            <a:cxnLst/>
+            <a:rect l="l" t="t" r="r" b="b"/>
             <a:pathLst>
-              <a:path extrusionOk="0" h="175924" w="365770">
+              <a:path w="365770" h="175924" extrusionOk="0">
                 <a:moveTo>
                   <a:pt x="0" y="0"/>
                 </a:moveTo>
@@ -3967,7 +4177,9 @@
       <p:sp>
         <p:nvSpPr>
           <p:cNvPr id="17" name="Google Shape;17;p3"/>
-          <p:cNvSpPr txBox="1"/>
+          <p:cNvSpPr txBox="1">
+            <a:spLocks noGrp="1"/>
+          </p:cNvSpPr>
           <p:nvPr>
             <p:ph type="title"/>
           </p:nvPr>
@@ -3982,7 +4194,7 @@
           </a:prstGeom>
         </p:spPr>
         <p:txBody>
-          <a:bodyPr anchorCtr="0" anchor="t" bIns="91425" lIns="91425" spcFirstLastPara="1" rIns="91425" wrap="square" tIns="91425"/>
+          <a:bodyPr spcFirstLastPara="1" wrap="square" lIns="91425" tIns="91425" rIns="91425" bIns="91425" anchor="t" anchorCtr="0"/>
           <a:lstStyle>
             <a:lvl1pPr lvl="0">
               <a:spcBef>
@@ -4084,15 +4296,19 @@
               <a:defRPr sz="3600"/>
             </a:lvl9pPr>
           </a:lstStyle>
-          <a:p/>
+          <a:p>
+            <a:endParaRPr/>
+          </a:p>
         </p:txBody>
       </p:sp>
       <p:sp>
         <p:nvSpPr>
           <p:cNvPr id="18" name="Google Shape;18;p3"/>
-          <p:cNvSpPr txBox="1"/>
+          <p:cNvSpPr txBox="1">
+            <a:spLocks noGrp="1"/>
+          </p:cNvSpPr>
           <p:nvPr>
-            <p:ph idx="12" type="sldNum"/>
+            <p:ph type="sldNum" idx="12"/>
           </p:nvPr>
         </p:nvSpPr>
         <p:spPr>
@@ -4105,7 +4321,7 @@
           </a:prstGeom>
         </p:spPr>
         <p:txBody>
-          <a:bodyPr anchorCtr="0" anchor="ctr" bIns="91425" lIns="91425" spcFirstLastPara="1" rIns="91425" wrap="square" tIns="91425">
+          <a:bodyPr spcFirstLastPara="1" wrap="square" lIns="91425" tIns="91425" rIns="91425" bIns="91425" anchor="ctr" anchorCtr="0">
             <a:noAutofit/>
           </a:bodyPr>
           <a:lstStyle>
@@ -4183,7 +4399,7 @@
             </a:lvl9pPr>
           </a:lstStyle>
           <a:p>
-            <a:pPr indent="0" lvl="0" marL="0" rtl="0" algn="r">
+            <a:pPr marL="0" lvl="0" indent="0" algn="r" rtl="0">
               <a:spcBef>
                 <a:spcPts val="0"/>
               </a:spcBef>
@@ -4209,11 +4425,11 @@
 </file>
 
 <file path=ppt/slideLayouts/slideLayout3.xml><?xml version="1.0" encoding="utf-8"?>
-<p:sldLayout xmlns:a="http://schemas.openxmlformats.org/drawingml/2006/main" xmlns:r="http://schemas.openxmlformats.org/officeDocument/2006/relationships" xmlns:mc="http://schemas.openxmlformats.org/markup-compatibility/2006" xmlns:mv="urn:schemas-microsoft-com:mac:vml" xmlns:p="http://schemas.openxmlformats.org/presentationml/2006/main" xmlns:c="http://schemas.openxmlformats.org/drawingml/2006/chart" xmlns:dgm="http://schemas.openxmlformats.org/drawingml/2006/diagram" xmlns:o="urn:schemas-microsoft-com:office:office" xmlns:v="urn:schemas-microsoft-com:vml" xmlns:pvml="urn:schemas-microsoft-com:office:powerpoint" xmlns:com="http://schemas.openxmlformats.org/drawingml/2006/compatibility" xmlns:p14="http://schemas.microsoft.com/office/powerpoint/2010/main" xmlns:p15="http://schemas.microsoft.com/office/powerpoint/2012/main" matchingName="Title and body" type="tx">
+<p:sldLayout xmlns:a="http://schemas.openxmlformats.org/drawingml/2006/main" xmlns:r="http://schemas.openxmlformats.org/officeDocument/2006/relationships" xmlns:p="http://schemas.openxmlformats.org/presentationml/2006/main" matchingName="Title and body" type="tx">
   <p:cSld name="TITLE_AND_BODY">
     <p:spTree>
       <p:nvGrpSpPr>
-        <p:cNvPr id="19" name="Shape 19"/>
+        <p:cNvPr id="1" name="Shape 19"/>
         <p:cNvGrpSpPr/>
         <p:nvPr/>
       </p:nvGrpSpPr>
@@ -4247,12 +4463,12 @@
           </a:ln>
         </p:spPr>
         <p:txBody>
-          <a:bodyPr anchorCtr="0" anchor="ctr" bIns="91425" lIns="91425" spcFirstLastPara="1" rIns="91425" wrap="square" tIns="91425">
+          <a:bodyPr spcFirstLastPara="1" wrap="square" lIns="91425" tIns="91425" rIns="91425" bIns="91425" anchor="ctr" anchorCtr="0">
             <a:noAutofit/>
           </a:bodyPr>
           <a:lstStyle/>
           <a:p>
-            <a:pPr indent="0" lvl="0" marL="0" rtl="0" algn="l">
+            <a:pPr marL="0" lvl="0" indent="0" algn="l" rtl="0">
               <a:spcBef>
                 <a:spcPts val="0"/>
               </a:spcBef>
@@ -4261,9 +4477,6 @@
               </a:spcAft>
               <a:buNone/>
             </a:pPr>
-            <a:r>
-              <a:t/>
-            </a:r>
             <a:endParaRPr/>
           </a:p>
         </p:txBody>
@@ -4280,9 +4493,13 @@
             <a:ext cx="4313625" cy="4399375"/>
           </a:xfrm>
           <a:custGeom>
-            <a:rect b="b" l="l" r="r" t="t"/>
+            <a:avLst/>
+            <a:gdLst/>
+            <a:ahLst/>
+            <a:cxnLst/>
+            <a:rect l="l" t="t" r="r" b="b"/>
             <a:pathLst>
-              <a:path extrusionOk="0" h="175975" w="172545">
+              <a:path w="172545" h="175975" extrusionOk="0">
                 <a:moveTo>
                   <a:pt x="0" y="157"/>
                 </a:moveTo>
@@ -4319,9 +4536,13 @@
             <a:ext cx="4316900" cy="4395600"/>
           </a:xfrm>
           <a:custGeom>
-            <a:rect b="b" l="l" r="r" t="t"/>
+            <a:avLst/>
+            <a:gdLst/>
+            <a:ahLst/>
+            <a:cxnLst/>
+            <a:rect l="l" t="t" r="r" b="b"/>
             <a:pathLst>
-              <a:path extrusionOk="0" h="175824" w="172676">
+              <a:path w="172676" h="175824" extrusionOk="0">
                 <a:moveTo>
                   <a:pt x="0" y="6"/>
                 </a:moveTo>
@@ -4349,7 +4570,9 @@
       <p:sp>
         <p:nvSpPr>
           <p:cNvPr id="23" name="Google Shape;23;p4"/>
-          <p:cNvSpPr txBox="1"/>
+          <p:cNvSpPr txBox="1">
+            <a:spLocks noGrp="1"/>
+          </p:cNvSpPr>
           <p:nvPr>
             <p:ph type="title"/>
           </p:nvPr>
@@ -4364,7 +4587,7 @@
           </a:prstGeom>
         </p:spPr>
         <p:txBody>
-          <a:bodyPr anchorCtr="0" anchor="t" bIns="91425" lIns="91425" spcFirstLastPara="1" rIns="91425" wrap="square" tIns="91425"/>
+          <a:bodyPr spcFirstLastPara="1" wrap="square" lIns="91425" tIns="91425" rIns="91425" bIns="91425" anchor="t" anchorCtr="0"/>
           <a:lstStyle>
             <a:lvl1pPr lvl="0">
               <a:spcBef>
@@ -4529,15 +4752,19 @@
               </a:defRPr>
             </a:lvl9pPr>
           </a:lstStyle>
-          <a:p/>
+          <a:p>
+            <a:endParaRPr/>
+          </a:p>
         </p:txBody>
       </p:sp>
       <p:sp>
         <p:nvSpPr>
           <p:cNvPr id="24" name="Google Shape;24;p4"/>
-          <p:cNvSpPr txBox="1"/>
+          <p:cNvSpPr txBox="1">
+            <a:spLocks noGrp="1"/>
+          </p:cNvSpPr>
           <p:nvPr>
-            <p:ph idx="1" type="body"/>
+            <p:ph type="body" idx="1"/>
           </p:nvPr>
         </p:nvSpPr>
         <p:spPr>
@@ -4550,9 +4777,9 @@
           </a:prstGeom>
         </p:spPr>
         <p:txBody>
-          <a:bodyPr anchorCtr="0" anchor="t" bIns="91425" lIns="91425" spcFirstLastPara="1" rIns="91425" wrap="square" tIns="91425"/>
+          <a:bodyPr spcFirstLastPara="1" wrap="square" lIns="91425" tIns="91425" rIns="91425" bIns="91425" anchor="t" anchorCtr="0"/>
           <a:lstStyle>
-            <a:lvl1pPr indent="-311150" lvl="0" marL="457200">
+            <a:lvl1pPr marL="457200" lvl="0" indent="-311150">
               <a:spcBef>
                 <a:spcPts val="0"/>
               </a:spcBef>
@@ -4563,7 +4790,7 @@
               <a:buChar char="●"/>
               <a:defRPr/>
             </a:lvl1pPr>
-            <a:lvl2pPr indent="-298450" lvl="1" marL="914400">
+            <a:lvl2pPr marL="914400" lvl="1" indent="-298450">
               <a:spcBef>
                 <a:spcPts val="1600"/>
               </a:spcBef>
@@ -4574,7 +4801,7 @@
               <a:buChar char="○"/>
               <a:defRPr/>
             </a:lvl2pPr>
-            <a:lvl3pPr indent="-298450" lvl="2" marL="1371600">
+            <a:lvl3pPr marL="1371600" lvl="2" indent="-298450">
               <a:spcBef>
                 <a:spcPts val="1600"/>
               </a:spcBef>
@@ -4585,7 +4812,7 @@
               <a:buChar char="■"/>
               <a:defRPr/>
             </a:lvl3pPr>
-            <a:lvl4pPr indent="-298450" lvl="3" marL="1828800">
+            <a:lvl4pPr marL="1828800" lvl="3" indent="-298450">
               <a:spcBef>
                 <a:spcPts val="1600"/>
               </a:spcBef>
@@ -4596,7 +4823,7 @@
               <a:buChar char="●"/>
               <a:defRPr/>
             </a:lvl4pPr>
-            <a:lvl5pPr indent="-298450" lvl="4" marL="2286000">
+            <a:lvl5pPr marL="2286000" lvl="4" indent="-298450">
               <a:spcBef>
                 <a:spcPts val="1600"/>
               </a:spcBef>
@@ -4607,7 +4834,7 @@
               <a:buChar char="○"/>
               <a:defRPr/>
             </a:lvl5pPr>
-            <a:lvl6pPr indent="-298450" lvl="5" marL="2743200">
+            <a:lvl6pPr marL="2743200" lvl="5" indent="-298450">
               <a:spcBef>
                 <a:spcPts val="1600"/>
               </a:spcBef>
@@ -4618,7 +4845,7 @@
               <a:buChar char="■"/>
               <a:defRPr/>
             </a:lvl6pPr>
-            <a:lvl7pPr indent="-298450" lvl="6" marL="3200400">
+            <a:lvl7pPr marL="3200400" lvl="6" indent="-298450">
               <a:spcBef>
                 <a:spcPts val="1600"/>
               </a:spcBef>
@@ -4629,7 +4856,7 @@
               <a:buChar char="●"/>
               <a:defRPr/>
             </a:lvl7pPr>
-            <a:lvl8pPr indent="-298450" lvl="7" marL="3657600">
+            <a:lvl8pPr marL="3657600" lvl="7" indent="-298450">
               <a:spcBef>
                 <a:spcPts val="1600"/>
               </a:spcBef>
@@ -4640,7 +4867,7 @@
               <a:buChar char="○"/>
               <a:defRPr/>
             </a:lvl8pPr>
-            <a:lvl9pPr indent="-298450" lvl="8" marL="4114800">
+            <a:lvl9pPr marL="4114800" lvl="8" indent="-298450">
               <a:spcBef>
                 <a:spcPts val="1600"/>
               </a:spcBef>
@@ -4652,15 +4879,19 @@
               <a:defRPr/>
             </a:lvl9pPr>
           </a:lstStyle>
-          <a:p/>
+          <a:p>
+            <a:endParaRPr/>
+          </a:p>
         </p:txBody>
       </p:sp>
       <p:sp>
         <p:nvSpPr>
           <p:cNvPr id="25" name="Google Shape;25;p4"/>
-          <p:cNvSpPr txBox="1"/>
+          <p:cNvSpPr txBox="1">
+            <a:spLocks noGrp="1"/>
+          </p:cNvSpPr>
           <p:nvPr>
-            <p:ph idx="12" type="sldNum"/>
+            <p:ph type="sldNum" idx="12"/>
           </p:nvPr>
         </p:nvSpPr>
         <p:spPr>
@@ -4673,7 +4904,7 @@
           </a:prstGeom>
         </p:spPr>
         <p:txBody>
-          <a:bodyPr anchorCtr="0" anchor="ctr" bIns="91425" lIns="91425" spcFirstLastPara="1" rIns="91425" wrap="square" tIns="91425">
+          <a:bodyPr spcFirstLastPara="1" wrap="square" lIns="91425" tIns="91425" rIns="91425" bIns="91425" anchor="ctr" anchorCtr="0">
             <a:noAutofit/>
           </a:bodyPr>
           <a:lstStyle>
@@ -4715,7 +4946,7 @@
             </a:lvl9pPr>
           </a:lstStyle>
           <a:p>
-            <a:pPr indent="0" lvl="0" marL="0" rtl="0" algn="r">
+            <a:pPr marL="0" lvl="0" indent="0" algn="r" rtl="0">
               <a:spcBef>
                 <a:spcPts val="0"/>
               </a:spcBef>
@@ -4741,11 +4972,11 @@
 </file>
 
 <file path=ppt/slideLayouts/slideLayout4.xml><?xml version="1.0" encoding="utf-8"?>
-<p:sldLayout xmlns:a="http://schemas.openxmlformats.org/drawingml/2006/main" xmlns:r="http://schemas.openxmlformats.org/officeDocument/2006/relationships" xmlns:mc="http://schemas.openxmlformats.org/markup-compatibility/2006" xmlns:mv="urn:schemas-microsoft-com:mac:vml" xmlns:p="http://schemas.openxmlformats.org/presentationml/2006/main" xmlns:c="http://schemas.openxmlformats.org/drawingml/2006/chart" xmlns:dgm="http://schemas.openxmlformats.org/drawingml/2006/diagram" xmlns:o="urn:schemas-microsoft-com:office:office" xmlns:v="urn:schemas-microsoft-com:vml" xmlns:pvml="urn:schemas-microsoft-com:office:powerpoint" xmlns:com="http://schemas.openxmlformats.org/drawingml/2006/compatibility" xmlns:p14="http://schemas.microsoft.com/office/powerpoint/2010/main" xmlns:p15="http://schemas.microsoft.com/office/powerpoint/2012/main" matchingName="Title and two columns" type="twoColTx">
+<p:sldLayout xmlns:a="http://schemas.openxmlformats.org/drawingml/2006/main" xmlns:r="http://schemas.openxmlformats.org/officeDocument/2006/relationships" xmlns:p="http://schemas.openxmlformats.org/presentationml/2006/main" matchingName="Title and two columns" type="twoColTx">
   <p:cSld name="TITLE_AND_TWO_COLUMNS">
     <p:spTree>
       <p:nvGrpSpPr>
-        <p:cNvPr id="26" name="Shape 26"/>
+        <p:cNvPr id="1" name="Shape 26"/>
         <p:cNvGrpSpPr/>
         <p:nvPr/>
       </p:nvGrpSpPr>
@@ -4779,12 +5010,12 @@
           </a:ln>
         </p:spPr>
         <p:txBody>
-          <a:bodyPr anchorCtr="0" anchor="ctr" bIns="91425" lIns="91425" spcFirstLastPara="1" rIns="91425" wrap="square" tIns="91425">
+          <a:bodyPr spcFirstLastPara="1" wrap="square" lIns="91425" tIns="91425" rIns="91425" bIns="91425" anchor="ctr" anchorCtr="0">
             <a:noAutofit/>
           </a:bodyPr>
           <a:lstStyle/>
           <a:p>
-            <a:pPr indent="0" lvl="0" marL="0" rtl="0" algn="l">
+            <a:pPr marL="0" lvl="0" indent="0" algn="l" rtl="0">
               <a:spcBef>
                 <a:spcPts val="0"/>
               </a:spcBef>
@@ -4793,9 +5024,6 @@
               </a:spcAft>
               <a:buNone/>
             </a:pPr>
-            <a:r>
-              <a:t/>
-            </a:r>
             <a:endParaRPr/>
           </a:p>
         </p:txBody>
@@ -4803,7 +5031,9 @@
       <p:sp>
         <p:nvSpPr>
           <p:cNvPr id="28" name="Google Shape;28;p5"/>
-          <p:cNvSpPr txBox="1"/>
+          <p:cNvSpPr txBox="1">
+            <a:spLocks noGrp="1"/>
+          </p:cNvSpPr>
           <p:nvPr>
             <p:ph type="title"/>
           </p:nvPr>
@@ -4818,7 +5048,7 @@
           </a:prstGeom>
         </p:spPr>
         <p:txBody>
-          <a:bodyPr anchorCtr="0" anchor="t" bIns="91425" lIns="91425" spcFirstLastPara="1" rIns="91425" wrap="square" tIns="91425"/>
+          <a:bodyPr spcFirstLastPara="1" wrap="square" lIns="91425" tIns="91425" rIns="91425" bIns="91425" anchor="t" anchorCtr="0"/>
           <a:lstStyle>
             <a:lvl1pPr lvl="0">
               <a:spcBef>
@@ -4983,15 +5213,19 @@
               </a:defRPr>
             </a:lvl9pPr>
           </a:lstStyle>
-          <a:p/>
+          <a:p>
+            <a:endParaRPr/>
+          </a:p>
         </p:txBody>
       </p:sp>
       <p:sp>
         <p:nvSpPr>
           <p:cNvPr id="29" name="Google Shape;29;p5"/>
-          <p:cNvSpPr txBox="1"/>
+          <p:cNvSpPr txBox="1">
+            <a:spLocks noGrp="1"/>
+          </p:cNvSpPr>
           <p:nvPr>
-            <p:ph idx="1" type="body"/>
+            <p:ph type="body" idx="1"/>
           </p:nvPr>
         </p:nvSpPr>
         <p:spPr>
@@ -5004,9 +5238,9 @@
           </a:prstGeom>
         </p:spPr>
         <p:txBody>
-          <a:bodyPr anchorCtr="0" anchor="t" bIns="91425" lIns="91425" spcFirstLastPara="1" rIns="91425" wrap="square" tIns="91425"/>
+          <a:bodyPr spcFirstLastPara="1" wrap="square" lIns="91425" tIns="91425" rIns="91425" bIns="91425" anchor="t" anchorCtr="0"/>
           <a:lstStyle>
-            <a:lvl1pPr indent="-311150" lvl="0" marL="457200">
+            <a:lvl1pPr marL="457200" lvl="0" indent="-311150">
               <a:spcBef>
                 <a:spcPts val="0"/>
               </a:spcBef>
@@ -5017,7 +5251,7 @@
               <a:buChar char="●"/>
               <a:defRPr/>
             </a:lvl1pPr>
-            <a:lvl2pPr indent="-298450" lvl="1" marL="914400">
+            <a:lvl2pPr marL="914400" lvl="1" indent="-298450">
               <a:spcBef>
                 <a:spcPts val="1600"/>
               </a:spcBef>
@@ -5028,7 +5262,7 @@
               <a:buChar char="○"/>
               <a:defRPr/>
             </a:lvl2pPr>
-            <a:lvl3pPr indent="-298450" lvl="2" marL="1371600">
+            <a:lvl3pPr marL="1371600" lvl="2" indent="-298450">
               <a:spcBef>
                 <a:spcPts val="1600"/>
               </a:spcBef>
@@ -5039,7 +5273,7 @@
               <a:buChar char="■"/>
               <a:defRPr/>
             </a:lvl3pPr>
-            <a:lvl4pPr indent="-298450" lvl="3" marL="1828800">
+            <a:lvl4pPr marL="1828800" lvl="3" indent="-298450">
               <a:spcBef>
                 <a:spcPts val="1600"/>
               </a:spcBef>
@@ -5050,7 +5284,7 @@
               <a:buChar char="●"/>
               <a:defRPr/>
             </a:lvl4pPr>
-            <a:lvl5pPr indent="-298450" lvl="4" marL="2286000">
+            <a:lvl5pPr marL="2286000" lvl="4" indent="-298450">
               <a:spcBef>
                 <a:spcPts val="1600"/>
               </a:spcBef>
@@ -5061,7 +5295,7 @@
               <a:buChar char="○"/>
               <a:defRPr/>
             </a:lvl5pPr>
-            <a:lvl6pPr indent="-298450" lvl="5" marL="2743200">
+            <a:lvl6pPr marL="2743200" lvl="5" indent="-298450">
               <a:spcBef>
                 <a:spcPts val="1600"/>
               </a:spcBef>
@@ -5072,7 +5306,7 @@
               <a:buChar char="■"/>
               <a:defRPr/>
             </a:lvl6pPr>
-            <a:lvl7pPr indent="-298450" lvl="6" marL="3200400">
+            <a:lvl7pPr marL="3200400" lvl="6" indent="-298450">
               <a:spcBef>
                 <a:spcPts val="1600"/>
               </a:spcBef>
@@ -5083,7 +5317,7 @@
               <a:buChar char="●"/>
               <a:defRPr/>
             </a:lvl7pPr>
-            <a:lvl8pPr indent="-298450" lvl="7" marL="3657600">
+            <a:lvl8pPr marL="3657600" lvl="7" indent="-298450">
               <a:spcBef>
                 <a:spcPts val="1600"/>
               </a:spcBef>
@@ -5094,7 +5328,7 @@
               <a:buChar char="○"/>
               <a:defRPr/>
             </a:lvl8pPr>
-            <a:lvl9pPr indent="-298450" lvl="8" marL="4114800">
+            <a:lvl9pPr marL="4114800" lvl="8" indent="-298450">
               <a:spcBef>
                 <a:spcPts val="1600"/>
               </a:spcBef>
@@ -5106,15 +5340,19 @@
               <a:defRPr/>
             </a:lvl9pPr>
           </a:lstStyle>
-          <a:p/>
+          <a:p>
+            <a:endParaRPr/>
+          </a:p>
         </p:txBody>
       </p:sp>
       <p:sp>
         <p:nvSpPr>
           <p:cNvPr id="30" name="Google Shape;30;p5"/>
-          <p:cNvSpPr txBox="1"/>
+          <p:cNvSpPr txBox="1">
+            <a:spLocks noGrp="1"/>
+          </p:cNvSpPr>
           <p:nvPr>
-            <p:ph idx="2" type="body"/>
+            <p:ph type="body" idx="2"/>
           </p:nvPr>
         </p:nvSpPr>
         <p:spPr>
@@ -5127,9 +5365,9 @@
           </a:prstGeom>
         </p:spPr>
         <p:txBody>
-          <a:bodyPr anchorCtr="0" anchor="t" bIns="91425" lIns="91425" spcFirstLastPara="1" rIns="91425" wrap="square" tIns="91425"/>
+          <a:bodyPr spcFirstLastPara="1" wrap="square" lIns="91425" tIns="91425" rIns="91425" bIns="91425" anchor="t" anchorCtr="0"/>
           <a:lstStyle>
-            <a:lvl1pPr indent="-311150" lvl="0" marL="457200">
+            <a:lvl1pPr marL="457200" lvl="0" indent="-311150">
               <a:spcBef>
                 <a:spcPts val="0"/>
               </a:spcBef>
@@ -5140,7 +5378,7 @@
               <a:buChar char="●"/>
               <a:defRPr/>
             </a:lvl1pPr>
-            <a:lvl2pPr indent="-298450" lvl="1" marL="914400">
+            <a:lvl2pPr marL="914400" lvl="1" indent="-298450">
               <a:spcBef>
                 <a:spcPts val="1600"/>
               </a:spcBef>
@@ -5151,7 +5389,7 @@
               <a:buChar char="○"/>
               <a:defRPr/>
             </a:lvl2pPr>
-            <a:lvl3pPr indent="-298450" lvl="2" marL="1371600">
+            <a:lvl3pPr marL="1371600" lvl="2" indent="-298450">
               <a:spcBef>
                 <a:spcPts val="1600"/>
               </a:spcBef>
@@ -5162,7 +5400,7 @@
               <a:buChar char="■"/>
               <a:defRPr/>
             </a:lvl3pPr>
-            <a:lvl4pPr indent="-298450" lvl="3" marL="1828800">
+            <a:lvl4pPr marL="1828800" lvl="3" indent="-298450">
               <a:spcBef>
                 <a:spcPts val="1600"/>
               </a:spcBef>
@@ -5173,7 +5411,7 @@
               <a:buChar char="●"/>
               <a:defRPr/>
             </a:lvl4pPr>
-            <a:lvl5pPr indent="-298450" lvl="4" marL="2286000">
+            <a:lvl5pPr marL="2286000" lvl="4" indent="-298450">
               <a:spcBef>
                 <a:spcPts val="1600"/>
               </a:spcBef>
@@ -5184,7 +5422,7 @@
               <a:buChar char="○"/>
               <a:defRPr/>
             </a:lvl5pPr>
-            <a:lvl6pPr indent="-298450" lvl="5" marL="2743200">
+            <a:lvl6pPr marL="2743200" lvl="5" indent="-298450">
               <a:spcBef>
                 <a:spcPts val="1600"/>
               </a:spcBef>
@@ -5195,7 +5433,7 @@
               <a:buChar char="■"/>
               <a:defRPr/>
             </a:lvl6pPr>
-            <a:lvl7pPr indent="-298450" lvl="6" marL="3200400">
+            <a:lvl7pPr marL="3200400" lvl="6" indent="-298450">
               <a:spcBef>
                 <a:spcPts val="1600"/>
               </a:spcBef>
@@ -5206,7 +5444,7 @@
               <a:buChar char="●"/>
               <a:defRPr/>
             </a:lvl7pPr>
-            <a:lvl8pPr indent="-298450" lvl="7" marL="3657600">
+            <a:lvl8pPr marL="3657600" lvl="7" indent="-298450">
               <a:spcBef>
                 <a:spcPts val="1600"/>
               </a:spcBef>
@@ -5217,7 +5455,7 @@
               <a:buChar char="○"/>
               <a:defRPr/>
             </a:lvl8pPr>
-            <a:lvl9pPr indent="-298450" lvl="8" marL="4114800">
+            <a:lvl9pPr marL="4114800" lvl="8" indent="-298450">
               <a:spcBef>
                 <a:spcPts val="1600"/>
               </a:spcBef>
@@ -5229,15 +5467,19 @@
               <a:defRPr/>
             </a:lvl9pPr>
           </a:lstStyle>
-          <a:p/>
+          <a:p>
+            <a:endParaRPr/>
+          </a:p>
         </p:txBody>
       </p:sp>
       <p:sp>
         <p:nvSpPr>
           <p:cNvPr id="31" name="Google Shape;31;p5"/>
-          <p:cNvSpPr txBox="1"/>
+          <p:cNvSpPr txBox="1">
+            <a:spLocks noGrp="1"/>
+          </p:cNvSpPr>
           <p:nvPr>
-            <p:ph idx="12" type="sldNum"/>
+            <p:ph type="sldNum" idx="12"/>
           </p:nvPr>
         </p:nvSpPr>
         <p:spPr>
@@ -5250,7 +5492,7 @@
           </a:prstGeom>
         </p:spPr>
         <p:txBody>
-          <a:bodyPr anchorCtr="0" anchor="ctr" bIns="91425" lIns="91425" spcFirstLastPara="1" rIns="91425" wrap="square" tIns="91425">
+          <a:bodyPr spcFirstLastPara="1" wrap="square" lIns="91425" tIns="91425" rIns="91425" bIns="91425" anchor="ctr" anchorCtr="0">
             <a:noAutofit/>
           </a:bodyPr>
           <a:lstStyle>
@@ -5292,7 +5534,7 @@
             </a:lvl9pPr>
           </a:lstStyle>
           <a:p>
-            <a:pPr indent="0" lvl="0" marL="0" rtl="0" algn="r">
+            <a:pPr marL="0" lvl="0" indent="0" algn="r" rtl="0">
               <a:spcBef>
                 <a:spcPts val="0"/>
               </a:spcBef>
@@ -5318,11 +5560,11 @@
 </file>
 
 <file path=ppt/slideLayouts/slideLayout5.xml><?xml version="1.0" encoding="utf-8"?>
-<p:sldLayout xmlns:a="http://schemas.openxmlformats.org/drawingml/2006/main" xmlns:r="http://schemas.openxmlformats.org/officeDocument/2006/relationships" xmlns:mc="http://schemas.openxmlformats.org/markup-compatibility/2006" xmlns:mv="urn:schemas-microsoft-com:mac:vml" xmlns:p="http://schemas.openxmlformats.org/presentationml/2006/main" xmlns:c="http://schemas.openxmlformats.org/drawingml/2006/chart" xmlns:dgm="http://schemas.openxmlformats.org/drawingml/2006/diagram" xmlns:o="urn:schemas-microsoft-com:office:office" xmlns:v="urn:schemas-microsoft-com:vml" xmlns:pvml="urn:schemas-microsoft-com:office:powerpoint" xmlns:com="http://schemas.openxmlformats.org/drawingml/2006/compatibility" xmlns:p14="http://schemas.microsoft.com/office/powerpoint/2010/main" xmlns:p15="http://schemas.microsoft.com/office/powerpoint/2012/main" matchingName="Title only" type="titleOnly">
+<p:sldLayout xmlns:a="http://schemas.openxmlformats.org/drawingml/2006/main" xmlns:r="http://schemas.openxmlformats.org/officeDocument/2006/relationships" xmlns:p="http://schemas.openxmlformats.org/presentationml/2006/main" matchingName="Title only" type="titleOnly">
   <p:cSld name="TITLE_ONLY">
     <p:spTree>
       <p:nvGrpSpPr>
-        <p:cNvPr id="32" name="Shape 32"/>
+        <p:cNvPr id="1" name="Shape 32"/>
         <p:cNvGrpSpPr/>
         <p:nvPr/>
       </p:nvGrpSpPr>
@@ -5356,12 +5598,12 @@
           </a:ln>
         </p:spPr>
         <p:txBody>
-          <a:bodyPr anchorCtr="0" anchor="ctr" bIns="91425" lIns="91425" spcFirstLastPara="1" rIns="91425" wrap="square" tIns="91425">
+          <a:bodyPr spcFirstLastPara="1" wrap="square" lIns="91425" tIns="91425" rIns="91425" bIns="91425" anchor="ctr" anchorCtr="0">
             <a:noAutofit/>
           </a:bodyPr>
           <a:lstStyle/>
           <a:p>
-            <a:pPr indent="0" lvl="0" marL="0" rtl="0" algn="l">
+            <a:pPr marL="0" lvl="0" indent="0" algn="l" rtl="0">
               <a:spcBef>
                 <a:spcPts val="0"/>
               </a:spcBef>
@@ -5370,9 +5612,6 @@
               </a:spcAft>
               <a:buNone/>
             </a:pPr>
-            <a:r>
-              <a:t/>
-            </a:r>
             <a:endParaRPr/>
           </a:p>
         </p:txBody>
@@ -5380,7 +5619,9 @@
       <p:sp>
         <p:nvSpPr>
           <p:cNvPr id="34" name="Google Shape;34;p6"/>
-          <p:cNvSpPr txBox="1"/>
+          <p:cNvSpPr txBox="1">
+            <a:spLocks noGrp="1"/>
+          </p:cNvSpPr>
           <p:nvPr>
             <p:ph type="title"/>
           </p:nvPr>
@@ -5395,7 +5636,7 @@
           </a:prstGeom>
         </p:spPr>
         <p:txBody>
-          <a:bodyPr anchorCtr="0" anchor="t" bIns="91425" lIns="91425" spcFirstLastPara="1" rIns="91425" wrap="square" tIns="91425"/>
+          <a:bodyPr spcFirstLastPara="1" wrap="square" lIns="91425" tIns="91425" rIns="91425" bIns="91425" anchor="t" anchorCtr="0"/>
           <a:lstStyle>
             <a:lvl1pPr lvl="0">
               <a:spcBef>
@@ -5560,15 +5801,19 @@
               </a:defRPr>
             </a:lvl9pPr>
           </a:lstStyle>
-          <a:p/>
+          <a:p>
+            <a:endParaRPr/>
+          </a:p>
         </p:txBody>
       </p:sp>
       <p:sp>
         <p:nvSpPr>
           <p:cNvPr id="35" name="Google Shape;35;p6"/>
-          <p:cNvSpPr txBox="1"/>
+          <p:cNvSpPr txBox="1">
+            <a:spLocks noGrp="1"/>
+          </p:cNvSpPr>
           <p:nvPr>
-            <p:ph idx="12" type="sldNum"/>
+            <p:ph type="sldNum" idx="12"/>
           </p:nvPr>
         </p:nvSpPr>
         <p:spPr>
@@ -5581,7 +5826,7 @@
           </a:prstGeom>
         </p:spPr>
         <p:txBody>
-          <a:bodyPr anchorCtr="0" anchor="ctr" bIns="91425" lIns="91425" spcFirstLastPara="1" rIns="91425" wrap="square" tIns="91425">
+          <a:bodyPr spcFirstLastPara="1" wrap="square" lIns="91425" tIns="91425" rIns="91425" bIns="91425" anchor="ctr" anchorCtr="0">
             <a:noAutofit/>
           </a:bodyPr>
           <a:lstStyle>
@@ -5623,7 +5868,7 @@
             </a:lvl9pPr>
           </a:lstStyle>
           <a:p>
-            <a:pPr indent="0" lvl="0" marL="0" rtl="0" algn="r">
+            <a:pPr marL="0" lvl="0" indent="0" algn="r" rtl="0">
               <a:spcBef>
                 <a:spcPts val="0"/>
               </a:spcBef>
@@ -5649,11 +5894,11 @@
 </file>
 
 <file path=ppt/slideLayouts/slideLayout6.xml><?xml version="1.0" encoding="utf-8"?>
-<p:sldLayout xmlns:a="http://schemas.openxmlformats.org/drawingml/2006/main" xmlns:r="http://schemas.openxmlformats.org/officeDocument/2006/relationships" xmlns:mc="http://schemas.openxmlformats.org/markup-compatibility/2006" xmlns:mv="urn:schemas-microsoft-com:mac:vml" xmlns:p="http://schemas.openxmlformats.org/presentationml/2006/main" xmlns:c="http://schemas.openxmlformats.org/drawingml/2006/chart" xmlns:dgm="http://schemas.openxmlformats.org/drawingml/2006/diagram" xmlns:o="urn:schemas-microsoft-com:office:office" xmlns:v="urn:schemas-microsoft-com:vml" xmlns:pvml="urn:schemas-microsoft-com:office:powerpoint" xmlns:com="http://schemas.openxmlformats.org/drawingml/2006/compatibility" xmlns:p14="http://schemas.microsoft.com/office/powerpoint/2010/main" xmlns:p15="http://schemas.microsoft.com/office/powerpoint/2012/main" matchingName="One column text">
+<p:sldLayout xmlns:a="http://schemas.openxmlformats.org/drawingml/2006/main" xmlns:r="http://schemas.openxmlformats.org/officeDocument/2006/relationships" xmlns:p="http://schemas.openxmlformats.org/presentationml/2006/main" matchingName="One column text">
   <p:cSld name="ONE_COLUMN_TEXT">
     <p:spTree>
       <p:nvGrpSpPr>
-        <p:cNvPr id="36" name="Shape 36"/>
+        <p:cNvPr id="1" name="Shape 36"/>
         <p:cNvGrpSpPr/>
         <p:nvPr/>
       </p:nvGrpSpPr>
@@ -5687,12 +5932,12 @@
           </a:ln>
         </p:spPr>
         <p:txBody>
-          <a:bodyPr anchorCtr="0" anchor="ctr" bIns="91425" lIns="91425" spcFirstLastPara="1" rIns="91425" wrap="square" tIns="91425">
+          <a:bodyPr spcFirstLastPara="1" wrap="square" lIns="91425" tIns="91425" rIns="91425" bIns="91425" anchor="ctr" anchorCtr="0">
             <a:noAutofit/>
           </a:bodyPr>
           <a:lstStyle/>
           <a:p>
-            <a:pPr indent="0" lvl="0" marL="0" rtl="0" algn="l">
+            <a:pPr marL="0" lvl="0" indent="0" algn="l" rtl="0">
               <a:spcBef>
                 <a:spcPts val="0"/>
               </a:spcBef>
@@ -5701,9 +5946,6 @@
               </a:spcAft>
               <a:buNone/>
             </a:pPr>
-            <a:r>
-              <a:t/>
-            </a:r>
             <a:endParaRPr/>
           </a:p>
         </p:txBody>
@@ -5711,7 +5953,9 @@
       <p:sp>
         <p:nvSpPr>
           <p:cNvPr id="38" name="Google Shape;38;p7"/>
-          <p:cNvSpPr txBox="1"/>
+          <p:cNvSpPr txBox="1">
+            <a:spLocks noGrp="1"/>
+          </p:cNvSpPr>
           <p:nvPr>
             <p:ph type="title"/>
           </p:nvPr>
@@ -5726,7 +5970,7 @@
           </a:prstGeom>
         </p:spPr>
         <p:txBody>
-          <a:bodyPr anchorCtr="0" anchor="t" bIns="91425" lIns="91425" spcFirstLastPara="1" rIns="91425" wrap="square" tIns="91425"/>
+          <a:bodyPr spcFirstLastPara="1" wrap="square" lIns="91425" tIns="91425" rIns="91425" bIns="91425" anchor="t" anchorCtr="0"/>
           <a:lstStyle>
             <a:lvl1pPr lvl="0">
               <a:spcBef>
@@ -5891,15 +6135,19 @@
               </a:defRPr>
             </a:lvl9pPr>
           </a:lstStyle>
-          <a:p/>
+          <a:p>
+            <a:endParaRPr/>
+          </a:p>
         </p:txBody>
       </p:sp>
       <p:sp>
         <p:nvSpPr>
           <p:cNvPr id="39" name="Google Shape;39;p7"/>
-          <p:cNvSpPr txBox="1"/>
+          <p:cNvSpPr txBox="1">
+            <a:spLocks noGrp="1"/>
+          </p:cNvSpPr>
           <p:nvPr>
-            <p:ph idx="1" type="body"/>
+            <p:ph type="body" idx="1"/>
           </p:nvPr>
         </p:nvSpPr>
         <p:spPr>
@@ -5912,9 +6160,9 @@
           </a:prstGeom>
         </p:spPr>
         <p:txBody>
-          <a:bodyPr anchorCtr="0" anchor="t" bIns="91425" lIns="91425" spcFirstLastPara="1" rIns="91425" wrap="square" tIns="91425"/>
+          <a:bodyPr spcFirstLastPara="1" wrap="square" lIns="91425" tIns="91425" rIns="91425" bIns="91425" anchor="t" anchorCtr="0"/>
           <a:lstStyle>
-            <a:lvl1pPr indent="-311150" lvl="0" marL="457200">
+            <a:lvl1pPr marL="457200" lvl="0" indent="-311150">
               <a:spcBef>
                 <a:spcPts val="0"/>
               </a:spcBef>
@@ -5932,7 +6180,7 @@
                 </a:solidFill>
               </a:defRPr>
             </a:lvl1pPr>
-            <a:lvl2pPr indent="-298450" lvl="1" marL="914400">
+            <a:lvl2pPr marL="914400" lvl="1" indent="-298450">
               <a:spcBef>
                 <a:spcPts val="1600"/>
               </a:spcBef>
@@ -5950,7 +6198,7 @@
                 </a:solidFill>
               </a:defRPr>
             </a:lvl2pPr>
-            <a:lvl3pPr indent="-298450" lvl="2" marL="1371600">
+            <a:lvl3pPr marL="1371600" lvl="2" indent="-298450">
               <a:spcBef>
                 <a:spcPts val="1600"/>
               </a:spcBef>
@@ -5968,7 +6216,7 @@
                 </a:solidFill>
               </a:defRPr>
             </a:lvl3pPr>
-            <a:lvl4pPr indent="-298450" lvl="3" marL="1828800">
+            <a:lvl4pPr marL="1828800" lvl="3" indent="-298450">
               <a:spcBef>
                 <a:spcPts val="1600"/>
               </a:spcBef>
@@ -5986,7 +6234,7 @@
                 </a:solidFill>
               </a:defRPr>
             </a:lvl4pPr>
-            <a:lvl5pPr indent="-298450" lvl="4" marL="2286000">
+            <a:lvl5pPr marL="2286000" lvl="4" indent="-298450">
               <a:spcBef>
                 <a:spcPts val="1600"/>
               </a:spcBef>
@@ -6004,7 +6252,7 @@
                 </a:solidFill>
               </a:defRPr>
             </a:lvl5pPr>
-            <a:lvl6pPr indent="-298450" lvl="5" marL="2743200">
+            <a:lvl6pPr marL="2743200" lvl="5" indent="-298450">
               <a:spcBef>
                 <a:spcPts val="1600"/>
               </a:spcBef>
@@ -6022,7 +6270,7 @@
                 </a:solidFill>
               </a:defRPr>
             </a:lvl6pPr>
-            <a:lvl7pPr indent="-298450" lvl="6" marL="3200400">
+            <a:lvl7pPr marL="3200400" lvl="6" indent="-298450">
               <a:spcBef>
                 <a:spcPts val="1600"/>
               </a:spcBef>
@@ -6040,7 +6288,7 @@
                 </a:solidFill>
               </a:defRPr>
             </a:lvl7pPr>
-            <a:lvl8pPr indent="-298450" lvl="7" marL="3657600">
+            <a:lvl8pPr marL="3657600" lvl="7" indent="-298450">
               <a:spcBef>
                 <a:spcPts val="1600"/>
               </a:spcBef>
@@ -6058,7 +6306,7 @@
                 </a:solidFill>
               </a:defRPr>
             </a:lvl8pPr>
-            <a:lvl9pPr indent="-298450" lvl="8" marL="4114800">
+            <a:lvl9pPr marL="4114800" lvl="8" indent="-298450">
               <a:spcBef>
                 <a:spcPts val="1600"/>
               </a:spcBef>
@@ -6077,15 +6325,19 @@
               </a:defRPr>
             </a:lvl9pPr>
           </a:lstStyle>
-          <a:p/>
+          <a:p>
+            <a:endParaRPr/>
+          </a:p>
         </p:txBody>
       </p:sp>
       <p:sp>
         <p:nvSpPr>
           <p:cNvPr id="40" name="Google Shape;40;p7"/>
-          <p:cNvSpPr txBox="1"/>
+          <p:cNvSpPr txBox="1">
+            <a:spLocks noGrp="1"/>
+          </p:cNvSpPr>
           <p:nvPr>
-            <p:ph idx="12" type="sldNum"/>
+            <p:ph type="sldNum" idx="12"/>
           </p:nvPr>
         </p:nvSpPr>
         <p:spPr>
@@ -6098,7 +6350,7 @@
           </a:prstGeom>
         </p:spPr>
         <p:txBody>
-          <a:bodyPr anchorCtr="0" anchor="ctr" bIns="91425" lIns="91425" spcFirstLastPara="1" rIns="91425" wrap="square" tIns="91425">
+          <a:bodyPr spcFirstLastPara="1" wrap="square" lIns="91425" tIns="91425" rIns="91425" bIns="91425" anchor="ctr" anchorCtr="0">
             <a:noAutofit/>
           </a:bodyPr>
           <a:lstStyle>
@@ -6140,7 +6392,7 @@
             </a:lvl9pPr>
           </a:lstStyle>
           <a:p>
-            <a:pPr indent="0" lvl="0" marL="0" rtl="0" algn="r">
+            <a:pPr marL="0" lvl="0" indent="0" algn="r" rtl="0">
               <a:spcBef>
                 <a:spcPts val="0"/>
               </a:spcBef>
@@ -6166,18 +6418,19 @@
 </file>
 
 <file path=ppt/slideLayouts/slideLayout7.xml><?xml version="1.0" encoding="utf-8"?>
-<p:sldLayout xmlns:a="http://schemas.openxmlformats.org/drawingml/2006/main" xmlns:r="http://schemas.openxmlformats.org/officeDocument/2006/relationships" xmlns:mc="http://schemas.openxmlformats.org/markup-compatibility/2006" xmlns:mv="urn:schemas-microsoft-com:mac:vml" xmlns:p="http://schemas.openxmlformats.org/presentationml/2006/main" xmlns:c="http://schemas.openxmlformats.org/drawingml/2006/chart" xmlns:dgm="http://schemas.openxmlformats.org/drawingml/2006/diagram" xmlns:o="urn:schemas-microsoft-com:office:office" xmlns:v="urn:schemas-microsoft-com:vml" xmlns:pvml="urn:schemas-microsoft-com:office:powerpoint" xmlns:com="http://schemas.openxmlformats.org/drawingml/2006/compatibility" xmlns:p14="http://schemas.microsoft.com/office/powerpoint/2010/main" xmlns:p15="http://schemas.microsoft.com/office/powerpoint/2012/main" matchingName="Main point">
+<p:sldLayout xmlns:a="http://schemas.openxmlformats.org/drawingml/2006/main" xmlns:r="http://schemas.openxmlformats.org/officeDocument/2006/relationships" xmlns:p="http://schemas.openxmlformats.org/presentationml/2006/main" matchingName="Main point">
   <p:cSld name="MAIN_POINT">
     <p:bg>
       <p:bgPr>
         <a:solidFill>
           <a:schemeClr val="accent3"/>
         </a:solidFill>
+        <a:effectLst/>
       </p:bgPr>
     </p:bg>
     <p:spTree>
       <p:nvGrpSpPr>
-        <p:cNvPr id="41" name="Shape 41"/>
+        <p:cNvPr id="1" name="Shape 41"/>
         <p:cNvGrpSpPr/>
         <p:nvPr/>
       </p:nvGrpSpPr>
@@ -6192,7 +6445,9 @@
       <p:sp>
         <p:nvSpPr>
           <p:cNvPr id="42" name="Google Shape;42;p8"/>
-          <p:cNvSpPr txBox="1"/>
+          <p:cNvSpPr txBox="1">
+            <a:spLocks noGrp="1"/>
+          </p:cNvSpPr>
           <p:nvPr>
             <p:ph type="title"/>
           </p:nvPr>
@@ -6207,7 +6462,7 @@
           </a:prstGeom>
         </p:spPr>
         <p:txBody>
-          <a:bodyPr anchorCtr="0" anchor="ctr" bIns="91425" lIns="91425" spcFirstLastPara="1" rIns="91425" wrap="square" tIns="91425"/>
+          <a:bodyPr spcFirstLastPara="1" wrap="square" lIns="91425" tIns="91425" rIns="91425" bIns="91425" anchor="ctr" anchorCtr="0"/>
           <a:lstStyle>
             <a:lvl1pPr lvl="0">
               <a:spcBef>
@@ -6309,15 +6564,19 @@
               <a:defRPr sz="3600"/>
             </a:lvl9pPr>
           </a:lstStyle>
-          <a:p/>
+          <a:p>
+            <a:endParaRPr/>
+          </a:p>
         </p:txBody>
       </p:sp>
       <p:sp>
         <p:nvSpPr>
           <p:cNvPr id="43" name="Google Shape;43;p8"/>
-          <p:cNvSpPr txBox="1"/>
+          <p:cNvSpPr txBox="1">
+            <a:spLocks noGrp="1"/>
+          </p:cNvSpPr>
           <p:nvPr>
-            <p:ph idx="12" type="sldNum"/>
+            <p:ph type="sldNum" idx="12"/>
           </p:nvPr>
         </p:nvSpPr>
         <p:spPr>
@@ -6330,7 +6589,7 @@
           </a:prstGeom>
         </p:spPr>
         <p:txBody>
-          <a:bodyPr anchorCtr="0" anchor="ctr" bIns="91425" lIns="91425" spcFirstLastPara="1" rIns="91425" wrap="square" tIns="91425">
+          <a:bodyPr spcFirstLastPara="1" wrap="square" lIns="91425" tIns="91425" rIns="91425" bIns="91425" anchor="ctr" anchorCtr="0">
             <a:noAutofit/>
           </a:bodyPr>
           <a:lstStyle>
@@ -6408,7 +6667,7 @@
             </a:lvl9pPr>
           </a:lstStyle>
           <a:p>
-            <a:pPr indent="0" lvl="0" marL="0" rtl="0" algn="r">
+            <a:pPr marL="0" lvl="0" indent="0" algn="r" rtl="0">
               <a:spcBef>
                 <a:spcPts val="0"/>
               </a:spcBef>
@@ -6434,11 +6693,11 @@
 </file>
 
 <file path=ppt/slideLayouts/slideLayout8.xml><?xml version="1.0" encoding="utf-8"?>
-<p:sldLayout xmlns:a="http://schemas.openxmlformats.org/drawingml/2006/main" xmlns:r="http://schemas.openxmlformats.org/officeDocument/2006/relationships" xmlns:mc="http://schemas.openxmlformats.org/markup-compatibility/2006" xmlns:mv="urn:schemas-microsoft-com:mac:vml" xmlns:p="http://schemas.openxmlformats.org/presentationml/2006/main" xmlns:c="http://schemas.openxmlformats.org/drawingml/2006/chart" xmlns:dgm="http://schemas.openxmlformats.org/drawingml/2006/diagram" xmlns:o="urn:schemas-microsoft-com:office:office" xmlns:v="urn:schemas-microsoft-com:vml" xmlns:pvml="urn:schemas-microsoft-com:office:powerpoint" xmlns:com="http://schemas.openxmlformats.org/drawingml/2006/compatibility" xmlns:p14="http://schemas.microsoft.com/office/powerpoint/2010/main" xmlns:p15="http://schemas.microsoft.com/office/powerpoint/2012/main" matchingName="Section title and description">
+<p:sldLayout xmlns:a="http://schemas.openxmlformats.org/drawingml/2006/main" xmlns:r="http://schemas.openxmlformats.org/officeDocument/2006/relationships" xmlns:p="http://schemas.openxmlformats.org/presentationml/2006/main" matchingName="Section title and description">
   <p:cSld name="SECTION_TITLE_AND_DESCRIPTION">
     <p:spTree>
       <p:nvGrpSpPr>
-        <p:cNvPr id="44" name="Shape 44"/>
+        <p:cNvPr id="1" name="Shape 44"/>
         <p:cNvGrpSpPr/>
         <p:nvPr/>
       </p:nvGrpSpPr>
@@ -6472,12 +6731,12 @@
           </a:ln>
         </p:spPr>
         <p:txBody>
-          <a:bodyPr anchorCtr="0" anchor="ctr" bIns="91425" lIns="91425" spcFirstLastPara="1" rIns="91425" wrap="square" tIns="91425">
+          <a:bodyPr spcFirstLastPara="1" wrap="square" lIns="91425" tIns="91425" rIns="91425" bIns="91425" anchor="ctr" anchorCtr="0">
             <a:noAutofit/>
           </a:bodyPr>
           <a:lstStyle/>
           <a:p>
-            <a:pPr indent="0" lvl="0" marL="0" rtl="0" algn="l">
+            <a:pPr marL="0" lvl="0" indent="0" algn="l" rtl="0">
               <a:spcBef>
                 <a:spcPts val="0"/>
               </a:spcBef>
@@ -6486,9 +6745,6 @@
               </a:spcAft>
               <a:buNone/>
             </a:pPr>
-            <a:r>
-              <a:t/>
-            </a:r>
             <a:endParaRPr/>
           </a:p>
         </p:txBody>
@@ -6496,7 +6752,9 @@
       <p:sp>
         <p:nvSpPr>
           <p:cNvPr id="46" name="Google Shape;46;p9"/>
-          <p:cNvSpPr txBox="1"/>
+          <p:cNvSpPr txBox="1">
+            <a:spLocks noGrp="1"/>
+          </p:cNvSpPr>
           <p:nvPr>
             <p:ph type="title"/>
           </p:nvPr>
@@ -6511,7 +6769,7 @@
           </a:prstGeom>
         </p:spPr>
         <p:txBody>
-          <a:bodyPr anchorCtr="0" anchor="t" bIns="91425" lIns="91425" spcFirstLastPara="1" rIns="91425" wrap="square" tIns="91425"/>
+          <a:bodyPr spcFirstLastPara="1" wrap="square" lIns="91425" tIns="91425" rIns="91425" bIns="91425" anchor="t" anchorCtr="0"/>
           <a:lstStyle>
             <a:lvl1pPr lvl="0">
               <a:spcBef>
@@ -6676,15 +6934,19 @@
               </a:defRPr>
             </a:lvl9pPr>
           </a:lstStyle>
-          <a:p/>
+          <a:p>
+            <a:endParaRPr/>
+          </a:p>
         </p:txBody>
       </p:sp>
       <p:sp>
         <p:nvSpPr>
           <p:cNvPr id="47" name="Google Shape;47;p9"/>
-          <p:cNvSpPr txBox="1"/>
+          <p:cNvSpPr txBox="1">
+            <a:spLocks noGrp="1"/>
+          </p:cNvSpPr>
           <p:nvPr>
-            <p:ph idx="1" type="subTitle"/>
+            <p:ph type="subTitle" idx="1"/>
           </p:nvPr>
         </p:nvSpPr>
         <p:spPr>
@@ -6697,7 +6959,7 @@
           </a:prstGeom>
         </p:spPr>
         <p:txBody>
-          <a:bodyPr anchorCtr="0" anchor="t" bIns="91425" lIns="91425" spcFirstLastPara="1" rIns="91425" wrap="square" tIns="91425"/>
+          <a:bodyPr spcFirstLastPara="1" wrap="square" lIns="91425" tIns="91425" rIns="91425" bIns="91425" anchor="t" anchorCtr="0"/>
           <a:lstStyle>
             <a:lvl1pPr lvl="0">
               <a:lnSpc>
@@ -6889,15 +7151,19 @@
               </a:defRPr>
             </a:lvl9pPr>
           </a:lstStyle>
-          <a:p/>
+          <a:p>
+            <a:endParaRPr/>
+          </a:p>
         </p:txBody>
       </p:sp>
       <p:sp>
         <p:nvSpPr>
           <p:cNvPr id="48" name="Google Shape;48;p9"/>
-          <p:cNvSpPr txBox="1"/>
+          <p:cNvSpPr txBox="1">
+            <a:spLocks noGrp="1"/>
+          </p:cNvSpPr>
           <p:nvPr>
-            <p:ph idx="2" type="body"/>
+            <p:ph type="body" idx="2"/>
           </p:nvPr>
         </p:nvSpPr>
         <p:spPr>
@@ -6910,9 +7176,9 @@
           </a:prstGeom>
         </p:spPr>
         <p:txBody>
-          <a:bodyPr anchorCtr="0" anchor="t" bIns="91425" lIns="91425" spcFirstLastPara="1" rIns="91425" wrap="square" tIns="91425"/>
+          <a:bodyPr spcFirstLastPara="1" wrap="square" lIns="91425" tIns="91425" rIns="91425" bIns="91425" anchor="t" anchorCtr="0"/>
           <a:lstStyle>
-            <a:lvl1pPr indent="-311150" lvl="0" marL="457200">
+            <a:lvl1pPr marL="457200" lvl="0" indent="-311150">
               <a:spcBef>
                 <a:spcPts val="0"/>
               </a:spcBef>
@@ -6923,7 +7189,7 @@
               <a:buChar char="●"/>
               <a:defRPr/>
             </a:lvl1pPr>
-            <a:lvl2pPr indent="-298450" lvl="1" marL="914400">
+            <a:lvl2pPr marL="914400" lvl="1" indent="-298450">
               <a:spcBef>
                 <a:spcPts val="1600"/>
               </a:spcBef>
@@ -6934,7 +7200,7 @@
               <a:buChar char="○"/>
               <a:defRPr/>
             </a:lvl2pPr>
-            <a:lvl3pPr indent="-298450" lvl="2" marL="1371600">
+            <a:lvl3pPr marL="1371600" lvl="2" indent="-298450">
               <a:spcBef>
                 <a:spcPts val="1600"/>
               </a:spcBef>
@@ -6945,7 +7211,7 @@
               <a:buChar char="■"/>
               <a:defRPr/>
             </a:lvl3pPr>
-            <a:lvl4pPr indent="-298450" lvl="3" marL="1828800">
+            <a:lvl4pPr marL="1828800" lvl="3" indent="-298450">
               <a:spcBef>
                 <a:spcPts val="1600"/>
               </a:spcBef>
@@ -6956,7 +7222,7 @@
               <a:buChar char="●"/>
               <a:defRPr/>
             </a:lvl4pPr>
-            <a:lvl5pPr indent="-298450" lvl="4" marL="2286000">
+            <a:lvl5pPr marL="2286000" lvl="4" indent="-298450">
               <a:spcBef>
                 <a:spcPts val="1600"/>
               </a:spcBef>
@@ -6967,7 +7233,7 @@
               <a:buChar char="○"/>
               <a:defRPr/>
             </a:lvl5pPr>
-            <a:lvl6pPr indent="-298450" lvl="5" marL="2743200">
+            <a:lvl6pPr marL="2743200" lvl="5" indent="-298450">
               <a:spcBef>
                 <a:spcPts val="1600"/>
               </a:spcBef>
@@ -6978,7 +7244,7 @@
               <a:buChar char="■"/>
               <a:defRPr/>
             </a:lvl6pPr>
-            <a:lvl7pPr indent="-298450" lvl="6" marL="3200400">
+            <a:lvl7pPr marL="3200400" lvl="6" indent="-298450">
               <a:spcBef>
                 <a:spcPts val="1600"/>
               </a:spcBef>
@@ -6989,7 +7255,7 @@
               <a:buChar char="●"/>
               <a:defRPr/>
             </a:lvl7pPr>
-            <a:lvl8pPr indent="-298450" lvl="7" marL="3657600">
+            <a:lvl8pPr marL="3657600" lvl="7" indent="-298450">
               <a:spcBef>
                 <a:spcPts val="1600"/>
               </a:spcBef>
@@ -7000,7 +7266,7 @@
               <a:buChar char="○"/>
               <a:defRPr/>
             </a:lvl8pPr>
-            <a:lvl9pPr indent="-298450" lvl="8" marL="4114800">
+            <a:lvl9pPr marL="4114800" lvl="8" indent="-298450">
               <a:spcBef>
                 <a:spcPts val="1600"/>
               </a:spcBef>
@@ -7012,15 +7278,19 @@
               <a:defRPr/>
             </a:lvl9pPr>
           </a:lstStyle>
-          <a:p/>
+          <a:p>
+            <a:endParaRPr/>
+          </a:p>
         </p:txBody>
       </p:sp>
       <p:sp>
         <p:nvSpPr>
           <p:cNvPr id="49" name="Google Shape;49;p9"/>
-          <p:cNvSpPr txBox="1"/>
+          <p:cNvSpPr txBox="1">
+            <a:spLocks noGrp="1"/>
+          </p:cNvSpPr>
           <p:nvPr>
-            <p:ph idx="12" type="sldNum"/>
+            <p:ph type="sldNum" idx="12"/>
           </p:nvPr>
         </p:nvSpPr>
         <p:spPr>
@@ -7033,7 +7303,7 @@
           </a:prstGeom>
         </p:spPr>
         <p:txBody>
-          <a:bodyPr anchorCtr="0" anchor="ctr" bIns="91425" lIns="91425" spcFirstLastPara="1" rIns="91425" wrap="square" tIns="91425">
+          <a:bodyPr spcFirstLastPara="1" wrap="square" lIns="91425" tIns="91425" rIns="91425" bIns="91425" anchor="ctr" anchorCtr="0">
             <a:noAutofit/>
           </a:bodyPr>
           <a:lstStyle>
@@ -7075,7 +7345,7 @@
             </a:lvl9pPr>
           </a:lstStyle>
           <a:p>
-            <a:pPr indent="0" lvl="0" marL="0" rtl="0" algn="r">
+            <a:pPr marL="0" lvl="0" indent="0" algn="r" rtl="0">
               <a:spcBef>
                 <a:spcPts val="0"/>
               </a:spcBef>
@@ -7101,11 +7371,11 @@
 </file>
 
 <file path=ppt/slideLayouts/slideLayout9.xml><?xml version="1.0" encoding="utf-8"?>
-<p:sldLayout xmlns:a="http://schemas.openxmlformats.org/drawingml/2006/main" xmlns:r="http://schemas.openxmlformats.org/officeDocument/2006/relationships" xmlns:mc="http://schemas.openxmlformats.org/markup-compatibility/2006" xmlns:mv="urn:schemas-microsoft-com:mac:vml" xmlns:p="http://schemas.openxmlformats.org/presentationml/2006/main" xmlns:c="http://schemas.openxmlformats.org/drawingml/2006/chart" xmlns:dgm="http://schemas.openxmlformats.org/drawingml/2006/diagram" xmlns:o="urn:schemas-microsoft-com:office:office" xmlns:v="urn:schemas-microsoft-com:vml" xmlns:pvml="urn:schemas-microsoft-com:office:powerpoint" xmlns:com="http://schemas.openxmlformats.org/drawingml/2006/compatibility" xmlns:p14="http://schemas.microsoft.com/office/powerpoint/2010/main" xmlns:p15="http://schemas.microsoft.com/office/powerpoint/2012/main" matchingName="Caption">
+<p:sldLayout xmlns:a="http://schemas.openxmlformats.org/drawingml/2006/main" xmlns:r="http://schemas.openxmlformats.org/officeDocument/2006/relationships" xmlns:p="http://schemas.openxmlformats.org/presentationml/2006/main" matchingName="Caption">
   <p:cSld name="CAPTION_ONLY">
     <p:spTree>
       <p:nvGrpSpPr>
-        <p:cNvPr id="50" name="Shape 50"/>
+        <p:cNvPr id="1" name="Shape 50"/>
         <p:cNvGrpSpPr/>
         <p:nvPr/>
       </p:nvGrpSpPr>
@@ -7139,12 +7409,12 @@
           </a:ln>
         </p:spPr>
         <p:txBody>
-          <a:bodyPr anchorCtr="0" anchor="ctr" bIns="91425" lIns="91425" spcFirstLastPara="1" rIns="91425" wrap="square" tIns="91425">
+          <a:bodyPr spcFirstLastPara="1" wrap="square" lIns="91425" tIns="91425" rIns="91425" bIns="91425" anchor="ctr" anchorCtr="0">
             <a:noAutofit/>
           </a:bodyPr>
           <a:lstStyle/>
           <a:p>
-            <a:pPr indent="0" lvl="0" marL="0" rtl="0" algn="l">
+            <a:pPr marL="0" lvl="0" indent="0" algn="l" rtl="0">
               <a:spcBef>
                 <a:spcPts val="0"/>
               </a:spcBef>
@@ -7153,9 +7423,6 @@
               </a:spcAft>
               <a:buNone/>
             </a:pPr>
-            <a:r>
-              <a:t/>
-            </a:r>
             <a:endParaRPr/>
           </a:p>
         </p:txBody>
@@ -7163,9 +7430,11 @@
       <p:sp>
         <p:nvSpPr>
           <p:cNvPr id="52" name="Google Shape;52;p10"/>
-          <p:cNvSpPr txBox="1"/>
+          <p:cNvSpPr txBox="1">
+            <a:spLocks noGrp="1"/>
+          </p:cNvSpPr>
           <p:nvPr>
-            <p:ph idx="1" type="body"/>
+            <p:ph type="body" idx="1"/>
           </p:nvPr>
         </p:nvSpPr>
         <p:spPr>
@@ -7178,9 +7447,9 @@
           </a:prstGeom>
         </p:spPr>
         <p:txBody>
-          <a:bodyPr anchorCtr="0" anchor="ctr" bIns="91425" lIns="91425" spcFirstLastPara="1" rIns="91425" wrap="square" tIns="91425"/>
+          <a:bodyPr spcFirstLastPara="1" wrap="square" lIns="91425" tIns="91425" rIns="91425" bIns="91425" anchor="ctr" anchorCtr="0"/>
           <a:lstStyle>
-            <a:lvl1pPr indent="-228600" lvl="0" marL="457200">
+            <a:lvl1pPr marL="457200" lvl="0" indent="-228600">
               <a:lnSpc>
                 <a:spcPct val="100000"/>
               </a:lnSpc>
@@ -7207,15 +7476,19 @@
               </a:defRPr>
             </a:lvl1pPr>
           </a:lstStyle>
-          <a:p/>
+          <a:p>
+            <a:endParaRPr/>
+          </a:p>
         </p:txBody>
       </p:sp>
       <p:sp>
         <p:nvSpPr>
           <p:cNvPr id="53" name="Google Shape;53;p10"/>
-          <p:cNvSpPr txBox="1"/>
+          <p:cNvSpPr txBox="1">
+            <a:spLocks noGrp="1"/>
+          </p:cNvSpPr>
           <p:nvPr>
-            <p:ph idx="12" type="sldNum"/>
+            <p:ph type="sldNum" idx="12"/>
           </p:nvPr>
         </p:nvSpPr>
         <p:spPr>
@@ -7228,7 +7501,7 @@
           </a:prstGeom>
         </p:spPr>
         <p:txBody>
-          <a:bodyPr anchorCtr="0" anchor="ctr" bIns="91425" lIns="91425" spcFirstLastPara="1" rIns="91425" wrap="square" tIns="91425">
+          <a:bodyPr spcFirstLastPara="1" wrap="square" lIns="91425" tIns="91425" rIns="91425" bIns="91425" anchor="ctr" anchorCtr="0">
             <a:noAutofit/>
           </a:bodyPr>
           <a:lstStyle>
@@ -7306,7 +7579,7 @@
             </a:lvl9pPr>
           </a:lstStyle>
           <a:p>
-            <a:pPr indent="0" lvl="0" marL="0" rtl="0" algn="r">
+            <a:pPr marL="0" lvl="0" indent="0" algn="r" rtl="0">
               <a:spcBef>
                 <a:spcPts val="0"/>
               </a:spcBef>
@@ -7332,18 +7605,19 @@
 </file>
 
 <file path=ppt/slideMasters/slideMaster1.xml><?xml version="1.0" encoding="utf-8"?>
-<p:sldMaster xmlns:a="http://schemas.openxmlformats.org/drawingml/2006/main" xmlns:r="http://schemas.openxmlformats.org/officeDocument/2006/relationships" xmlns:mc="http://schemas.openxmlformats.org/markup-compatibility/2006" xmlns:mv="urn:schemas-microsoft-com:mac:vml" xmlns:p="http://schemas.openxmlformats.org/presentationml/2006/main" xmlns:c="http://schemas.openxmlformats.org/drawingml/2006/chart" xmlns:dgm="http://schemas.openxmlformats.org/drawingml/2006/diagram" xmlns:o="urn:schemas-microsoft-com:office:office" xmlns:v="urn:schemas-microsoft-com:vml" xmlns:pvml="urn:schemas-microsoft-com:office:powerpoint" xmlns:com="http://schemas.openxmlformats.org/drawingml/2006/compatibility" xmlns:p14="http://schemas.microsoft.com/office/powerpoint/2010/main" xmlns:p15="http://schemas.microsoft.com/office/powerpoint/2012/main">
+<p:sldMaster xmlns:a="http://schemas.openxmlformats.org/drawingml/2006/main" xmlns:r="http://schemas.openxmlformats.org/officeDocument/2006/relationships" xmlns:p="http://schemas.openxmlformats.org/presentationml/2006/main">
   <p:cSld name="paradigm">
     <p:bg>
       <p:bgPr>
         <a:solidFill>
           <a:schemeClr val="lt1"/>
         </a:solidFill>
+        <a:effectLst/>
       </p:bgPr>
     </p:bg>
     <p:spTree>
       <p:nvGrpSpPr>
-        <p:cNvPr id="5" name="Shape 5"/>
+        <p:cNvPr id="1" name="Shape 5"/>
         <p:cNvGrpSpPr/>
         <p:nvPr/>
       </p:nvGrpSpPr>
@@ -7358,7 +7632,9 @@
       <p:sp>
         <p:nvSpPr>
           <p:cNvPr id="6" name="Google Shape;6;p1"/>
-          <p:cNvSpPr txBox="1"/>
+          <p:cNvSpPr txBox="1">
+            <a:spLocks noGrp="1"/>
+          </p:cNvSpPr>
           <p:nvPr>
             <p:ph type="title"/>
           </p:nvPr>
@@ -7377,7 +7653,7 @@
           </a:ln>
         </p:spPr>
         <p:txBody>
-          <a:bodyPr anchorCtr="0" anchor="t" bIns="91425" lIns="91425" spcFirstLastPara="1" rIns="91425" wrap="square" tIns="91425"/>
+          <a:bodyPr spcFirstLastPara="1" wrap="square" lIns="91425" tIns="91425" rIns="91425" bIns="91425" anchor="t" anchorCtr="0"/>
           <a:lstStyle>
             <a:lvl1pPr lvl="0">
               <a:spcBef>
@@ -7587,15 +7863,19 @@
               </a:defRPr>
             </a:lvl9pPr>
           </a:lstStyle>
-          <a:p/>
+          <a:p>
+            <a:endParaRPr/>
+          </a:p>
         </p:txBody>
       </p:sp>
       <p:sp>
         <p:nvSpPr>
           <p:cNvPr id="7" name="Google Shape;7;p1"/>
-          <p:cNvSpPr txBox="1"/>
+          <p:cNvSpPr txBox="1">
+            <a:spLocks noGrp="1"/>
+          </p:cNvSpPr>
           <p:nvPr>
-            <p:ph idx="1" type="body"/>
+            <p:ph type="body" idx="1"/>
           </p:nvPr>
         </p:nvSpPr>
         <p:spPr>
@@ -7612,9 +7892,9 @@
           </a:ln>
         </p:spPr>
         <p:txBody>
-          <a:bodyPr anchorCtr="0" anchor="t" bIns="91425" lIns="91425" spcFirstLastPara="1" rIns="91425" wrap="square" tIns="91425"/>
+          <a:bodyPr spcFirstLastPara="1" wrap="square" lIns="91425" tIns="91425" rIns="91425" bIns="91425" anchor="t" anchorCtr="0"/>
           <a:lstStyle>
-            <a:lvl1pPr indent="-311150" lvl="0" marL="457200">
+            <a:lvl1pPr marL="457200" lvl="0" indent="-311150">
               <a:lnSpc>
                 <a:spcPct val="115000"/>
               </a:lnSpc>
@@ -7640,7 +7920,7 @@
                 <a:sym typeface="Roboto"/>
               </a:defRPr>
             </a:lvl1pPr>
-            <a:lvl2pPr indent="-298450" lvl="1" marL="914400">
+            <a:lvl2pPr marL="914400" lvl="1" indent="-298450">
               <a:lnSpc>
                 <a:spcPct val="115000"/>
               </a:lnSpc>
@@ -7666,7 +7946,7 @@
                 <a:sym typeface="Roboto"/>
               </a:defRPr>
             </a:lvl2pPr>
-            <a:lvl3pPr indent="-298450" lvl="2" marL="1371600">
+            <a:lvl3pPr marL="1371600" lvl="2" indent="-298450">
               <a:lnSpc>
                 <a:spcPct val="115000"/>
               </a:lnSpc>
@@ -7692,7 +7972,7 @@
                 <a:sym typeface="Roboto"/>
               </a:defRPr>
             </a:lvl3pPr>
-            <a:lvl4pPr indent="-298450" lvl="3" marL="1828800">
+            <a:lvl4pPr marL="1828800" lvl="3" indent="-298450">
               <a:lnSpc>
                 <a:spcPct val="115000"/>
               </a:lnSpc>
@@ -7718,7 +7998,7 @@
                 <a:sym typeface="Roboto"/>
               </a:defRPr>
             </a:lvl4pPr>
-            <a:lvl5pPr indent="-298450" lvl="4" marL="2286000">
+            <a:lvl5pPr marL="2286000" lvl="4" indent="-298450">
               <a:lnSpc>
                 <a:spcPct val="115000"/>
               </a:lnSpc>
@@ -7744,7 +8024,7 @@
                 <a:sym typeface="Roboto"/>
               </a:defRPr>
             </a:lvl5pPr>
-            <a:lvl6pPr indent="-298450" lvl="5" marL="2743200">
+            <a:lvl6pPr marL="2743200" lvl="5" indent="-298450">
               <a:lnSpc>
                 <a:spcPct val="115000"/>
               </a:lnSpc>
@@ -7770,7 +8050,7 @@
                 <a:sym typeface="Roboto"/>
               </a:defRPr>
             </a:lvl6pPr>
-            <a:lvl7pPr indent="-298450" lvl="6" marL="3200400">
+            <a:lvl7pPr marL="3200400" lvl="6" indent="-298450">
               <a:lnSpc>
                 <a:spcPct val="115000"/>
               </a:lnSpc>
@@ -7796,7 +8076,7 @@
                 <a:sym typeface="Roboto"/>
               </a:defRPr>
             </a:lvl7pPr>
-            <a:lvl8pPr indent="-298450" lvl="7" marL="3657600">
+            <a:lvl8pPr marL="3657600" lvl="7" indent="-298450">
               <a:lnSpc>
                 <a:spcPct val="115000"/>
               </a:lnSpc>
@@ -7822,7 +8102,7 @@
                 <a:sym typeface="Roboto"/>
               </a:defRPr>
             </a:lvl8pPr>
-            <a:lvl9pPr indent="-298450" lvl="8" marL="4114800">
+            <a:lvl9pPr marL="4114800" lvl="8" indent="-298450">
               <a:lnSpc>
                 <a:spcPct val="115000"/>
               </a:lnSpc>
@@ -7849,15 +8129,19 @@
               </a:defRPr>
             </a:lvl9pPr>
           </a:lstStyle>
-          <a:p/>
+          <a:p>
+            <a:endParaRPr/>
+          </a:p>
         </p:txBody>
       </p:sp>
       <p:sp>
         <p:nvSpPr>
           <p:cNvPr id="8" name="Google Shape;8;p1"/>
-          <p:cNvSpPr txBox="1"/>
+          <p:cNvSpPr txBox="1">
+            <a:spLocks noGrp="1"/>
+          </p:cNvSpPr>
           <p:nvPr>
-            <p:ph idx="12" type="sldNum"/>
+            <p:ph type="sldNum" idx="12"/>
           </p:nvPr>
         </p:nvSpPr>
         <p:spPr>
@@ -7874,7 +8158,7 @@
           </a:ln>
         </p:spPr>
         <p:txBody>
-          <a:bodyPr anchorCtr="0" anchor="ctr" bIns="91425" lIns="91425" spcFirstLastPara="1" rIns="91425" wrap="square" tIns="91425">
+          <a:bodyPr spcFirstLastPara="1" wrap="square" lIns="91425" tIns="91425" rIns="91425" bIns="91425" anchor="ctr" anchorCtr="0">
             <a:noAutofit/>
           </a:bodyPr>
           <a:lstStyle>
@@ -7988,7 +8272,7 @@
             </a:lvl9pPr>
           </a:lstStyle>
           <a:p>
-            <a:pPr indent="0" lvl="0" marL="0" rtl="0" algn="r">
+            <a:pPr marL="0" lvl="0" indent="0" algn="r" rtl="0">
               <a:spcBef>
                 <a:spcPts val="0"/>
               </a:spcBef>
@@ -8007,7 +8291,7 @@
       </p:sp>
     </p:spTree>
   </p:cSld>
-  <p:clrMap accent1="accent1" accent2="accent2" accent3="accent3" accent4="accent4" accent5="accent5" accent6="accent6" bg1="lt1" bg2="dk2" tx1="dk1" tx2="lt2" folHlink="folHlink" hlink="hlink"/>
+  <p:clrMap bg1="lt1" tx1="dk1" bg2="dk2" tx2="lt2" accent1="accent1" accent2="accent2" accent3="accent3" accent4="accent4" accent5="accent5" accent6="accent6" hlink="hlink" folHlink="folHlink"/>
   <p:sldLayoutIdLst>
     <p:sldLayoutId id="2147483648" r:id="rId1"/>
     <p:sldLayoutId id="2147483649" r:id="rId2"/>
@@ -8021,10 +8305,10 @@
     <p:sldLayoutId id="2147483657" r:id="rId10"/>
     <p:sldLayoutId id="2147483658" r:id="rId11"/>
   </p:sldLayoutIdLst>
-  <p:hf dt="0" ftr="0" hdr="0" sldNum="0"/>
+  <p:hf sldNum="0" hdr="0" ftr="0" dt="0"/>
   <p:txStyles>
     <p:titleStyle>
-      <a:defPPr lvl="0" marR="0" rtl="0" algn="l">
+      <a:defPPr marR="0" lvl="0" algn="l" rtl="0">
         <a:lnSpc>
           <a:spcPct val="100000"/>
         </a:lnSpc>
@@ -8035,7 +8319,7 @@
           <a:spcPts val="0"/>
         </a:spcAft>
       </a:defPPr>
-      <a:lvl1pPr lvl="0" marR="0" rtl="0" algn="l">
+      <a:lvl1pPr marR="0" lvl="0" algn="l" rtl="0">
         <a:lnSpc>
           <a:spcPct val="100000"/>
         </a:lnSpc>
@@ -8049,7 +8333,7 @@
           <a:srgbClr val="000000"/>
         </a:buClr>
         <a:buFont typeface="Arial"/>
-        <a:defRPr b="0" i="0" sz="1400" u="none" cap="none" strike="noStrike">
+        <a:defRPr sz="1400" b="0" i="0" u="none" strike="noStrike" cap="none">
           <a:solidFill>
             <a:srgbClr val="000000"/>
           </a:solidFill>
@@ -8059,7 +8343,7 @@
           <a:sym typeface="Arial"/>
         </a:defRPr>
       </a:lvl1pPr>
-      <a:lvl2pPr lvl="1" marR="0" rtl="0" algn="l">
+      <a:lvl2pPr marR="0" lvl="1" algn="l" rtl="0">
         <a:lnSpc>
           <a:spcPct val="100000"/>
         </a:lnSpc>
@@ -8073,7 +8357,7 @@
           <a:srgbClr val="000000"/>
         </a:buClr>
         <a:buFont typeface="Arial"/>
-        <a:defRPr b="0" i="0" sz="1400" u="none" cap="none" strike="noStrike">
+        <a:defRPr sz="1400" b="0" i="0" u="none" strike="noStrike" cap="none">
           <a:solidFill>
             <a:srgbClr val="000000"/>
           </a:solidFill>
@@ -8083,7 +8367,7 @@
           <a:sym typeface="Arial"/>
         </a:defRPr>
       </a:lvl2pPr>
-      <a:lvl3pPr lvl="2" marR="0" rtl="0" algn="l">
+      <a:lvl3pPr marR="0" lvl="2" algn="l" rtl="0">
         <a:lnSpc>
           <a:spcPct val="100000"/>
         </a:lnSpc>
@@ -8097,7 +8381,7 @@
           <a:srgbClr val="000000"/>
         </a:buClr>
         <a:buFont typeface="Arial"/>
-        <a:defRPr b="0" i="0" sz="1400" u="none" cap="none" strike="noStrike">
+        <a:defRPr sz="1400" b="0" i="0" u="none" strike="noStrike" cap="none">
           <a:solidFill>
             <a:srgbClr val="000000"/>
           </a:solidFill>
@@ -8107,7 +8391,7 @@
           <a:sym typeface="Arial"/>
         </a:defRPr>
       </a:lvl3pPr>
-      <a:lvl4pPr lvl="3" marR="0" rtl="0" algn="l">
+      <a:lvl4pPr marR="0" lvl="3" algn="l" rtl="0">
         <a:lnSpc>
           <a:spcPct val="100000"/>
         </a:lnSpc>
@@ -8121,7 +8405,7 @@
           <a:srgbClr val="000000"/>
         </a:buClr>
         <a:buFont typeface="Arial"/>
-        <a:defRPr b="0" i="0" sz="1400" u="none" cap="none" strike="noStrike">
+        <a:defRPr sz="1400" b="0" i="0" u="none" strike="noStrike" cap="none">
           <a:solidFill>
             <a:srgbClr val="000000"/>
           </a:solidFill>
@@ -8131,7 +8415,7 @@
           <a:sym typeface="Arial"/>
         </a:defRPr>
       </a:lvl4pPr>
-      <a:lvl5pPr lvl="4" marR="0" rtl="0" algn="l">
+      <a:lvl5pPr marR="0" lvl="4" algn="l" rtl="0">
         <a:lnSpc>
           <a:spcPct val="100000"/>
         </a:lnSpc>
@@ -8145,7 +8429,7 @@
           <a:srgbClr val="000000"/>
         </a:buClr>
         <a:buFont typeface="Arial"/>
-        <a:defRPr b="0" i="0" sz="1400" u="none" cap="none" strike="noStrike">
+        <a:defRPr sz="1400" b="0" i="0" u="none" strike="noStrike" cap="none">
           <a:solidFill>
             <a:srgbClr val="000000"/>
           </a:solidFill>
@@ -8155,7 +8439,7 @@
           <a:sym typeface="Arial"/>
         </a:defRPr>
       </a:lvl5pPr>
-      <a:lvl6pPr lvl="5" marR="0" rtl="0" algn="l">
+      <a:lvl6pPr marR="0" lvl="5" algn="l" rtl="0">
         <a:lnSpc>
           <a:spcPct val="100000"/>
         </a:lnSpc>
@@ -8169,7 +8453,7 @@
           <a:srgbClr val="000000"/>
         </a:buClr>
         <a:buFont typeface="Arial"/>
-        <a:defRPr b="0" i="0" sz="1400" u="none" cap="none" strike="noStrike">
+        <a:defRPr sz="1400" b="0" i="0" u="none" strike="noStrike" cap="none">
           <a:solidFill>
             <a:srgbClr val="000000"/>
           </a:solidFill>
@@ -8179,7 +8463,7 @@
           <a:sym typeface="Arial"/>
         </a:defRPr>
       </a:lvl6pPr>
-      <a:lvl7pPr lvl="6" marR="0" rtl="0" algn="l">
+      <a:lvl7pPr marR="0" lvl="6" algn="l" rtl="0">
         <a:lnSpc>
           <a:spcPct val="100000"/>
         </a:lnSpc>
@@ -8193,7 +8477,7 @@
           <a:srgbClr val="000000"/>
         </a:buClr>
         <a:buFont typeface="Arial"/>
-        <a:defRPr b="0" i="0" sz="1400" u="none" cap="none" strike="noStrike">
+        <a:defRPr sz="1400" b="0" i="0" u="none" strike="noStrike" cap="none">
           <a:solidFill>
             <a:srgbClr val="000000"/>
           </a:solidFill>
@@ -8203,7 +8487,7 @@
           <a:sym typeface="Arial"/>
         </a:defRPr>
       </a:lvl7pPr>
-      <a:lvl8pPr lvl="7" marR="0" rtl="0" algn="l">
+      <a:lvl8pPr marR="0" lvl="7" algn="l" rtl="0">
         <a:lnSpc>
           <a:spcPct val="100000"/>
         </a:lnSpc>
@@ -8217,7 +8501,7 @@
           <a:srgbClr val="000000"/>
         </a:buClr>
         <a:buFont typeface="Arial"/>
-        <a:defRPr b="0" i="0" sz="1400" u="none" cap="none" strike="noStrike">
+        <a:defRPr sz="1400" b="0" i="0" u="none" strike="noStrike" cap="none">
           <a:solidFill>
             <a:srgbClr val="000000"/>
           </a:solidFill>
@@ -8227,7 +8511,7 @@
           <a:sym typeface="Arial"/>
         </a:defRPr>
       </a:lvl8pPr>
-      <a:lvl9pPr lvl="8" marR="0" rtl="0" algn="l">
+      <a:lvl9pPr marR="0" lvl="8" algn="l" rtl="0">
         <a:lnSpc>
           <a:spcPct val="100000"/>
         </a:lnSpc>
@@ -8241,7 +8525,7 @@
           <a:srgbClr val="000000"/>
         </a:buClr>
         <a:buFont typeface="Arial"/>
-        <a:defRPr b="0" i="0" sz="1400" u="none" cap="none" strike="noStrike">
+        <a:defRPr sz="1400" b="0" i="0" u="none" strike="noStrike" cap="none">
           <a:solidFill>
             <a:srgbClr val="000000"/>
           </a:solidFill>
@@ -8253,7 +8537,7 @@
       </a:lvl9pPr>
     </p:titleStyle>
     <p:bodyStyle>
-      <a:defPPr lvl="0" marR="0" rtl="0" algn="l">
+      <a:defPPr marR="0" lvl="0" algn="l" rtl="0">
         <a:lnSpc>
           <a:spcPct val="100000"/>
         </a:lnSpc>
@@ -8264,7 +8548,7 @@
           <a:spcPts val="0"/>
         </a:spcAft>
       </a:defPPr>
-      <a:lvl1pPr lvl="0" marR="0" rtl="0" algn="l">
+      <a:lvl1pPr marR="0" lvl="0" algn="l" rtl="0">
         <a:lnSpc>
           <a:spcPct val="100000"/>
         </a:lnSpc>
@@ -8278,7 +8562,7 @@
           <a:srgbClr val="000000"/>
         </a:buClr>
         <a:buFont typeface="Arial"/>
-        <a:defRPr b="0" i="0" sz="1400" u="none" cap="none" strike="noStrike">
+        <a:defRPr sz="1400" b="0" i="0" u="none" strike="noStrike" cap="none">
           <a:solidFill>
             <a:srgbClr val="000000"/>
           </a:solidFill>
@@ -8288,7 +8572,7 @@
           <a:sym typeface="Arial"/>
         </a:defRPr>
       </a:lvl1pPr>
-      <a:lvl2pPr lvl="1" marR="0" rtl="0" algn="l">
+      <a:lvl2pPr marR="0" lvl="1" algn="l" rtl="0">
         <a:lnSpc>
           <a:spcPct val="100000"/>
         </a:lnSpc>
@@ -8302,7 +8586,7 @@
           <a:srgbClr val="000000"/>
         </a:buClr>
         <a:buFont typeface="Arial"/>
-        <a:defRPr b="0" i="0" sz="1400" u="none" cap="none" strike="noStrike">
+        <a:defRPr sz="1400" b="0" i="0" u="none" strike="noStrike" cap="none">
           <a:solidFill>
             <a:srgbClr val="000000"/>
           </a:solidFill>
@@ -8312,7 +8596,7 @@
           <a:sym typeface="Arial"/>
         </a:defRPr>
       </a:lvl2pPr>
-      <a:lvl3pPr lvl="2" marR="0" rtl="0" algn="l">
+      <a:lvl3pPr marR="0" lvl="2" algn="l" rtl="0">
         <a:lnSpc>
           <a:spcPct val="100000"/>
         </a:lnSpc>
@@ -8326,7 +8610,7 @@
           <a:srgbClr val="000000"/>
         </a:buClr>
         <a:buFont typeface="Arial"/>
-        <a:defRPr b="0" i="0" sz="1400" u="none" cap="none" strike="noStrike">
+        <a:defRPr sz="1400" b="0" i="0" u="none" strike="noStrike" cap="none">
           <a:solidFill>
             <a:srgbClr val="000000"/>
           </a:solidFill>
@@ -8336,7 +8620,7 @@
           <a:sym typeface="Arial"/>
         </a:defRPr>
       </a:lvl3pPr>
-      <a:lvl4pPr lvl="3" marR="0" rtl="0" algn="l">
+      <a:lvl4pPr marR="0" lvl="3" algn="l" rtl="0">
         <a:lnSpc>
           <a:spcPct val="100000"/>
         </a:lnSpc>
@@ -8350,7 +8634,7 @@
           <a:srgbClr val="000000"/>
         </a:buClr>
         <a:buFont typeface="Arial"/>
-        <a:defRPr b="0" i="0" sz="1400" u="none" cap="none" strike="noStrike">
+        <a:defRPr sz="1400" b="0" i="0" u="none" strike="noStrike" cap="none">
           <a:solidFill>
             <a:srgbClr val="000000"/>
           </a:solidFill>
@@ -8360,7 +8644,7 @@
           <a:sym typeface="Arial"/>
         </a:defRPr>
       </a:lvl4pPr>
-      <a:lvl5pPr lvl="4" marR="0" rtl="0" algn="l">
+      <a:lvl5pPr marR="0" lvl="4" algn="l" rtl="0">
         <a:lnSpc>
           <a:spcPct val="100000"/>
         </a:lnSpc>
@@ -8374,7 +8658,7 @@
           <a:srgbClr val="000000"/>
         </a:buClr>
         <a:buFont typeface="Arial"/>
-        <a:defRPr b="0" i="0" sz="1400" u="none" cap="none" strike="noStrike">
+        <a:defRPr sz="1400" b="0" i="0" u="none" strike="noStrike" cap="none">
           <a:solidFill>
             <a:srgbClr val="000000"/>
           </a:solidFill>
@@ -8384,7 +8668,7 @@
           <a:sym typeface="Arial"/>
         </a:defRPr>
       </a:lvl5pPr>
-      <a:lvl6pPr lvl="5" marR="0" rtl="0" algn="l">
+      <a:lvl6pPr marR="0" lvl="5" algn="l" rtl="0">
         <a:lnSpc>
           <a:spcPct val="100000"/>
         </a:lnSpc>
@@ -8398,7 +8682,7 @@
           <a:srgbClr val="000000"/>
         </a:buClr>
         <a:buFont typeface="Arial"/>
-        <a:defRPr b="0" i="0" sz="1400" u="none" cap="none" strike="noStrike">
+        <a:defRPr sz="1400" b="0" i="0" u="none" strike="noStrike" cap="none">
           <a:solidFill>
             <a:srgbClr val="000000"/>
           </a:solidFill>
@@ -8408,7 +8692,7 @@
           <a:sym typeface="Arial"/>
         </a:defRPr>
       </a:lvl6pPr>
-      <a:lvl7pPr lvl="6" marR="0" rtl="0" algn="l">
+      <a:lvl7pPr marR="0" lvl="6" algn="l" rtl="0">
         <a:lnSpc>
           <a:spcPct val="100000"/>
         </a:lnSpc>
@@ -8422,7 +8706,7 @@
           <a:srgbClr val="000000"/>
         </a:buClr>
         <a:buFont typeface="Arial"/>
-        <a:defRPr b="0" i="0" sz="1400" u="none" cap="none" strike="noStrike">
+        <a:defRPr sz="1400" b="0" i="0" u="none" strike="noStrike" cap="none">
           <a:solidFill>
             <a:srgbClr val="000000"/>
           </a:solidFill>
@@ -8432,7 +8716,7 @@
           <a:sym typeface="Arial"/>
         </a:defRPr>
       </a:lvl7pPr>
-      <a:lvl8pPr lvl="7" marR="0" rtl="0" algn="l">
+      <a:lvl8pPr marR="0" lvl="7" algn="l" rtl="0">
         <a:lnSpc>
           <a:spcPct val="100000"/>
         </a:lnSpc>
@@ -8446,7 +8730,7 @@
           <a:srgbClr val="000000"/>
         </a:buClr>
         <a:buFont typeface="Arial"/>
-        <a:defRPr b="0" i="0" sz="1400" u="none" cap="none" strike="noStrike">
+        <a:defRPr sz="1400" b="0" i="0" u="none" strike="noStrike" cap="none">
           <a:solidFill>
             <a:srgbClr val="000000"/>
           </a:solidFill>
@@ -8456,7 +8740,7 @@
           <a:sym typeface="Arial"/>
         </a:defRPr>
       </a:lvl8pPr>
-      <a:lvl9pPr lvl="8" marR="0" rtl="0" algn="l">
+      <a:lvl9pPr marR="0" lvl="8" algn="l" rtl="0">
         <a:lnSpc>
           <a:spcPct val="100000"/>
         </a:lnSpc>
@@ -8470,7 +8754,7 @@
           <a:srgbClr val="000000"/>
         </a:buClr>
         <a:buFont typeface="Arial"/>
-        <a:defRPr b="0" i="0" sz="1400" u="none" cap="none" strike="noStrike">
+        <a:defRPr sz="1400" b="0" i="0" u="none" strike="noStrike" cap="none">
           <a:solidFill>
             <a:srgbClr val="000000"/>
           </a:solidFill>
@@ -8482,7 +8766,7 @@
       </a:lvl9pPr>
     </p:bodyStyle>
     <p:otherStyle>
-      <a:defPPr lvl="0" marR="0" rtl="0" algn="l">
+      <a:defPPr marR="0" lvl="0" algn="l" rtl="0">
         <a:lnSpc>
           <a:spcPct val="100000"/>
         </a:lnSpc>
@@ -8493,7 +8777,7 @@
           <a:spcPts val="0"/>
         </a:spcAft>
       </a:defPPr>
-      <a:lvl1pPr lvl="0" marR="0" rtl="0" algn="l">
+      <a:lvl1pPr marR="0" lvl="0" algn="l" rtl="0">
         <a:lnSpc>
           <a:spcPct val="100000"/>
         </a:lnSpc>
@@ -8507,7 +8791,7 @@
           <a:srgbClr val="000000"/>
         </a:buClr>
         <a:buFont typeface="Arial"/>
-        <a:defRPr b="0" i="0" sz="1400" u="none" cap="none" strike="noStrike">
+        <a:defRPr sz="1400" b="0" i="0" u="none" strike="noStrike" cap="none">
           <a:solidFill>
             <a:srgbClr val="000000"/>
           </a:solidFill>
@@ -8517,7 +8801,7 @@
           <a:sym typeface="Arial"/>
         </a:defRPr>
       </a:lvl1pPr>
-      <a:lvl2pPr lvl="1" marR="0" rtl="0" algn="l">
+      <a:lvl2pPr marR="0" lvl="1" algn="l" rtl="0">
         <a:lnSpc>
           <a:spcPct val="100000"/>
         </a:lnSpc>
@@ -8531,7 +8815,7 @@
           <a:srgbClr val="000000"/>
         </a:buClr>
         <a:buFont typeface="Arial"/>
-        <a:defRPr b="0" i="0" sz="1400" u="none" cap="none" strike="noStrike">
+        <a:defRPr sz="1400" b="0" i="0" u="none" strike="noStrike" cap="none">
           <a:solidFill>
             <a:srgbClr val="000000"/>
           </a:solidFill>
@@ -8541,7 +8825,7 @@
           <a:sym typeface="Arial"/>
         </a:defRPr>
       </a:lvl2pPr>
-      <a:lvl3pPr lvl="2" marR="0" rtl="0" algn="l">
+      <a:lvl3pPr marR="0" lvl="2" algn="l" rtl="0">
         <a:lnSpc>
           <a:spcPct val="100000"/>
         </a:lnSpc>
@@ -8555,7 +8839,7 @@
           <a:srgbClr val="000000"/>
         </a:buClr>
         <a:buFont typeface="Arial"/>
-        <a:defRPr b="0" i="0" sz="1400" u="none" cap="none" strike="noStrike">
+        <a:defRPr sz="1400" b="0" i="0" u="none" strike="noStrike" cap="none">
           <a:solidFill>
             <a:srgbClr val="000000"/>
           </a:solidFill>
@@ -8565,7 +8849,7 @@
           <a:sym typeface="Arial"/>
         </a:defRPr>
       </a:lvl3pPr>
-      <a:lvl4pPr lvl="3" marR="0" rtl="0" algn="l">
+      <a:lvl4pPr marR="0" lvl="3" algn="l" rtl="0">
         <a:lnSpc>
           <a:spcPct val="100000"/>
         </a:lnSpc>
@@ -8579,7 +8863,7 @@
           <a:srgbClr val="000000"/>
         </a:buClr>
         <a:buFont typeface="Arial"/>
-        <a:defRPr b="0" i="0" sz="1400" u="none" cap="none" strike="noStrike">
+        <a:defRPr sz="1400" b="0" i="0" u="none" strike="noStrike" cap="none">
           <a:solidFill>
             <a:srgbClr val="000000"/>
           </a:solidFill>
@@ -8589,7 +8873,7 @@
           <a:sym typeface="Arial"/>
         </a:defRPr>
       </a:lvl4pPr>
-      <a:lvl5pPr lvl="4" marR="0" rtl="0" algn="l">
+      <a:lvl5pPr marR="0" lvl="4" algn="l" rtl="0">
         <a:lnSpc>
           <a:spcPct val="100000"/>
         </a:lnSpc>
@@ -8603,7 +8887,7 @@
           <a:srgbClr val="000000"/>
         </a:buClr>
         <a:buFont typeface="Arial"/>
-        <a:defRPr b="0" i="0" sz="1400" u="none" cap="none" strike="noStrike">
+        <a:defRPr sz="1400" b="0" i="0" u="none" strike="noStrike" cap="none">
           <a:solidFill>
             <a:srgbClr val="000000"/>
           </a:solidFill>
@@ -8613,7 +8897,7 @@
           <a:sym typeface="Arial"/>
         </a:defRPr>
       </a:lvl5pPr>
-      <a:lvl6pPr lvl="5" marR="0" rtl="0" algn="l">
+      <a:lvl6pPr marR="0" lvl="5" algn="l" rtl="0">
         <a:lnSpc>
           <a:spcPct val="100000"/>
         </a:lnSpc>
@@ -8627,7 +8911,7 @@
           <a:srgbClr val="000000"/>
         </a:buClr>
         <a:buFont typeface="Arial"/>
-        <a:defRPr b="0" i="0" sz="1400" u="none" cap="none" strike="noStrike">
+        <a:defRPr sz="1400" b="0" i="0" u="none" strike="noStrike" cap="none">
           <a:solidFill>
             <a:srgbClr val="000000"/>
           </a:solidFill>
@@ -8637,7 +8921,7 @@
           <a:sym typeface="Arial"/>
         </a:defRPr>
       </a:lvl6pPr>
-      <a:lvl7pPr lvl="6" marR="0" rtl="0" algn="l">
+      <a:lvl7pPr marR="0" lvl="6" algn="l" rtl="0">
         <a:lnSpc>
           <a:spcPct val="100000"/>
         </a:lnSpc>
@@ -8651,7 +8935,7 @@
           <a:srgbClr val="000000"/>
         </a:buClr>
         <a:buFont typeface="Arial"/>
-        <a:defRPr b="0" i="0" sz="1400" u="none" cap="none" strike="noStrike">
+        <a:defRPr sz="1400" b="0" i="0" u="none" strike="noStrike" cap="none">
           <a:solidFill>
             <a:srgbClr val="000000"/>
           </a:solidFill>
@@ -8661,7 +8945,7 @@
           <a:sym typeface="Arial"/>
         </a:defRPr>
       </a:lvl7pPr>
-      <a:lvl8pPr lvl="7" marR="0" rtl="0" algn="l">
+      <a:lvl8pPr marR="0" lvl="7" algn="l" rtl="0">
         <a:lnSpc>
           <a:spcPct val="100000"/>
         </a:lnSpc>
@@ -8675,7 +8959,7 @@
           <a:srgbClr val="000000"/>
         </a:buClr>
         <a:buFont typeface="Arial"/>
-        <a:defRPr b="0" i="0" sz="1400" u="none" cap="none" strike="noStrike">
+        <a:defRPr sz="1400" b="0" i="0" u="none" strike="noStrike" cap="none">
           <a:solidFill>
             <a:srgbClr val="000000"/>
           </a:solidFill>
@@ -8685,7 +8969,7 @@
           <a:sym typeface="Arial"/>
         </a:defRPr>
       </a:lvl8pPr>
-      <a:lvl9pPr lvl="8" marR="0" rtl="0" algn="l">
+      <a:lvl9pPr marR="0" lvl="8" algn="l" rtl="0">
         <a:lnSpc>
           <a:spcPct val="100000"/>
         </a:lnSpc>
@@ -8699,7 +8983,7 @@
           <a:srgbClr val="000000"/>
         </a:buClr>
         <a:buFont typeface="Arial"/>
-        <a:defRPr b="0" i="0" sz="1400" u="none" cap="none" strike="noStrike">
+        <a:defRPr sz="1400" b="0" i="0" u="none" strike="noStrike" cap="none">
           <a:solidFill>
             <a:srgbClr val="000000"/>
           </a:solidFill>
@@ -8715,11 +8999,11 @@
 </file>
 
 <file path=ppt/slides/slide1.xml><?xml version="1.0" encoding="utf-8"?>
-<p:sld xmlns:a="http://schemas.openxmlformats.org/drawingml/2006/main" xmlns:r="http://schemas.openxmlformats.org/officeDocument/2006/relationships" xmlns:mc="http://schemas.openxmlformats.org/markup-compatibility/2006" xmlns:mv="urn:schemas-microsoft-com:mac:vml" xmlns:p="http://schemas.openxmlformats.org/presentationml/2006/main" xmlns:c="http://schemas.openxmlformats.org/drawingml/2006/chart" xmlns:dgm="http://schemas.openxmlformats.org/drawingml/2006/diagram" xmlns:o="urn:schemas-microsoft-com:office:office" xmlns:v="urn:schemas-microsoft-com:vml" xmlns:pvml="urn:schemas-microsoft-com:office:powerpoint" xmlns:com="http://schemas.openxmlformats.org/drawingml/2006/compatibility" xmlns:p14="http://schemas.microsoft.com/office/powerpoint/2010/main" xmlns:p15="http://schemas.microsoft.com/office/powerpoint/2012/main">
+<p:sld xmlns:a="http://schemas.openxmlformats.org/drawingml/2006/main" xmlns:r="http://schemas.openxmlformats.org/officeDocument/2006/relationships" xmlns:p="http://schemas.openxmlformats.org/presentationml/2006/main">
   <p:cSld>
     <p:spTree>
       <p:nvGrpSpPr>
-        <p:cNvPr id="63" name="Shape 63"/>
+        <p:cNvPr id="1" name="Shape 63"/>
         <p:cNvGrpSpPr/>
         <p:nvPr/>
       </p:nvGrpSpPr>
@@ -8734,7 +9018,9 @@
       <p:sp>
         <p:nvSpPr>
           <p:cNvPr id="64" name="Google Shape;64;p13"/>
-          <p:cNvSpPr txBox="1"/>
+          <p:cNvSpPr txBox="1">
+            <a:spLocks noGrp="1"/>
+          </p:cNvSpPr>
           <p:nvPr>
             <p:ph type="ctrTitle"/>
           </p:nvPr>
@@ -8749,12 +9035,12 @@
           </a:prstGeom>
         </p:spPr>
         <p:txBody>
-          <a:bodyPr anchorCtr="0" anchor="t" bIns="91425" lIns="91425" spcFirstLastPara="1" rIns="91425" wrap="square" tIns="91425">
+          <a:bodyPr spcFirstLastPara="1" wrap="square" lIns="91425" tIns="91425" rIns="91425" bIns="91425" anchor="t" anchorCtr="0">
             <a:noAutofit/>
           </a:bodyPr>
           <a:lstStyle/>
           <a:p>
-            <a:pPr indent="0" lvl="0" marL="0" rtl="0" algn="l">
+            <a:pPr marL="0" lvl="0" indent="0" algn="l" rtl="0">
               <a:spcBef>
                 <a:spcPts val="0"/>
               </a:spcBef>
@@ -8770,7 +9056,7 @@
             <a:endParaRPr/>
           </a:p>
           <a:p>
-            <a:pPr indent="0" lvl="0" marL="0" rtl="0" algn="l">
+            <a:pPr marL="0" lvl="0" indent="0" algn="l" rtl="0">
               <a:spcBef>
                 <a:spcPts val="0"/>
               </a:spcBef>
@@ -8790,9 +9076,11 @@
       <p:sp>
         <p:nvSpPr>
           <p:cNvPr id="65" name="Google Shape;65;p13"/>
-          <p:cNvSpPr txBox="1"/>
+          <p:cNvSpPr txBox="1">
+            <a:spLocks noGrp="1"/>
+          </p:cNvSpPr>
           <p:nvPr>
-            <p:ph idx="1" type="subTitle"/>
+            <p:ph type="subTitle" idx="1"/>
           </p:nvPr>
         </p:nvSpPr>
         <p:spPr>
@@ -8805,12 +9093,12 @@
           </a:prstGeom>
         </p:spPr>
         <p:txBody>
-          <a:bodyPr anchorCtr="0" anchor="t" bIns="91425" lIns="91425" spcFirstLastPara="1" rIns="91425" wrap="square" tIns="91425">
+          <a:bodyPr spcFirstLastPara="1" wrap="square" lIns="91425" tIns="91425" rIns="91425" bIns="91425" anchor="t" anchorCtr="0">
             <a:noAutofit/>
           </a:bodyPr>
           <a:lstStyle/>
           <a:p>
-            <a:pPr indent="0" lvl="0" marL="0" rtl="0" algn="l">
+            <a:pPr marL="0" lvl="0" indent="0" algn="l" rtl="0">
               <a:spcBef>
                 <a:spcPts val="0"/>
               </a:spcBef>
@@ -8826,7 +9114,7 @@
             <a:endParaRPr sz="1800"/>
           </a:p>
           <a:p>
-            <a:pPr indent="0" lvl="0" marL="0" rtl="0" algn="l">
+            <a:pPr marL="0" lvl="0" indent="0" algn="l" rtl="0">
               <a:spcBef>
                 <a:spcPts val="0"/>
               </a:spcBef>
@@ -8835,13 +9123,10 @@
               </a:spcAft>
               <a:buNone/>
             </a:pPr>
-            <a:r>
-              <a:t/>
-            </a:r>
             <a:endParaRPr sz="1800"/>
           </a:p>
           <a:p>
-            <a:pPr indent="0" lvl="0" marL="0" rtl="0" algn="l">
+            <a:pPr marL="0" lvl="0" indent="0" algn="l" rtl="0">
               <a:spcBef>
                 <a:spcPts val="0"/>
               </a:spcBef>
@@ -8857,7 +9142,7 @@
             <a:endParaRPr sz="1800"/>
           </a:p>
           <a:p>
-            <a:pPr indent="0" lvl="0" marL="0" rtl="0" algn="l">
+            <a:pPr marL="0" lvl="0" indent="0" algn="l" rtl="0">
               <a:spcBef>
                 <a:spcPts val="0"/>
               </a:spcBef>
@@ -8866,9 +9151,6 @@
               </a:spcAft>
               <a:buNone/>
             </a:pPr>
-            <a:r>
-              <a:t/>
-            </a:r>
             <a:endParaRPr/>
           </a:p>
         </p:txBody>
@@ -8881,7 +9163,7 @@
         </p:nvGraphicFramePr>
         <p:xfrm>
           <a:off x="4502975" y="3389725"/>
-          <a:ext cx="3000000" cy="3000000"/>
+          <a:ext cx="4197550" cy="1280070"/>
         </p:xfrm>
         <a:graphic>
           <a:graphicData uri="http://schemas.openxmlformats.org/drawingml/2006/table">
@@ -8891,18 +9173,28 @@
                 <a:tableStyleId>{E9BC0751-1104-449E-9033-84AC084A753F}</a:tableStyleId>
               </a:tblPr>
               <a:tblGrid>
-                <a:gridCol w="2098775"/>
-                <a:gridCol w="2098775"/>
+                <a:gridCol w="2098775">
+                  <a:extLst>
+                    <a:ext uri="{9D8B030D-6E8A-4147-A177-3AD203B41FA5}">
+                      <a16:colId xmlns:a16="http://schemas.microsoft.com/office/drawing/2014/main" val="20000"/>
+                    </a:ext>
+                  </a:extLst>
+                </a:gridCol>
+                <a:gridCol w="2098775">
+                  <a:extLst>
+                    <a:ext uri="{9D8B030D-6E8A-4147-A177-3AD203B41FA5}">
+                      <a16:colId xmlns:a16="http://schemas.microsoft.com/office/drawing/2014/main" val="20001"/>
+                    </a:ext>
+                  </a:extLst>
+                </a:gridCol>
               </a:tblGrid>
               <a:tr h="381000">
                 <a:tc>
                   <a:txBody>
-                    <a:bodyPr>
-                      <a:noAutofit/>
-                    </a:bodyPr>
+                    <a:bodyPr/>
                     <a:lstStyle/>
                     <a:p>
-                      <a:pPr indent="0" lvl="0" marL="0" rtl="0" algn="ctr">
+                      <a:pPr marL="0" lvl="0" indent="0" algn="ctr" rtl="0">
                         <a:spcBef>
                           <a:spcPts val="0"/>
                         </a:spcBef>
@@ -8926,8 +9218,8 @@
                       </a:endParaRPr>
                     </a:p>
                   </a:txBody>
-                  <a:tcPr marT="91425" marB="91425" marR="91425" marL="91425">
-                    <a:lnL cap="flat" cmpd="sng" w="9525">
+                  <a:tcPr marL="91425" marR="91425" marT="91425" marB="91425">
+                    <a:lnL w="9525" cap="flat" cmpd="sng">
                       <a:solidFill>
                         <a:srgbClr val="9E9E9E">
                           <a:alpha val="0"/>
@@ -8935,10 +9227,10 @@
                       </a:solidFill>
                       <a:prstDash val="solid"/>
                       <a:round/>
-                      <a:headEnd len="sm" w="sm" type="none"/>
-                      <a:tailEnd len="sm" w="sm" type="none"/>
+                      <a:headEnd type="none" w="sm" len="sm"/>
+                      <a:tailEnd type="none" w="sm" len="sm"/>
                     </a:lnL>
-                    <a:lnR cap="flat" cmpd="sng" w="9525">
+                    <a:lnR w="9525" cap="flat" cmpd="sng">
                       <a:solidFill>
                         <a:srgbClr val="9E9E9E">
                           <a:alpha val="0"/>
@@ -8946,10 +9238,10 @@
                       </a:solidFill>
                       <a:prstDash val="solid"/>
                       <a:round/>
-                      <a:headEnd len="sm" w="sm" type="none"/>
-                      <a:tailEnd len="sm" w="sm" type="none"/>
+                      <a:headEnd type="none" w="sm" len="sm"/>
+                      <a:tailEnd type="none" w="sm" len="sm"/>
                     </a:lnR>
-                    <a:lnT cap="flat" cmpd="sng" w="9525">
+                    <a:lnT w="9525" cap="flat" cmpd="sng">
                       <a:solidFill>
                         <a:srgbClr val="9E9E9E">
                           <a:alpha val="0"/>
@@ -8957,10 +9249,10 @@
                       </a:solidFill>
                       <a:prstDash val="solid"/>
                       <a:round/>
-                      <a:headEnd len="sm" w="sm" type="none"/>
-                      <a:tailEnd len="sm" w="sm" type="none"/>
+                      <a:headEnd type="none" w="sm" len="sm"/>
+                      <a:tailEnd type="none" w="sm" len="sm"/>
                     </a:lnT>
-                    <a:lnB cap="flat" cmpd="sng" w="9525">
+                    <a:lnB w="9525" cap="flat" cmpd="sng">
                       <a:solidFill>
                         <a:srgbClr val="9E9E9E">
                           <a:alpha val="0"/>
@@ -8968,19 +9260,17 @@
                       </a:solidFill>
                       <a:prstDash val="solid"/>
                       <a:round/>
-                      <a:headEnd len="sm" w="sm" type="none"/>
-                      <a:tailEnd len="sm" w="sm" type="none"/>
+                      <a:headEnd type="none" w="sm" len="sm"/>
+                      <a:tailEnd type="none" w="sm" len="sm"/>
                     </a:lnB>
                   </a:tcPr>
                 </a:tc>
                 <a:tc>
                   <a:txBody>
-                    <a:bodyPr>
-                      <a:noAutofit/>
-                    </a:bodyPr>
+                    <a:bodyPr/>
                     <a:lstStyle/>
                     <a:p>
-                      <a:pPr indent="0" lvl="0" marL="0" rtl="0" algn="ctr">
+                      <a:pPr marL="0" lvl="0" indent="0" algn="ctr" rtl="0">
                         <a:spcBef>
                           <a:spcPts val="0"/>
                         </a:spcBef>
@@ -9004,8 +9294,8 @@
                       </a:endParaRPr>
                     </a:p>
                   </a:txBody>
-                  <a:tcPr marT="91425" marB="91425" marR="91425" marL="91425">
-                    <a:lnL cap="flat" cmpd="sng" w="9525">
+                  <a:tcPr marL="91425" marR="91425" marT="91425" marB="91425">
+                    <a:lnL w="9525" cap="flat" cmpd="sng">
                       <a:solidFill>
                         <a:srgbClr val="9E9E9E">
                           <a:alpha val="0"/>
@@ -9013,10 +9303,10 @@
                       </a:solidFill>
                       <a:prstDash val="solid"/>
                       <a:round/>
-                      <a:headEnd len="sm" w="sm" type="none"/>
-                      <a:tailEnd len="sm" w="sm" type="none"/>
+                      <a:headEnd type="none" w="sm" len="sm"/>
+                      <a:tailEnd type="none" w="sm" len="sm"/>
                     </a:lnL>
-                    <a:lnR cap="flat" cmpd="sng" w="9525">
+                    <a:lnR w="9525" cap="flat" cmpd="sng">
                       <a:solidFill>
                         <a:srgbClr val="9E9E9E">
                           <a:alpha val="0"/>
@@ -9024,10 +9314,10 @@
                       </a:solidFill>
                       <a:prstDash val="solid"/>
                       <a:round/>
-                      <a:headEnd len="sm" w="sm" type="none"/>
-                      <a:tailEnd len="sm" w="sm" type="none"/>
+                      <a:headEnd type="none" w="sm" len="sm"/>
+                      <a:tailEnd type="none" w="sm" len="sm"/>
                     </a:lnR>
-                    <a:lnT cap="flat" cmpd="sng" w="9525">
+                    <a:lnT w="9525" cap="flat" cmpd="sng">
                       <a:solidFill>
                         <a:srgbClr val="9E9E9E">
                           <a:alpha val="0"/>
@@ -9035,10 +9325,10 @@
                       </a:solidFill>
                       <a:prstDash val="solid"/>
                       <a:round/>
-                      <a:headEnd len="sm" w="sm" type="none"/>
-                      <a:tailEnd len="sm" w="sm" type="none"/>
+                      <a:headEnd type="none" w="sm" len="sm"/>
+                      <a:tailEnd type="none" w="sm" len="sm"/>
                     </a:lnT>
-                    <a:lnB cap="flat" cmpd="sng" w="9525">
+                    <a:lnB w="9525" cap="flat" cmpd="sng">
                       <a:solidFill>
                         <a:srgbClr val="9E9E9E">
                           <a:alpha val="0"/>
@@ -9046,21 +9336,24 @@
                       </a:solidFill>
                       <a:prstDash val="solid"/>
                       <a:round/>
-                      <a:headEnd len="sm" w="sm" type="none"/>
-                      <a:tailEnd len="sm" w="sm" type="none"/>
+                      <a:headEnd type="none" w="sm" len="sm"/>
+                      <a:tailEnd type="none" w="sm" len="sm"/>
                     </a:lnB>
                   </a:tcPr>
                 </a:tc>
+                <a:extLst>
+                  <a:ext uri="{0D108BD9-81ED-4DB2-BD59-A6C34878D82A}">
+                    <a16:rowId xmlns:a16="http://schemas.microsoft.com/office/drawing/2014/main" val="10000"/>
+                  </a:ext>
+                </a:extLst>
               </a:tr>
               <a:tr h="381000">
                 <a:tc>
                   <a:txBody>
-                    <a:bodyPr>
-                      <a:noAutofit/>
-                    </a:bodyPr>
+                    <a:bodyPr/>
                     <a:lstStyle/>
                     <a:p>
-                      <a:pPr indent="0" lvl="0" marL="0" rtl="0" algn="ctr">
+                      <a:pPr marL="0" lvl="0" indent="0" algn="ctr" rtl="0">
                         <a:spcBef>
                           <a:spcPts val="0"/>
                         </a:spcBef>
@@ -9084,8 +9377,8 @@
                       </a:endParaRPr>
                     </a:p>
                   </a:txBody>
-                  <a:tcPr marT="91425" marB="91425" marR="91425" marL="91425">
-                    <a:lnL cap="flat" cmpd="sng" w="9525">
+                  <a:tcPr marL="91425" marR="91425" marT="91425" marB="91425">
+                    <a:lnL w="9525" cap="flat" cmpd="sng">
                       <a:solidFill>
                         <a:srgbClr val="9E9E9E">
                           <a:alpha val="0"/>
@@ -9093,10 +9386,10 @@
                       </a:solidFill>
                       <a:prstDash val="solid"/>
                       <a:round/>
-                      <a:headEnd len="sm" w="sm" type="none"/>
-                      <a:tailEnd len="sm" w="sm" type="none"/>
+                      <a:headEnd type="none" w="sm" len="sm"/>
+                      <a:tailEnd type="none" w="sm" len="sm"/>
                     </a:lnL>
-                    <a:lnR cap="flat" cmpd="sng" w="9525">
+                    <a:lnR w="9525" cap="flat" cmpd="sng">
                       <a:solidFill>
                         <a:srgbClr val="9E9E9E">
                           <a:alpha val="0"/>
@@ -9104,10 +9397,10 @@
                       </a:solidFill>
                       <a:prstDash val="solid"/>
                       <a:round/>
-                      <a:headEnd len="sm" w="sm" type="none"/>
-                      <a:tailEnd len="sm" w="sm" type="none"/>
+                      <a:headEnd type="none" w="sm" len="sm"/>
+                      <a:tailEnd type="none" w="sm" len="sm"/>
                     </a:lnR>
-                    <a:lnT cap="flat" cmpd="sng" w="9525">
+                    <a:lnT w="9525" cap="flat" cmpd="sng">
                       <a:solidFill>
                         <a:srgbClr val="9E9E9E">
                           <a:alpha val="0"/>
@@ -9115,10 +9408,10 @@
                       </a:solidFill>
                       <a:prstDash val="solid"/>
                       <a:round/>
-                      <a:headEnd len="sm" w="sm" type="none"/>
-                      <a:tailEnd len="sm" w="sm" type="none"/>
+                      <a:headEnd type="none" w="sm" len="sm"/>
+                      <a:tailEnd type="none" w="sm" len="sm"/>
                     </a:lnT>
-                    <a:lnB cap="flat" cmpd="sng" w="9525">
+                    <a:lnB w="9525" cap="flat" cmpd="sng">
                       <a:solidFill>
                         <a:srgbClr val="9E9E9E">
                           <a:alpha val="0"/>
@@ -9126,19 +9419,17 @@
                       </a:solidFill>
                       <a:prstDash val="solid"/>
                       <a:round/>
-                      <a:headEnd len="sm" w="sm" type="none"/>
-                      <a:tailEnd len="sm" w="sm" type="none"/>
+                      <a:headEnd type="none" w="sm" len="sm"/>
+                      <a:tailEnd type="none" w="sm" len="sm"/>
                     </a:lnB>
                   </a:tcPr>
                 </a:tc>
                 <a:tc>
                   <a:txBody>
-                    <a:bodyPr>
-                      <a:noAutofit/>
-                    </a:bodyPr>
+                    <a:bodyPr/>
                     <a:lstStyle/>
                     <a:p>
-                      <a:pPr indent="0" lvl="0" marL="0" rtl="0" algn="ctr">
+                      <a:pPr marL="0" lvl="0" indent="0" algn="ctr" rtl="0">
                         <a:spcBef>
                           <a:spcPts val="0"/>
                         </a:spcBef>
@@ -9162,8 +9453,8 @@
                       </a:endParaRPr>
                     </a:p>
                   </a:txBody>
-                  <a:tcPr marT="91425" marB="91425" marR="91425" marL="91425">
-                    <a:lnL cap="flat" cmpd="sng" w="9525">
+                  <a:tcPr marL="91425" marR="91425" marT="91425" marB="91425">
+                    <a:lnL w="9525" cap="flat" cmpd="sng">
                       <a:solidFill>
                         <a:srgbClr val="9E9E9E">
                           <a:alpha val="0"/>
@@ -9171,10 +9462,10 @@
                       </a:solidFill>
                       <a:prstDash val="solid"/>
                       <a:round/>
-                      <a:headEnd len="sm" w="sm" type="none"/>
-                      <a:tailEnd len="sm" w="sm" type="none"/>
+                      <a:headEnd type="none" w="sm" len="sm"/>
+                      <a:tailEnd type="none" w="sm" len="sm"/>
                     </a:lnL>
-                    <a:lnR cap="flat" cmpd="sng" w="9525">
+                    <a:lnR w="9525" cap="flat" cmpd="sng">
                       <a:solidFill>
                         <a:srgbClr val="9E9E9E">
                           <a:alpha val="0"/>
@@ -9182,10 +9473,10 @@
                       </a:solidFill>
                       <a:prstDash val="solid"/>
                       <a:round/>
-                      <a:headEnd len="sm" w="sm" type="none"/>
-                      <a:tailEnd len="sm" w="sm" type="none"/>
+                      <a:headEnd type="none" w="sm" len="sm"/>
+                      <a:tailEnd type="none" w="sm" len="sm"/>
                     </a:lnR>
-                    <a:lnT cap="flat" cmpd="sng" w="9525">
+                    <a:lnT w="9525" cap="flat" cmpd="sng">
                       <a:solidFill>
                         <a:srgbClr val="9E9E9E">
                           <a:alpha val="0"/>
@@ -9193,10 +9484,10 @@
                       </a:solidFill>
                       <a:prstDash val="solid"/>
                       <a:round/>
-                      <a:headEnd len="sm" w="sm" type="none"/>
-                      <a:tailEnd len="sm" w="sm" type="none"/>
+                      <a:headEnd type="none" w="sm" len="sm"/>
+                      <a:tailEnd type="none" w="sm" len="sm"/>
                     </a:lnT>
-                    <a:lnB cap="flat" cmpd="sng" w="9525">
+                    <a:lnB w="9525" cap="flat" cmpd="sng">
                       <a:solidFill>
                         <a:srgbClr val="9E9E9E">
                           <a:alpha val="0"/>
@@ -9204,21 +9495,24 @@
                       </a:solidFill>
                       <a:prstDash val="solid"/>
                       <a:round/>
-                      <a:headEnd len="sm" w="sm" type="none"/>
-                      <a:tailEnd len="sm" w="sm" type="none"/>
+                      <a:headEnd type="none" w="sm" len="sm"/>
+                      <a:tailEnd type="none" w="sm" len="sm"/>
                     </a:lnB>
                   </a:tcPr>
                 </a:tc>
+                <a:extLst>
+                  <a:ext uri="{0D108BD9-81ED-4DB2-BD59-A6C34878D82A}">
+                    <a16:rowId xmlns:a16="http://schemas.microsoft.com/office/drawing/2014/main" val="10001"/>
+                  </a:ext>
+                </a:extLst>
               </a:tr>
               <a:tr h="381000">
                 <a:tc>
                   <a:txBody>
-                    <a:bodyPr>
-                      <a:noAutofit/>
-                    </a:bodyPr>
+                    <a:bodyPr/>
                     <a:lstStyle/>
                     <a:p>
-                      <a:pPr indent="0" lvl="0" marL="0" rtl="0" algn="ctr">
+                      <a:pPr marL="0" lvl="0" indent="0" algn="ctr" rtl="0">
                         <a:spcBef>
                           <a:spcPts val="0"/>
                         </a:spcBef>
@@ -9242,8 +9536,8 @@
                       </a:endParaRPr>
                     </a:p>
                   </a:txBody>
-                  <a:tcPr marT="91425" marB="91425" marR="91425" marL="91425">
-                    <a:lnL cap="flat" cmpd="sng" w="9525">
+                  <a:tcPr marL="91425" marR="91425" marT="91425" marB="91425">
+                    <a:lnL w="9525" cap="flat" cmpd="sng">
                       <a:solidFill>
                         <a:srgbClr val="9E9E9E">
                           <a:alpha val="0"/>
@@ -9251,10 +9545,10 @@
                       </a:solidFill>
                       <a:prstDash val="solid"/>
                       <a:round/>
-                      <a:headEnd len="sm" w="sm" type="none"/>
-                      <a:tailEnd len="sm" w="sm" type="none"/>
+                      <a:headEnd type="none" w="sm" len="sm"/>
+                      <a:tailEnd type="none" w="sm" len="sm"/>
                     </a:lnL>
-                    <a:lnR cap="flat" cmpd="sng" w="9525">
+                    <a:lnR w="9525" cap="flat" cmpd="sng">
                       <a:solidFill>
                         <a:srgbClr val="9E9E9E">
                           <a:alpha val="0"/>
@@ -9262,10 +9556,10 @@
                       </a:solidFill>
                       <a:prstDash val="solid"/>
                       <a:round/>
-                      <a:headEnd len="sm" w="sm" type="none"/>
-                      <a:tailEnd len="sm" w="sm" type="none"/>
+                      <a:headEnd type="none" w="sm" len="sm"/>
+                      <a:tailEnd type="none" w="sm" len="sm"/>
                     </a:lnR>
-                    <a:lnT cap="flat" cmpd="sng" w="9525">
+                    <a:lnT w="9525" cap="flat" cmpd="sng">
                       <a:solidFill>
                         <a:srgbClr val="9E9E9E">
                           <a:alpha val="0"/>
@@ -9273,10 +9567,10 @@
                       </a:solidFill>
                       <a:prstDash val="solid"/>
                       <a:round/>
-                      <a:headEnd len="sm" w="sm" type="none"/>
-                      <a:tailEnd len="sm" w="sm" type="none"/>
+                      <a:headEnd type="none" w="sm" len="sm"/>
+                      <a:tailEnd type="none" w="sm" len="sm"/>
                     </a:lnT>
-                    <a:lnB cap="flat" cmpd="sng" w="9525">
+                    <a:lnB w="9525" cap="flat" cmpd="sng">
                       <a:solidFill>
                         <a:srgbClr val="9E9E9E">
                           <a:alpha val="0"/>
@@ -9284,19 +9578,17 @@
                       </a:solidFill>
                       <a:prstDash val="solid"/>
                       <a:round/>
-                      <a:headEnd len="sm" w="sm" type="none"/>
-                      <a:tailEnd len="sm" w="sm" type="none"/>
+                      <a:headEnd type="none" w="sm" len="sm"/>
+                      <a:tailEnd type="none" w="sm" len="sm"/>
                     </a:lnB>
                   </a:tcPr>
                 </a:tc>
                 <a:tc>
                   <a:txBody>
-                    <a:bodyPr>
-                      <a:noAutofit/>
-                    </a:bodyPr>
+                    <a:bodyPr/>
                     <a:lstStyle/>
                     <a:p>
-                      <a:pPr indent="0" lvl="0" marL="0" rtl="0" algn="ctr">
+                      <a:pPr marL="0" lvl="0" indent="0" algn="ctr" rtl="0">
                         <a:spcBef>
                           <a:spcPts val="0"/>
                         </a:spcBef>
@@ -9320,8 +9612,8 @@
                       </a:endParaRPr>
                     </a:p>
                   </a:txBody>
-                  <a:tcPr marT="91425" marB="91425" marR="91425" marL="91425">
-                    <a:lnL cap="flat" cmpd="sng" w="9525">
+                  <a:tcPr marL="91425" marR="91425" marT="91425" marB="91425">
+                    <a:lnL w="9525" cap="flat" cmpd="sng">
                       <a:solidFill>
                         <a:srgbClr val="9E9E9E">
                           <a:alpha val="0"/>
@@ -9329,10 +9621,10 @@
                       </a:solidFill>
                       <a:prstDash val="solid"/>
                       <a:round/>
-                      <a:headEnd len="sm" w="sm" type="none"/>
-                      <a:tailEnd len="sm" w="sm" type="none"/>
+                      <a:headEnd type="none" w="sm" len="sm"/>
+                      <a:tailEnd type="none" w="sm" len="sm"/>
                     </a:lnL>
-                    <a:lnR cap="flat" cmpd="sng" w="9525">
+                    <a:lnR w="9525" cap="flat" cmpd="sng">
                       <a:solidFill>
                         <a:srgbClr val="9E9E9E">
                           <a:alpha val="0"/>
@@ -9340,10 +9632,10 @@
                       </a:solidFill>
                       <a:prstDash val="solid"/>
                       <a:round/>
-                      <a:headEnd len="sm" w="sm" type="none"/>
-                      <a:tailEnd len="sm" w="sm" type="none"/>
+                      <a:headEnd type="none" w="sm" len="sm"/>
+                      <a:tailEnd type="none" w="sm" len="sm"/>
                     </a:lnR>
-                    <a:lnT cap="flat" cmpd="sng" w="9525">
+                    <a:lnT w="9525" cap="flat" cmpd="sng">
                       <a:solidFill>
                         <a:srgbClr val="9E9E9E">
                           <a:alpha val="0"/>
@@ -9351,10 +9643,10 @@
                       </a:solidFill>
                       <a:prstDash val="solid"/>
                       <a:round/>
-                      <a:headEnd len="sm" w="sm" type="none"/>
-                      <a:tailEnd len="sm" w="sm" type="none"/>
+                      <a:headEnd type="none" w="sm" len="sm"/>
+                      <a:tailEnd type="none" w="sm" len="sm"/>
                     </a:lnT>
-                    <a:lnB cap="flat" cmpd="sng" w="9525">
+                    <a:lnB w="9525" cap="flat" cmpd="sng">
                       <a:solidFill>
                         <a:srgbClr val="9E9E9E">
                           <a:alpha val="0"/>
@@ -9362,11 +9654,16 @@
                       </a:solidFill>
                       <a:prstDash val="solid"/>
                       <a:round/>
-                      <a:headEnd len="sm" w="sm" type="none"/>
-                      <a:tailEnd len="sm" w="sm" type="none"/>
+                      <a:headEnd type="none" w="sm" len="sm"/>
+                      <a:tailEnd type="none" w="sm" len="sm"/>
                     </a:lnB>
                   </a:tcPr>
                 </a:tc>
+                <a:extLst>
+                  <a:ext uri="{0D108BD9-81ED-4DB2-BD59-A6C34878D82A}">
+                    <a16:rowId xmlns:a16="http://schemas.microsoft.com/office/drawing/2014/main" val="10002"/>
+                  </a:ext>
+                </a:extLst>
               </a:tr>
             </a:tbl>
           </a:graphicData>
@@ -9381,11 +9678,11 @@
 </file>
 
 <file path=ppt/slides/slide10.xml><?xml version="1.0" encoding="utf-8"?>
-<p:sld xmlns:a="http://schemas.openxmlformats.org/drawingml/2006/main" xmlns:r="http://schemas.openxmlformats.org/officeDocument/2006/relationships" xmlns:mc="http://schemas.openxmlformats.org/markup-compatibility/2006" xmlns:mv="urn:schemas-microsoft-com:mac:vml" xmlns:p="http://schemas.openxmlformats.org/presentationml/2006/main" xmlns:c="http://schemas.openxmlformats.org/drawingml/2006/chart" xmlns:dgm="http://schemas.openxmlformats.org/drawingml/2006/diagram" xmlns:o="urn:schemas-microsoft-com:office:office" xmlns:v="urn:schemas-microsoft-com:vml" xmlns:pvml="urn:schemas-microsoft-com:office:powerpoint" xmlns:com="http://schemas.openxmlformats.org/drawingml/2006/compatibility" xmlns:p14="http://schemas.microsoft.com/office/powerpoint/2010/main" xmlns:p15="http://schemas.microsoft.com/office/powerpoint/2012/main">
+<p:sld xmlns:a="http://schemas.openxmlformats.org/drawingml/2006/main" xmlns:r="http://schemas.openxmlformats.org/officeDocument/2006/relationships" xmlns:p="http://schemas.openxmlformats.org/presentationml/2006/main">
   <p:cSld>
     <p:spTree>
       <p:nvGrpSpPr>
-        <p:cNvPr id="119" name="Shape 119"/>
+        <p:cNvPr id="1" name="Shape 119"/>
         <p:cNvGrpSpPr/>
         <p:nvPr/>
       </p:nvGrpSpPr>
@@ -9400,7 +9697,9 @@
       <p:sp>
         <p:nvSpPr>
           <p:cNvPr id="120" name="Google Shape;120;p22"/>
-          <p:cNvSpPr txBox="1"/>
+          <p:cNvSpPr txBox="1">
+            <a:spLocks noGrp="1"/>
+          </p:cNvSpPr>
           <p:nvPr>
             <p:ph type="title"/>
           </p:nvPr>
@@ -9415,12 +9714,12 @@
           </a:prstGeom>
         </p:spPr>
         <p:txBody>
-          <a:bodyPr anchorCtr="0" anchor="t" bIns="91425" lIns="91425" spcFirstLastPara="1" rIns="91425" wrap="square" tIns="91425">
+          <a:bodyPr spcFirstLastPara="1" wrap="square" lIns="91425" tIns="91425" rIns="91425" bIns="91425" anchor="t" anchorCtr="0">
             <a:noAutofit/>
           </a:bodyPr>
           <a:lstStyle/>
           <a:p>
-            <a:pPr indent="0" lvl="0" marL="0" rtl="0" algn="l">
+            <a:pPr marL="0" lvl="0" indent="0" algn="l" rtl="0">
               <a:spcBef>
                 <a:spcPts val="0"/>
               </a:spcBef>
@@ -9474,11 +9773,11 @@
 </file>
 
 <file path=ppt/slides/slide11.xml><?xml version="1.0" encoding="utf-8"?>
-<p:sld xmlns:a="http://schemas.openxmlformats.org/drawingml/2006/main" xmlns:r="http://schemas.openxmlformats.org/officeDocument/2006/relationships" xmlns:mc="http://schemas.openxmlformats.org/markup-compatibility/2006" xmlns:mv="urn:schemas-microsoft-com:mac:vml" xmlns:p="http://schemas.openxmlformats.org/presentationml/2006/main" xmlns:c="http://schemas.openxmlformats.org/drawingml/2006/chart" xmlns:dgm="http://schemas.openxmlformats.org/drawingml/2006/diagram" xmlns:o="urn:schemas-microsoft-com:office:office" xmlns:v="urn:schemas-microsoft-com:vml" xmlns:pvml="urn:schemas-microsoft-com:office:powerpoint" xmlns:com="http://schemas.openxmlformats.org/drawingml/2006/compatibility" xmlns:p14="http://schemas.microsoft.com/office/powerpoint/2010/main" xmlns:p15="http://schemas.microsoft.com/office/powerpoint/2012/main">
+<p:sld xmlns:a="http://schemas.openxmlformats.org/drawingml/2006/main" xmlns:r="http://schemas.openxmlformats.org/officeDocument/2006/relationships" xmlns:p="http://schemas.openxmlformats.org/presentationml/2006/main">
   <p:cSld>
     <p:spTree>
       <p:nvGrpSpPr>
-        <p:cNvPr id="125" name="Shape 125"/>
+        <p:cNvPr id="1" name="Shape 125"/>
         <p:cNvGrpSpPr/>
         <p:nvPr/>
       </p:nvGrpSpPr>
@@ -9493,7 +9792,9 @@
       <p:sp>
         <p:nvSpPr>
           <p:cNvPr id="126" name="Google Shape;126;p23"/>
-          <p:cNvSpPr txBox="1"/>
+          <p:cNvSpPr txBox="1">
+            <a:spLocks noGrp="1"/>
+          </p:cNvSpPr>
           <p:nvPr>
             <p:ph type="title"/>
           </p:nvPr>
@@ -9508,12 +9809,12 @@
           </a:prstGeom>
         </p:spPr>
         <p:txBody>
-          <a:bodyPr anchorCtr="0" anchor="t" bIns="91425" lIns="91425" spcFirstLastPara="1" rIns="91425" wrap="square" tIns="91425">
+          <a:bodyPr spcFirstLastPara="1" wrap="square" lIns="91425" tIns="91425" rIns="91425" bIns="91425" anchor="t" anchorCtr="0">
             <a:noAutofit/>
           </a:bodyPr>
           <a:lstStyle/>
           <a:p>
-            <a:pPr indent="0" lvl="0" marL="0" rtl="0" algn="l">
+            <a:pPr marL="0" lvl="0" indent="0" algn="l" rtl="0">
               <a:spcBef>
                 <a:spcPts val="0"/>
               </a:spcBef>
@@ -9567,11 +9868,11 @@
 </file>
 
 <file path=ppt/slides/slide12.xml><?xml version="1.0" encoding="utf-8"?>
-<p:sld xmlns:a="http://schemas.openxmlformats.org/drawingml/2006/main" xmlns:r="http://schemas.openxmlformats.org/officeDocument/2006/relationships" xmlns:mc="http://schemas.openxmlformats.org/markup-compatibility/2006" xmlns:mv="urn:schemas-microsoft-com:mac:vml" xmlns:p="http://schemas.openxmlformats.org/presentationml/2006/main" xmlns:c="http://schemas.openxmlformats.org/drawingml/2006/chart" xmlns:dgm="http://schemas.openxmlformats.org/drawingml/2006/diagram" xmlns:o="urn:schemas-microsoft-com:office:office" xmlns:v="urn:schemas-microsoft-com:vml" xmlns:pvml="urn:schemas-microsoft-com:office:powerpoint" xmlns:com="http://schemas.openxmlformats.org/drawingml/2006/compatibility" xmlns:p14="http://schemas.microsoft.com/office/powerpoint/2010/main" xmlns:p15="http://schemas.microsoft.com/office/powerpoint/2012/main">
+<p:sld xmlns:a="http://schemas.openxmlformats.org/drawingml/2006/main" xmlns:r="http://schemas.openxmlformats.org/officeDocument/2006/relationships" xmlns:p="http://schemas.openxmlformats.org/presentationml/2006/main">
   <p:cSld>
     <p:spTree>
       <p:nvGrpSpPr>
-        <p:cNvPr id="131" name="Shape 131"/>
+        <p:cNvPr id="1" name="Shape 131"/>
         <p:cNvGrpSpPr/>
         <p:nvPr/>
       </p:nvGrpSpPr>
@@ -9586,7 +9887,9 @@
       <p:sp>
         <p:nvSpPr>
           <p:cNvPr id="132" name="Google Shape;132;p24"/>
-          <p:cNvSpPr txBox="1"/>
+          <p:cNvSpPr txBox="1">
+            <a:spLocks noGrp="1"/>
+          </p:cNvSpPr>
           <p:nvPr>
             <p:ph type="title"/>
           </p:nvPr>
@@ -9601,12 +9904,12 @@
           </a:prstGeom>
         </p:spPr>
         <p:txBody>
-          <a:bodyPr anchorCtr="0" anchor="t" bIns="91425" lIns="91425" spcFirstLastPara="1" rIns="91425" wrap="square" tIns="91425">
+          <a:bodyPr spcFirstLastPara="1" wrap="square" lIns="91425" tIns="91425" rIns="91425" bIns="91425" anchor="t" anchorCtr="0">
             <a:noAutofit/>
           </a:bodyPr>
           <a:lstStyle/>
           <a:p>
-            <a:pPr indent="0" lvl="0" marL="0" rtl="0" algn="l">
+            <a:pPr marL="0" lvl="0" indent="0" algn="l" rtl="0">
               <a:spcBef>
                 <a:spcPts val="0"/>
               </a:spcBef>
@@ -9633,7 +9936,7 @@
           <a:blip r:embed="rId3">
             <a:alphaModFix/>
           </a:blip>
-          <a:srcRect b="0" l="0" r="0" t="1468"/>
+          <a:srcRect t="1468"/>
           <a:stretch/>
         </p:blipFill>
         <p:spPr>
@@ -9659,11 +9962,11 @@
 </file>
 
 <file path=ppt/slides/slide13.xml><?xml version="1.0" encoding="utf-8"?>
-<p:sld xmlns:a="http://schemas.openxmlformats.org/drawingml/2006/main" xmlns:r="http://schemas.openxmlformats.org/officeDocument/2006/relationships" xmlns:mc="http://schemas.openxmlformats.org/markup-compatibility/2006" xmlns:mv="urn:schemas-microsoft-com:mac:vml" xmlns:p="http://schemas.openxmlformats.org/presentationml/2006/main" xmlns:c="http://schemas.openxmlformats.org/drawingml/2006/chart" xmlns:dgm="http://schemas.openxmlformats.org/drawingml/2006/diagram" xmlns:o="urn:schemas-microsoft-com:office:office" xmlns:v="urn:schemas-microsoft-com:vml" xmlns:pvml="urn:schemas-microsoft-com:office:powerpoint" xmlns:com="http://schemas.openxmlformats.org/drawingml/2006/compatibility" xmlns:p14="http://schemas.microsoft.com/office/powerpoint/2010/main" xmlns:p15="http://schemas.microsoft.com/office/powerpoint/2012/main">
+<p:sld xmlns:a="http://schemas.openxmlformats.org/drawingml/2006/main" xmlns:r="http://schemas.openxmlformats.org/officeDocument/2006/relationships" xmlns:p="http://schemas.openxmlformats.org/presentationml/2006/main">
   <p:cSld>
     <p:spTree>
       <p:nvGrpSpPr>
-        <p:cNvPr id="137" name="Shape 137"/>
+        <p:cNvPr id="1" name="Shape 137"/>
         <p:cNvGrpSpPr/>
         <p:nvPr/>
       </p:nvGrpSpPr>
@@ -9678,7 +9981,9 @@
       <p:sp>
         <p:nvSpPr>
           <p:cNvPr id="138" name="Google Shape;138;p25"/>
-          <p:cNvSpPr txBox="1"/>
+          <p:cNvSpPr txBox="1">
+            <a:spLocks noGrp="1"/>
+          </p:cNvSpPr>
           <p:nvPr>
             <p:ph type="title"/>
           </p:nvPr>
@@ -9693,12 +9998,12 @@
           </a:prstGeom>
         </p:spPr>
         <p:txBody>
-          <a:bodyPr anchorCtr="0" anchor="t" bIns="91425" lIns="91425" spcFirstLastPara="1" rIns="91425" wrap="square" tIns="91425">
+          <a:bodyPr spcFirstLastPara="1" wrap="square" lIns="91425" tIns="91425" rIns="91425" bIns="91425" anchor="t" anchorCtr="0">
             <a:noAutofit/>
           </a:bodyPr>
           <a:lstStyle/>
           <a:p>
-            <a:pPr indent="0" lvl="0" marL="0" rtl="0" algn="l">
+            <a:pPr marL="0" lvl="0" indent="0" algn="l" rtl="0">
               <a:spcBef>
                 <a:spcPts val="0"/>
               </a:spcBef>
@@ -9752,11 +10057,11 @@
 </file>
 
 <file path=ppt/slides/slide14.xml><?xml version="1.0" encoding="utf-8"?>
-<p:sld xmlns:a="http://schemas.openxmlformats.org/drawingml/2006/main" xmlns:r="http://schemas.openxmlformats.org/officeDocument/2006/relationships" xmlns:mc="http://schemas.openxmlformats.org/markup-compatibility/2006" xmlns:mv="urn:schemas-microsoft-com:mac:vml" xmlns:p="http://schemas.openxmlformats.org/presentationml/2006/main" xmlns:c="http://schemas.openxmlformats.org/drawingml/2006/chart" xmlns:dgm="http://schemas.openxmlformats.org/drawingml/2006/diagram" xmlns:o="urn:schemas-microsoft-com:office:office" xmlns:v="urn:schemas-microsoft-com:vml" xmlns:pvml="urn:schemas-microsoft-com:office:powerpoint" xmlns:com="http://schemas.openxmlformats.org/drawingml/2006/compatibility" xmlns:p14="http://schemas.microsoft.com/office/powerpoint/2010/main" xmlns:p15="http://schemas.microsoft.com/office/powerpoint/2012/main">
+<p:sld xmlns:a="http://schemas.openxmlformats.org/drawingml/2006/main" xmlns:r="http://schemas.openxmlformats.org/officeDocument/2006/relationships" xmlns:p="http://schemas.openxmlformats.org/presentationml/2006/main">
   <p:cSld>
     <p:spTree>
       <p:nvGrpSpPr>
-        <p:cNvPr id="143" name="Shape 143"/>
+        <p:cNvPr id="1" name="Shape 143"/>
         <p:cNvGrpSpPr/>
         <p:nvPr/>
       </p:nvGrpSpPr>
@@ -9771,7 +10076,9 @@
       <p:sp>
         <p:nvSpPr>
           <p:cNvPr id="144" name="Google Shape;144;p26"/>
-          <p:cNvSpPr txBox="1"/>
+          <p:cNvSpPr txBox="1">
+            <a:spLocks noGrp="1"/>
+          </p:cNvSpPr>
           <p:nvPr>
             <p:ph type="title"/>
           </p:nvPr>
@@ -9786,12 +10093,12 @@
           </a:prstGeom>
         </p:spPr>
         <p:txBody>
-          <a:bodyPr anchorCtr="0" anchor="t" bIns="91425" lIns="91425" spcFirstLastPara="1" rIns="91425" wrap="square" tIns="91425">
+          <a:bodyPr spcFirstLastPara="1" wrap="square" lIns="91425" tIns="91425" rIns="91425" bIns="91425" anchor="t" anchorCtr="0">
             <a:noAutofit/>
           </a:bodyPr>
           <a:lstStyle/>
           <a:p>
-            <a:pPr indent="0" lvl="0" marL="0" rtl="0" algn="l">
+            <a:pPr marL="0" lvl="0" indent="0" algn="l" rtl="0">
               <a:spcBef>
                 <a:spcPts val="0"/>
               </a:spcBef>
@@ -9811,9 +10118,11 @@
       <p:sp>
         <p:nvSpPr>
           <p:cNvPr id="145" name="Google Shape;145;p26"/>
-          <p:cNvSpPr txBox="1"/>
+          <p:cNvSpPr txBox="1">
+            <a:spLocks noGrp="1"/>
+          </p:cNvSpPr>
           <p:nvPr>
-            <p:ph idx="1" type="body"/>
+            <p:ph type="body" idx="1"/>
           </p:nvPr>
         </p:nvSpPr>
         <p:spPr>
@@ -9826,12 +10135,12 @@
           </a:prstGeom>
         </p:spPr>
         <p:txBody>
-          <a:bodyPr anchorCtr="0" anchor="t" bIns="91425" lIns="91425" spcFirstLastPara="1" rIns="91425" wrap="square" tIns="91425">
+          <a:bodyPr spcFirstLastPara="1" wrap="square" lIns="91425" tIns="91425" rIns="91425" bIns="91425" anchor="t" anchorCtr="0">
             <a:noAutofit/>
           </a:bodyPr>
           <a:lstStyle/>
           <a:p>
-            <a:pPr indent="0" lvl="0" marL="0" rtl="0" algn="l">
+            <a:pPr marL="0" lvl="0" indent="0" algn="l" rtl="0">
               <a:spcBef>
                 <a:spcPts val="0"/>
               </a:spcBef>
@@ -9841,21 +10150,21 @@
               <a:buNone/>
             </a:pPr>
             <a:r>
-              <a:rPr b="1" lang="en" sz="1800">
+              <a:rPr lang="en" sz="1800" b="1">
                 <a:solidFill>
                   <a:srgbClr val="000000"/>
                 </a:solidFill>
               </a:rPr>
               <a:t>Release 1 - October 11th, 2018</a:t>
             </a:r>
-            <a:endParaRPr b="1" sz="1800">
+            <a:endParaRPr sz="1800" b="1">
               <a:solidFill>
                 <a:srgbClr val="000000"/>
               </a:solidFill>
             </a:endParaRPr>
           </a:p>
           <a:p>
-            <a:pPr indent="-330200" lvl="0" marL="457200" rtl="0" algn="l">
+            <a:pPr marL="457200" lvl="0" indent="-330200" algn="l" rtl="0">
               <a:spcBef>
                 <a:spcPts val="1600"/>
               </a:spcBef>
@@ -9869,7 +10178,7 @@
               <a:buChar char="●"/>
             </a:pPr>
             <a:r>
-              <a:rPr b="1" i="1" lang="en" sz="1600">
+              <a:rPr lang="en" sz="1600" b="1" i="1">
                 <a:solidFill>
                   <a:srgbClr val="000000"/>
                 </a:solidFill>
@@ -9891,7 +10200,7 @@
             </a:endParaRPr>
           </a:p>
           <a:p>
-            <a:pPr indent="0" lvl="0" marL="914400" rtl="0" algn="l">
+            <a:pPr marL="914400" lvl="0" indent="0" algn="l" rtl="0">
               <a:spcBef>
                 <a:spcPts val="0"/>
               </a:spcBef>
@@ -9915,7 +10224,7 @@
             </a:endParaRPr>
           </a:p>
           <a:p>
-            <a:pPr indent="-330200" lvl="0" marL="457200" rtl="0" algn="l">
+            <a:pPr marL="457200" lvl="0" indent="-330200" algn="l" rtl="0">
               <a:spcBef>
                 <a:spcPts val="0"/>
               </a:spcBef>
@@ -9929,7 +10238,7 @@
               <a:buChar char="●"/>
             </a:pPr>
             <a:r>
-              <a:rPr b="1" i="1" lang="en" sz="1600">
+              <a:rPr lang="en" sz="1600" b="1" i="1">
                 <a:solidFill>
                   <a:srgbClr val="000000"/>
                 </a:solidFill>
@@ -9951,7 +10260,7 @@
             </a:endParaRPr>
           </a:p>
           <a:p>
-            <a:pPr indent="457200" lvl="0" marL="457200" rtl="0" algn="l">
+            <a:pPr marL="457200" lvl="0" indent="457200" algn="l" rtl="0">
               <a:spcBef>
                 <a:spcPts val="0"/>
               </a:spcBef>
@@ -9975,7 +10284,7 @@
             </a:endParaRPr>
           </a:p>
           <a:p>
-            <a:pPr indent="0" lvl="0" marL="0" rtl="0" algn="l">
+            <a:pPr marL="0" lvl="0" indent="0" algn="l" rtl="0">
               <a:spcBef>
                 <a:spcPts val="1600"/>
               </a:spcBef>
@@ -9985,21 +10294,21 @@
               <a:buNone/>
             </a:pPr>
             <a:r>
-              <a:rPr b="1" lang="en" sz="1800">
+              <a:rPr lang="en" sz="1800" b="1">
                 <a:solidFill>
                   <a:srgbClr val="000000"/>
                 </a:solidFill>
               </a:rPr>
               <a:t>Release 2 - October 25th, 2018</a:t>
             </a:r>
-            <a:endParaRPr b="1" sz="1800">
+            <a:endParaRPr sz="1800" b="1">
               <a:solidFill>
                 <a:srgbClr val="000000"/>
               </a:solidFill>
             </a:endParaRPr>
           </a:p>
           <a:p>
-            <a:pPr indent="-330200" lvl="0" marL="457200" rtl="0" algn="l">
+            <a:pPr marL="457200" lvl="0" indent="-330200" algn="l" rtl="0">
               <a:spcBef>
                 <a:spcPts val="1600"/>
               </a:spcBef>
@@ -10013,7 +10322,7 @@
               <a:buChar char="●"/>
             </a:pPr>
             <a:r>
-              <a:rPr b="1" i="1" lang="en" sz="1600">
+              <a:rPr lang="en" sz="1600" b="1" i="1">
                 <a:solidFill>
                   <a:srgbClr val="000000"/>
                 </a:solidFill>
@@ -10035,7 +10344,7 @@
             </a:endParaRPr>
           </a:p>
           <a:p>
-            <a:pPr indent="0" lvl="0" marL="914400" rtl="0" algn="l">
+            <a:pPr marL="914400" lvl="0" indent="0" algn="l" rtl="0">
               <a:spcBef>
                 <a:spcPts val="0"/>
               </a:spcBef>
@@ -10059,7 +10368,7 @@
             </a:endParaRPr>
           </a:p>
           <a:p>
-            <a:pPr indent="-330200" lvl="0" marL="457200" rtl="0" algn="l">
+            <a:pPr marL="457200" lvl="0" indent="-330200" algn="l" rtl="0">
               <a:spcBef>
                 <a:spcPts val="0"/>
               </a:spcBef>
@@ -10073,7 +10382,7 @@
               <a:buChar char="●"/>
             </a:pPr>
             <a:r>
-              <a:rPr b="1" i="1" lang="en" sz="1600">
+              <a:rPr lang="en" sz="1600" b="1" i="1">
                 <a:solidFill>
                   <a:srgbClr val="000000"/>
                 </a:solidFill>
@@ -10095,7 +10404,7 @@
             </a:endParaRPr>
           </a:p>
           <a:p>
-            <a:pPr indent="457200" lvl="0" marL="457200" rtl="0" algn="l">
+            <a:pPr marL="457200" lvl="0" indent="457200" algn="l" rtl="0">
               <a:spcBef>
                 <a:spcPts val="0"/>
               </a:spcBef>
@@ -10112,7 +10421,7 @@
               </a:rPr>
               <a:t>collaboration between team members using the software.</a:t>
             </a:r>
-            <a:endParaRPr b="1" sz="1800">
+            <a:endParaRPr sz="1800" b="1">
               <a:solidFill>
                 <a:srgbClr val="000000"/>
               </a:solidFill>
@@ -10129,11 +10438,11 @@
 </file>
 
 <file path=ppt/slides/slide15.xml><?xml version="1.0" encoding="utf-8"?>
-<p:sld xmlns:a="http://schemas.openxmlformats.org/drawingml/2006/main" xmlns:r="http://schemas.openxmlformats.org/officeDocument/2006/relationships" xmlns:mc="http://schemas.openxmlformats.org/markup-compatibility/2006" xmlns:mv="urn:schemas-microsoft-com:mac:vml" xmlns:p="http://schemas.openxmlformats.org/presentationml/2006/main" xmlns:c="http://schemas.openxmlformats.org/drawingml/2006/chart" xmlns:dgm="http://schemas.openxmlformats.org/drawingml/2006/diagram" xmlns:o="urn:schemas-microsoft-com:office:office" xmlns:v="urn:schemas-microsoft-com:vml" xmlns:pvml="urn:schemas-microsoft-com:office:powerpoint" xmlns:com="http://schemas.openxmlformats.org/drawingml/2006/compatibility" xmlns:p14="http://schemas.microsoft.com/office/powerpoint/2010/main" xmlns:p15="http://schemas.microsoft.com/office/powerpoint/2012/main">
+<p:sld xmlns:a="http://schemas.openxmlformats.org/drawingml/2006/main" xmlns:r="http://schemas.openxmlformats.org/officeDocument/2006/relationships" xmlns:p="http://schemas.openxmlformats.org/presentationml/2006/main">
   <p:cSld>
     <p:spTree>
       <p:nvGrpSpPr>
-        <p:cNvPr id="149" name="Shape 149"/>
+        <p:cNvPr id="1" name="Shape 149"/>
         <p:cNvGrpSpPr/>
         <p:nvPr/>
       </p:nvGrpSpPr>
@@ -10148,7 +10457,9 @@
       <p:sp>
         <p:nvSpPr>
           <p:cNvPr id="150" name="Google Shape;150;p27"/>
-          <p:cNvSpPr txBox="1"/>
+          <p:cNvSpPr txBox="1">
+            <a:spLocks noGrp="1"/>
+          </p:cNvSpPr>
           <p:nvPr>
             <p:ph type="title"/>
           </p:nvPr>
@@ -10163,12 +10474,12 @@
           </a:prstGeom>
         </p:spPr>
         <p:txBody>
-          <a:bodyPr anchorCtr="0" anchor="t" bIns="91425" lIns="91425" spcFirstLastPara="1" rIns="91425" wrap="square" tIns="91425">
+          <a:bodyPr spcFirstLastPara="1" wrap="square" lIns="91425" tIns="91425" rIns="91425" bIns="91425" anchor="t" anchorCtr="0">
             <a:noAutofit/>
           </a:bodyPr>
           <a:lstStyle/>
           <a:p>
-            <a:pPr indent="0" lvl="0" marL="0" rtl="0" algn="l">
+            <a:pPr marL="0" lvl="0" indent="0" algn="l" rtl="0">
               <a:spcBef>
                 <a:spcPts val="0"/>
               </a:spcBef>
@@ -10188,9 +10499,11 @@
       <p:sp>
         <p:nvSpPr>
           <p:cNvPr id="151" name="Google Shape;151;p27"/>
-          <p:cNvSpPr txBox="1"/>
+          <p:cNvSpPr txBox="1">
+            <a:spLocks noGrp="1"/>
+          </p:cNvSpPr>
           <p:nvPr>
-            <p:ph idx="1" type="body"/>
+            <p:ph type="body" idx="1"/>
           </p:nvPr>
         </p:nvSpPr>
         <p:spPr>
@@ -10203,12 +10516,12 @@
           </a:prstGeom>
         </p:spPr>
         <p:txBody>
-          <a:bodyPr anchorCtr="0" anchor="t" bIns="91425" lIns="91425" spcFirstLastPara="1" rIns="91425" wrap="square" tIns="91425">
+          <a:bodyPr spcFirstLastPara="1" wrap="square" lIns="91425" tIns="91425" rIns="91425" bIns="91425" anchor="t" anchorCtr="0">
             <a:noAutofit/>
           </a:bodyPr>
           <a:lstStyle/>
           <a:p>
-            <a:pPr indent="0" lvl="0" marL="0" rtl="0" algn="l">
+            <a:pPr marL="0" lvl="0" indent="0" algn="l" rtl="0">
               <a:spcBef>
                 <a:spcPts val="0"/>
               </a:spcBef>
@@ -10218,21 +10531,21 @@
               <a:buNone/>
             </a:pPr>
             <a:r>
-              <a:rPr b="1" lang="en" sz="1800">
+              <a:rPr lang="en" sz="1800" b="1">
                 <a:solidFill>
                   <a:srgbClr val="000000"/>
                 </a:solidFill>
               </a:rPr>
               <a:t>Release 3 - November 15th, 2018</a:t>
             </a:r>
-            <a:endParaRPr b="1" sz="1800">
+            <a:endParaRPr sz="1800" b="1">
               <a:solidFill>
                 <a:srgbClr val="000000"/>
               </a:solidFill>
             </a:endParaRPr>
           </a:p>
           <a:p>
-            <a:pPr indent="-330200" lvl="0" marL="457200" rtl="0" algn="l">
+            <a:pPr marL="457200" lvl="0" indent="-330200" algn="l" rtl="0">
               <a:spcBef>
                 <a:spcPts val="1600"/>
               </a:spcBef>
@@ -10246,7 +10559,7 @@
               <a:buChar char="●"/>
             </a:pPr>
             <a:r>
-              <a:rPr b="1" i="1" lang="en" sz="1600">
+              <a:rPr lang="en" sz="1600" b="1" i="1">
                 <a:solidFill>
                   <a:srgbClr val="000000"/>
                 </a:solidFill>
@@ -10268,7 +10581,7 @@
             </a:endParaRPr>
           </a:p>
           <a:p>
-            <a:pPr indent="0" lvl="0" marL="914400" rtl="0" algn="l">
+            <a:pPr marL="914400" lvl="0" indent="0" algn="l" rtl="0">
               <a:spcBef>
                 <a:spcPts val="0"/>
               </a:spcBef>
@@ -10292,7 +10605,7 @@
             </a:endParaRPr>
           </a:p>
           <a:p>
-            <a:pPr indent="-330200" lvl="0" marL="457200" rtl="0" algn="l">
+            <a:pPr marL="457200" lvl="0" indent="-330200" algn="l" rtl="0">
               <a:spcBef>
                 <a:spcPts val="0"/>
               </a:spcBef>
@@ -10306,7 +10619,7 @@
               <a:buChar char="●"/>
             </a:pPr>
             <a:r>
-              <a:rPr b="1" i="1" lang="en" sz="1600">
+              <a:rPr lang="en" sz="1600" b="1" i="1">
                 <a:solidFill>
                   <a:srgbClr val="000000"/>
                 </a:solidFill>
@@ -10328,7 +10641,7 @@
             </a:endParaRPr>
           </a:p>
           <a:p>
-            <a:pPr indent="0" lvl="0" marL="914400" rtl="0" algn="l">
+            <a:pPr marL="914400" lvl="0" indent="0" algn="l" rtl="0">
               <a:spcBef>
                 <a:spcPts val="0"/>
               </a:spcBef>
@@ -10345,14 +10658,14 @@
               </a:rPr>
               <a:t>and to implement positive reinforcement for utilizing the application.</a:t>
             </a:r>
-            <a:endParaRPr b="1" sz="1800">
+            <a:endParaRPr sz="1800" b="1">
               <a:solidFill>
                 <a:srgbClr val="000000"/>
               </a:solidFill>
             </a:endParaRPr>
           </a:p>
           <a:p>
-            <a:pPr indent="0" lvl="0" marL="0" rtl="0" algn="l">
+            <a:pPr marL="0" lvl="0" indent="0" algn="l" rtl="0">
               <a:spcBef>
                 <a:spcPts val="1600"/>
               </a:spcBef>
@@ -10362,21 +10675,21 @@
               <a:buNone/>
             </a:pPr>
             <a:r>
-              <a:rPr b="1" lang="en" sz="1800">
+              <a:rPr lang="en" sz="1800" b="1">
                 <a:solidFill>
                   <a:srgbClr val="000000"/>
                 </a:solidFill>
               </a:rPr>
               <a:t>Release 4 - December 6th, 2018</a:t>
             </a:r>
-            <a:endParaRPr b="1" sz="1800">
+            <a:endParaRPr sz="1800" b="1">
               <a:solidFill>
                 <a:srgbClr val="000000"/>
               </a:solidFill>
             </a:endParaRPr>
           </a:p>
           <a:p>
-            <a:pPr indent="-330200" lvl="0" marL="457200" rtl="0" algn="l">
+            <a:pPr marL="457200" lvl="0" indent="-330200" algn="l" rtl="0">
               <a:spcBef>
                 <a:spcPts val="1600"/>
               </a:spcBef>
@@ -10390,7 +10703,7 @@
               <a:buChar char="●"/>
             </a:pPr>
             <a:r>
-              <a:rPr b="1" i="1" lang="en" sz="1600">
+              <a:rPr lang="en" sz="1600" b="1" i="1">
                 <a:solidFill>
                   <a:srgbClr val="000000"/>
                 </a:solidFill>
@@ -10412,7 +10725,7 @@
             </a:endParaRPr>
           </a:p>
           <a:p>
-            <a:pPr indent="-330200" lvl="0" marL="457200" rtl="0" algn="l">
+            <a:pPr marL="457200" lvl="0" indent="-330200" algn="l" rtl="0">
               <a:spcBef>
                 <a:spcPts val="0"/>
               </a:spcBef>
@@ -10426,7 +10739,7 @@
               <a:buChar char="●"/>
             </a:pPr>
             <a:r>
-              <a:rPr b="1" i="1" lang="en" sz="1600">
+              <a:rPr lang="en" sz="1600" b="1" i="1">
                 <a:solidFill>
                   <a:srgbClr val="000000"/>
                 </a:solidFill>
@@ -10448,7 +10761,7 @@
             </a:endParaRPr>
           </a:p>
           <a:p>
-            <a:pPr indent="0" lvl="0" marL="914400" rtl="0" algn="l">
+            <a:pPr marL="914400" lvl="0" indent="0" algn="l" rtl="0">
               <a:spcBef>
                 <a:spcPts val="0"/>
               </a:spcBef>
@@ -10465,7 +10778,7 @@
               </a:rPr>
               <a:t>of organizational information. This release will implement the changes that arise throughout the development process.</a:t>
             </a:r>
-            <a:endParaRPr b="1" sz="1800">
+            <a:endParaRPr sz="1800" b="1">
               <a:solidFill>
                 <a:srgbClr val="000000"/>
               </a:solidFill>
@@ -10482,11 +10795,11 @@
 </file>
 
 <file path=ppt/slides/slide16.xml><?xml version="1.0" encoding="utf-8"?>
-<p:sld xmlns:a="http://schemas.openxmlformats.org/drawingml/2006/main" xmlns:r="http://schemas.openxmlformats.org/officeDocument/2006/relationships" xmlns:mc="http://schemas.openxmlformats.org/markup-compatibility/2006" xmlns:mv="urn:schemas-microsoft-com:mac:vml" xmlns:p="http://schemas.openxmlformats.org/presentationml/2006/main" xmlns:c="http://schemas.openxmlformats.org/drawingml/2006/chart" xmlns:dgm="http://schemas.openxmlformats.org/drawingml/2006/diagram" xmlns:o="urn:schemas-microsoft-com:office:office" xmlns:v="urn:schemas-microsoft-com:vml" xmlns:pvml="urn:schemas-microsoft-com:office:powerpoint" xmlns:com="http://schemas.openxmlformats.org/drawingml/2006/compatibility" xmlns:p14="http://schemas.microsoft.com/office/powerpoint/2010/main" xmlns:p15="http://schemas.microsoft.com/office/powerpoint/2012/main">
+<p:sld xmlns:a="http://schemas.openxmlformats.org/drawingml/2006/main" xmlns:r="http://schemas.openxmlformats.org/officeDocument/2006/relationships" xmlns:p="http://schemas.openxmlformats.org/presentationml/2006/main">
   <p:cSld>
     <p:spTree>
       <p:nvGrpSpPr>
-        <p:cNvPr id="155" name="Shape 155"/>
+        <p:cNvPr id="1" name="Shape 155"/>
         <p:cNvGrpSpPr/>
         <p:nvPr/>
       </p:nvGrpSpPr>
@@ -10501,7 +10814,9 @@
       <p:sp>
         <p:nvSpPr>
           <p:cNvPr id="156" name="Google Shape;156;p28"/>
-          <p:cNvSpPr txBox="1"/>
+          <p:cNvSpPr txBox="1">
+            <a:spLocks noGrp="1"/>
+          </p:cNvSpPr>
           <p:nvPr>
             <p:ph type="title"/>
           </p:nvPr>
@@ -10516,12 +10831,12 @@
           </a:prstGeom>
         </p:spPr>
         <p:txBody>
-          <a:bodyPr anchorCtr="0" anchor="t" bIns="91425" lIns="91425" spcFirstLastPara="1" rIns="91425" wrap="square" tIns="91425">
+          <a:bodyPr spcFirstLastPara="1" wrap="square" lIns="91425" tIns="91425" rIns="91425" bIns="91425" anchor="t" anchorCtr="0">
             <a:noAutofit/>
           </a:bodyPr>
           <a:lstStyle/>
           <a:p>
-            <a:pPr indent="0" lvl="0" marL="0" rtl="0" algn="l">
+            <a:pPr marL="0" lvl="0" indent="0" algn="l" rtl="0">
               <a:spcBef>
                 <a:spcPts val="0"/>
               </a:spcBef>
@@ -10558,12 +10873,12 @@
           </a:ln>
         </p:spPr>
         <p:txBody>
-          <a:bodyPr anchorCtr="0" anchor="t" bIns="91425" lIns="91425" spcFirstLastPara="1" rIns="91425" wrap="square" tIns="91425">
+          <a:bodyPr spcFirstLastPara="1" wrap="square" lIns="91425" tIns="91425" rIns="91425" bIns="91425" anchor="t" anchorCtr="0">
             <a:noAutofit/>
           </a:bodyPr>
           <a:lstStyle/>
           <a:p>
-            <a:pPr indent="0" lvl="0" marL="0" rtl="0" algn="l">
+            <a:pPr marL="0" lvl="0" indent="0" algn="l" rtl="0">
               <a:spcBef>
                 <a:spcPts val="0"/>
               </a:spcBef>
@@ -10573,24 +10888,15 @@
               <a:buNone/>
             </a:pPr>
             <a:r>
-              <a:rPr b="1" lang="en" sz="1800">
+              <a:rPr lang="en" sz="1800" b="1">
                 <a:latin typeface="Roboto"/>
                 <a:ea typeface="Roboto"/>
                 <a:cs typeface="Roboto"/>
                 <a:sym typeface="Roboto"/>
               </a:rPr>
-              <a:t>User Registration</a:t>
-            </a:r>
-            <a:r>
-              <a:rPr b="1" lang="en" sz="1800">
-                <a:latin typeface="Roboto"/>
-                <a:ea typeface="Roboto"/>
-                <a:cs typeface="Roboto"/>
-                <a:sym typeface="Roboto"/>
-              </a:rPr>
-              <a:t> and Login</a:t>
-            </a:r>
-            <a:endParaRPr b="1" sz="1800">
+              <a:t>User Registration and Login</a:t>
+            </a:r>
+            <a:endParaRPr sz="1800" b="1">
               <a:latin typeface="Roboto"/>
               <a:ea typeface="Roboto"/>
               <a:cs typeface="Roboto"/>
@@ -10598,7 +10904,7 @@
             </a:endParaRPr>
           </a:p>
           <a:p>
-            <a:pPr indent="-330200" lvl="0" marL="457200" rtl="0" algn="l">
+            <a:pPr marL="457200" lvl="0" indent="-330200" algn="l" rtl="0">
               <a:spcBef>
                 <a:spcPts val="0"/>
               </a:spcBef>
@@ -10610,16 +10916,12 @@
             </a:pPr>
             <a:r>
               <a:rPr lang="en" sz="1600"/>
-              <a:t>Users did not find this process confusing and most believed no functionality was</a:t>
-            </a:r>
-            <a:r>
-              <a:rPr lang="en" sz="1600"/>
-              <a:t> missing.</a:t>
+              <a:t>Users did not find this process confusing and most believed no functionality was missing.</a:t>
             </a:r>
             <a:endParaRPr sz="1600"/>
           </a:p>
           <a:p>
-            <a:pPr indent="0" lvl="0" marL="457200" rtl="0" algn="l">
+            <a:pPr marL="457200" lvl="0" indent="0" algn="l" rtl="0">
               <a:spcBef>
                 <a:spcPts val="0"/>
               </a:spcBef>
@@ -10628,13 +10930,10 @@
               </a:spcAft>
               <a:buNone/>
             </a:pPr>
-            <a:r>
-              <a:t/>
-            </a:r>
             <a:endParaRPr sz="1600"/>
           </a:p>
           <a:p>
-            <a:pPr indent="0" lvl="0" marL="0" rtl="0" algn="l">
+            <a:pPr marL="0" lvl="0" indent="0" algn="l" rtl="0">
               <a:spcBef>
                 <a:spcPts val="0"/>
               </a:spcBef>
@@ -10644,13 +10943,13 @@
               <a:buNone/>
             </a:pPr>
             <a:r>
-              <a:rPr b="1" lang="en" sz="1800"/>
+              <a:rPr lang="en" sz="1800" b="1"/>
               <a:t>Presentation of Information</a:t>
             </a:r>
             <a:endParaRPr sz="1600"/>
           </a:p>
           <a:p>
-            <a:pPr indent="-330200" lvl="0" marL="457200" rtl="0" algn="l">
+            <a:pPr marL="457200" lvl="0" indent="-330200" algn="l" rtl="0">
               <a:spcBef>
                 <a:spcPts val="0"/>
               </a:spcBef>
@@ -10667,7 +10966,7 @@
             <a:endParaRPr sz="1600"/>
           </a:p>
           <a:p>
-            <a:pPr indent="0" lvl="0" marL="914400" rtl="0" algn="l">
+            <a:pPr marL="914400" lvl="0" indent="0" algn="l" rtl="0">
               <a:spcBef>
                 <a:spcPts val="0"/>
               </a:spcBef>
@@ -10676,13 +10975,10 @@
               </a:spcAft>
               <a:buNone/>
             </a:pPr>
-            <a:r>
-              <a:t/>
-            </a:r>
             <a:endParaRPr sz="1600"/>
           </a:p>
           <a:p>
-            <a:pPr indent="0" lvl="0" marL="0" rtl="0" algn="l">
+            <a:pPr marL="0" lvl="0" indent="0" algn="l" rtl="0">
               <a:spcBef>
                 <a:spcPts val="0"/>
               </a:spcBef>
@@ -10692,13 +10988,13 @@
               <a:buNone/>
             </a:pPr>
             <a:r>
-              <a:rPr b="1" lang="en" sz="1800"/>
+              <a:rPr lang="en" sz="1800" b="1"/>
               <a:t>Distinguishable Team Ideas</a:t>
             </a:r>
-            <a:endParaRPr b="1" sz="1600"/>
-          </a:p>
-          <a:p>
-            <a:pPr indent="-330200" lvl="0" marL="457200" rtl="0" algn="l">
+            <a:endParaRPr sz="1600" b="1"/>
+          </a:p>
+          <a:p>
+            <a:pPr marL="457200" lvl="0" indent="-330200" algn="l" rtl="0">
               <a:spcBef>
                 <a:spcPts val="0"/>
               </a:spcBef>
@@ -10725,11 +11021,11 @@
 </file>
 
 <file path=ppt/slides/slide17.xml><?xml version="1.0" encoding="utf-8"?>
-<p:sld xmlns:a="http://schemas.openxmlformats.org/drawingml/2006/main" xmlns:r="http://schemas.openxmlformats.org/officeDocument/2006/relationships" xmlns:mc="http://schemas.openxmlformats.org/markup-compatibility/2006" xmlns:mv="urn:schemas-microsoft-com:mac:vml" xmlns:p="http://schemas.openxmlformats.org/presentationml/2006/main" xmlns:c="http://schemas.openxmlformats.org/drawingml/2006/chart" xmlns:dgm="http://schemas.openxmlformats.org/drawingml/2006/diagram" xmlns:o="urn:schemas-microsoft-com:office:office" xmlns:v="urn:schemas-microsoft-com:vml" xmlns:pvml="urn:schemas-microsoft-com:office:powerpoint" xmlns:com="http://schemas.openxmlformats.org/drawingml/2006/compatibility" xmlns:p14="http://schemas.microsoft.com/office/powerpoint/2010/main" xmlns:p15="http://schemas.microsoft.com/office/powerpoint/2012/main">
+<p:sld xmlns:a="http://schemas.openxmlformats.org/drawingml/2006/main" xmlns:r="http://schemas.openxmlformats.org/officeDocument/2006/relationships" xmlns:p="http://schemas.openxmlformats.org/presentationml/2006/main">
   <p:cSld>
     <p:spTree>
       <p:nvGrpSpPr>
-        <p:cNvPr id="161" name="Shape 161"/>
+        <p:cNvPr id="1" name="Shape 161"/>
         <p:cNvGrpSpPr/>
         <p:nvPr/>
       </p:nvGrpSpPr>
@@ -10744,7 +11040,9 @@
       <p:sp>
         <p:nvSpPr>
           <p:cNvPr id="162" name="Google Shape;162;p29"/>
-          <p:cNvSpPr txBox="1"/>
+          <p:cNvSpPr txBox="1">
+            <a:spLocks noGrp="1"/>
+          </p:cNvSpPr>
           <p:nvPr>
             <p:ph type="title"/>
           </p:nvPr>
@@ -10759,12 +11057,12 @@
           </a:prstGeom>
         </p:spPr>
         <p:txBody>
-          <a:bodyPr anchorCtr="0" anchor="t" bIns="91425" lIns="91425" spcFirstLastPara="1" rIns="91425" wrap="square" tIns="91425">
+          <a:bodyPr spcFirstLastPara="1" wrap="square" lIns="91425" tIns="91425" rIns="91425" bIns="91425" anchor="t" anchorCtr="0">
             <a:noAutofit/>
           </a:bodyPr>
           <a:lstStyle/>
           <a:p>
-            <a:pPr indent="0" lvl="0" marL="0" rtl="0" algn="l">
+            <a:pPr marL="0" lvl="0" indent="0" algn="l" rtl="0">
               <a:spcBef>
                 <a:spcPts val="0"/>
               </a:spcBef>
@@ -10801,12 +11099,12 @@
           </a:ln>
         </p:spPr>
         <p:txBody>
-          <a:bodyPr anchorCtr="0" anchor="t" bIns="91425" lIns="91425" spcFirstLastPara="1" rIns="91425" wrap="square" tIns="91425">
+          <a:bodyPr spcFirstLastPara="1" wrap="square" lIns="91425" tIns="91425" rIns="91425" bIns="91425" anchor="t" anchorCtr="0">
             <a:noAutofit/>
           </a:bodyPr>
           <a:lstStyle/>
           <a:p>
-            <a:pPr indent="0" lvl="0" marL="0" rtl="0" algn="l">
+            <a:pPr marL="0" lvl="0" indent="0" algn="l" rtl="0">
               <a:spcBef>
                 <a:spcPts val="0"/>
               </a:spcBef>
@@ -10816,7 +11114,7 @@
               <a:buNone/>
             </a:pPr>
             <a:r>
-              <a:rPr b="1" lang="en" sz="1800">
+              <a:rPr lang="en" sz="1800" b="1" dirty="0">
                 <a:latin typeface="Roboto"/>
                 <a:ea typeface="Roboto"/>
                 <a:cs typeface="Roboto"/>
@@ -10824,7 +11122,7 @@
               </a:rPr>
               <a:t>Anonymity</a:t>
             </a:r>
-            <a:endParaRPr b="1" sz="1800">
+            <a:endParaRPr sz="1800" b="1" dirty="0">
               <a:latin typeface="Roboto"/>
               <a:ea typeface="Roboto"/>
               <a:cs typeface="Roboto"/>
@@ -10832,7 +11130,7 @@
             </a:endParaRPr>
           </a:p>
           <a:p>
-            <a:pPr indent="-330200" lvl="0" marL="457200" rtl="0" algn="l">
+            <a:pPr marL="457200" lvl="0" indent="-330200" algn="l" rtl="0">
               <a:spcBef>
                 <a:spcPts val="0"/>
               </a:spcBef>
@@ -10843,17 +11141,17 @@
               <a:buChar char="●"/>
             </a:pPr>
             <a:r>
-              <a:rPr b="1" lang="en" sz="1600"/>
+              <a:rPr lang="en" sz="1600" b="1" dirty="0"/>
               <a:t>Idea: </a:t>
             </a:r>
             <a:r>
-              <a:rPr lang="en" sz="1600"/>
+              <a:rPr lang="en" sz="1600" dirty="0"/>
               <a:t>Increase participation by reducing attachment</a:t>
             </a:r>
-            <a:endParaRPr sz="1600"/>
-          </a:p>
-          <a:p>
-            <a:pPr indent="-330200" lvl="0" marL="457200" rtl="0" algn="l">
+            <a:endParaRPr sz="1600" dirty="0"/>
+          </a:p>
+          <a:p>
+            <a:pPr marL="457200" lvl="0" indent="-330200" algn="l" rtl="0">
               <a:spcBef>
                 <a:spcPts val="0"/>
               </a:spcBef>
@@ -10864,17 +11162,25 @@
               <a:buChar char="●"/>
             </a:pPr>
             <a:r>
-              <a:rPr b="1" lang="en" sz="1600"/>
+              <a:rPr lang="en" sz="1600" b="1" dirty="0"/>
               <a:t>However: </a:t>
             </a:r>
             <a:r>
-              <a:rPr lang="en" sz="1600"/>
-              <a:t>eHealth encourages human interaction by having discussion about ideas rather isolation</a:t>
-            </a:r>
-            <a:endParaRPr sz="1600"/>
-          </a:p>
-          <a:p>
-            <a:pPr indent="0" lvl="0" marL="0" rtl="0" algn="l">
+              <a:rPr lang="en" sz="1600" dirty="0"/>
+              <a:t>eHealth encourages human interaction by having discussion about ideas rather </a:t>
+            </a:r>
+            <a:r>
+              <a:rPr lang="en-CA" sz="1600" dirty="0"/>
+              <a:t>than </a:t>
+            </a:r>
+            <a:r>
+              <a:rPr lang="en" sz="1600" dirty="0"/>
+              <a:t>isolation</a:t>
+            </a:r>
+            <a:endParaRPr sz="1600" dirty="0"/>
+          </a:p>
+          <a:p>
+            <a:pPr marL="0" lvl="0" indent="0" algn="l" rtl="0">
               <a:spcBef>
                 <a:spcPts val="0"/>
               </a:spcBef>
@@ -10883,13 +11189,10 @@
               </a:spcAft>
               <a:buNone/>
             </a:pPr>
-            <a:r>
-              <a:t/>
-            </a:r>
-            <a:endParaRPr/>
-          </a:p>
-          <a:p>
-            <a:pPr indent="0" lvl="0" marL="0" rtl="0" algn="l">
+            <a:endParaRPr dirty="0"/>
+          </a:p>
+          <a:p>
+            <a:pPr marL="0" lvl="0" indent="0" algn="l" rtl="0">
               <a:spcBef>
                 <a:spcPts val="0"/>
               </a:spcBef>
@@ -10899,13 +11202,17 @@
               <a:buNone/>
             </a:pPr>
             <a:r>
-              <a:rPr b="1" lang="en" sz="1800"/>
-              <a:t>Active Directory</a:t>
-            </a:r>
-            <a:endParaRPr sz="1800"/>
-          </a:p>
-          <a:p>
-            <a:pPr indent="-330200" lvl="0" marL="457200" rtl="0" algn="l">
+              <a:rPr lang="en" sz="1800" b="1" dirty="0"/>
+              <a:t>Active Directory </a:t>
+            </a:r>
+            <a:r>
+              <a:rPr lang="en-CA" sz="1800" b="1" dirty="0"/>
+              <a:t>Authentication</a:t>
+            </a:r>
+            <a:endParaRPr sz="1800" dirty="0"/>
+          </a:p>
+          <a:p>
+            <a:pPr marL="457200" lvl="0" indent="-330200" algn="l" rtl="0">
               <a:spcBef>
                 <a:spcPts val="0"/>
               </a:spcBef>
@@ -10916,17 +11223,17 @@
               <a:buChar char="●"/>
             </a:pPr>
             <a:r>
-              <a:rPr b="1" lang="en" sz="1600"/>
+              <a:rPr lang="en" sz="1600" b="1" dirty="0"/>
               <a:t>Idea: </a:t>
             </a:r>
             <a:r>
-              <a:rPr lang="en" sz="1600"/>
+              <a:rPr lang="en" sz="1600" dirty="0"/>
               <a:t>Superior to username and password authentication</a:t>
             </a:r>
-            <a:endParaRPr sz="1600"/>
-          </a:p>
-          <a:p>
-            <a:pPr indent="-330200" lvl="0" marL="457200" rtl="0" algn="l">
+            <a:endParaRPr sz="1600" dirty="0"/>
+          </a:p>
+          <a:p>
+            <a:pPr marL="457200" lvl="0" indent="-330200" algn="l" rtl="0">
               <a:spcBef>
                 <a:spcPts val="0"/>
               </a:spcBef>
@@ -10937,17 +11244,17 @@
               <a:buChar char="●"/>
             </a:pPr>
             <a:r>
-              <a:rPr b="1" lang="en" sz="1600"/>
+              <a:rPr lang="en" sz="1600" b="1" dirty="0"/>
               <a:t>However: </a:t>
             </a:r>
             <a:r>
-              <a:rPr lang="en" sz="1600"/>
+              <a:rPr lang="en" sz="1600" dirty="0"/>
               <a:t>Difficult to implement and test outside of eHealth</a:t>
             </a:r>
-            <a:endParaRPr sz="1600"/>
-          </a:p>
-          <a:p>
-            <a:pPr indent="0" lvl="0" marL="457200" rtl="0" algn="l">
+            <a:endParaRPr sz="1600" dirty="0"/>
+          </a:p>
+          <a:p>
+            <a:pPr marL="457200" lvl="0" indent="0" algn="l" rtl="0">
               <a:spcBef>
                 <a:spcPts val="0"/>
               </a:spcBef>
@@ -10956,10 +11263,7 @@
               </a:spcAft>
               <a:buNone/>
             </a:pPr>
-            <a:r>
-              <a:t/>
-            </a:r>
-            <a:endParaRPr sz="1600"/>
+            <a:endParaRPr sz="1600" dirty="0"/>
           </a:p>
         </p:txBody>
       </p:sp>
@@ -10972,11 +11276,11 @@
 </file>
 
 <file path=ppt/slides/slide18.xml><?xml version="1.0" encoding="utf-8"?>
-<p:sld xmlns:a="http://schemas.openxmlformats.org/drawingml/2006/main" xmlns:r="http://schemas.openxmlformats.org/officeDocument/2006/relationships" xmlns:mc="http://schemas.openxmlformats.org/markup-compatibility/2006" xmlns:mv="urn:schemas-microsoft-com:mac:vml" xmlns:p="http://schemas.openxmlformats.org/presentationml/2006/main" xmlns:c="http://schemas.openxmlformats.org/drawingml/2006/chart" xmlns:dgm="http://schemas.openxmlformats.org/drawingml/2006/diagram" xmlns:o="urn:schemas-microsoft-com:office:office" xmlns:v="urn:schemas-microsoft-com:vml" xmlns:pvml="urn:schemas-microsoft-com:office:powerpoint" xmlns:com="http://schemas.openxmlformats.org/drawingml/2006/compatibility" xmlns:p14="http://schemas.microsoft.com/office/powerpoint/2010/main" xmlns:p15="http://schemas.microsoft.com/office/powerpoint/2012/main">
+<p:sld xmlns:a="http://schemas.openxmlformats.org/drawingml/2006/main" xmlns:r="http://schemas.openxmlformats.org/officeDocument/2006/relationships" xmlns:p="http://schemas.openxmlformats.org/presentationml/2006/main">
   <p:cSld>
     <p:spTree>
       <p:nvGrpSpPr>
-        <p:cNvPr id="167" name="Shape 167"/>
+        <p:cNvPr id="1" name="Shape 167"/>
         <p:cNvGrpSpPr/>
         <p:nvPr/>
       </p:nvGrpSpPr>
@@ -10991,7 +11295,9 @@
       <p:sp>
         <p:nvSpPr>
           <p:cNvPr id="168" name="Google Shape;168;p30"/>
-          <p:cNvSpPr txBox="1"/>
+          <p:cNvSpPr txBox="1">
+            <a:spLocks noGrp="1"/>
+          </p:cNvSpPr>
           <p:nvPr>
             <p:ph type="title"/>
           </p:nvPr>
@@ -11006,12 +11312,12 @@
           </a:prstGeom>
         </p:spPr>
         <p:txBody>
-          <a:bodyPr anchorCtr="0" anchor="t" bIns="91425" lIns="91425" spcFirstLastPara="1" rIns="91425" wrap="square" tIns="91425">
+          <a:bodyPr spcFirstLastPara="1" wrap="square" lIns="91425" tIns="91425" rIns="91425" bIns="91425" anchor="t" anchorCtr="0">
             <a:noAutofit/>
           </a:bodyPr>
           <a:lstStyle/>
           <a:p>
-            <a:pPr indent="0" lvl="0" marL="0" rtl="0" algn="l">
+            <a:pPr marL="0" lvl="0" indent="0" algn="l" rtl="0">
               <a:spcBef>
                 <a:spcPts val="0"/>
               </a:spcBef>
@@ -11031,9 +11337,11 @@
       <p:sp>
         <p:nvSpPr>
           <p:cNvPr id="169" name="Google Shape;169;p30"/>
-          <p:cNvSpPr txBox="1"/>
+          <p:cNvSpPr txBox="1">
+            <a:spLocks noGrp="1"/>
+          </p:cNvSpPr>
           <p:nvPr>
-            <p:ph idx="1" type="body"/>
+            <p:ph type="body" idx="1"/>
           </p:nvPr>
         </p:nvSpPr>
         <p:spPr>
@@ -11046,12 +11354,12 @@
           </a:prstGeom>
         </p:spPr>
         <p:txBody>
-          <a:bodyPr anchorCtr="0" anchor="t" bIns="91425" lIns="91425" spcFirstLastPara="1" rIns="91425" wrap="square" tIns="91425">
+          <a:bodyPr spcFirstLastPara="1" wrap="square" lIns="91425" tIns="91425" rIns="91425" bIns="91425" anchor="t" anchorCtr="0">
             <a:noAutofit/>
           </a:bodyPr>
           <a:lstStyle/>
           <a:p>
-            <a:pPr indent="0" lvl="0" marL="0" rtl="0" algn="l">
+            <a:pPr marL="0" lvl="0" indent="0" algn="l" rtl="0">
               <a:spcBef>
                 <a:spcPts val="0"/>
               </a:spcBef>
@@ -11061,21 +11369,21 @@
               <a:buNone/>
             </a:pPr>
             <a:r>
-              <a:rPr b="1" lang="en" sz="1800">
+              <a:rPr lang="en" sz="1800" b="1">
                 <a:solidFill>
                   <a:srgbClr val="000000"/>
                 </a:solidFill>
               </a:rPr>
               <a:t>How do you feel about this milestone? What do you like about it? What did you dislike?</a:t>
             </a:r>
-            <a:endParaRPr b="1" sz="1800">
+            <a:endParaRPr sz="1800" b="1">
               <a:solidFill>
                 <a:srgbClr val="000000"/>
               </a:solidFill>
             </a:endParaRPr>
           </a:p>
           <a:p>
-            <a:pPr indent="-330200" lvl="0" marL="457200" rtl="0" algn="l">
+            <a:pPr marL="457200" lvl="0" indent="-330200" algn="l" rtl="0">
               <a:spcBef>
                 <a:spcPts val="1600"/>
               </a:spcBef>
@@ -11089,7 +11397,7 @@
               <a:buChar char="●"/>
             </a:pPr>
             <a:r>
-              <a:rPr b="1" i="1" lang="en" sz="1600">
+              <a:rPr lang="en" sz="1600" b="1" i="1">
                 <a:solidFill>
                   <a:srgbClr val="000000"/>
                 </a:solidFill>
@@ -11097,7 +11405,7 @@
               <a:t>Like</a:t>
             </a:r>
             <a:r>
-              <a:rPr b="1" lang="en" sz="1600">
+              <a:rPr lang="en" sz="1600" b="1">
                 <a:solidFill>
                   <a:srgbClr val="000000"/>
                 </a:solidFill>
@@ -11119,7 +11427,7 @@
             </a:endParaRPr>
           </a:p>
           <a:p>
-            <a:pPr indent="-330200" lvl="0" marL="457200" rtl="0" algn="l">
+            <a:pPr marL="457200" lvl="0" indent="-330200" algn="l" rtl="0">
               <a:spcBef>
                 <a:spcPts val="0"/>
               </a:spcBef>
@@ -11133,7 +11441,7 @@
               <a:buChar char="●"/>
             </a:pPr>
             <a:r>
-              <a:rPr b="1" i="1" lang="en" sz="1600">
+              <a:rPr lang="en" sz="1600" b="1" i="1">
                 <a:solidFill>
                   <a:srgbClr val="000000"/>
                 </a:solidFill>
@@ -11141,7 +11449,7 @@
               <a:t>Dislike</a:t>
             </a:r>
             <a:r>
-              <a:rPr b="1" lang="en" sz="1600">
+              <a:rPr lang="en" sz="1600" b="1">
                 <a:solidFill>
                   <a:srgbClr val="000000"/>
                 </a:solidFill>
@@ -11154,23 +11462,7 @@
                   <a:srgbClr val="000000"/>
                 </a:solidFill>
               </a:rPr>
-              <a:t> </a:t>
-            </a:r>
-            <a:r>
-              <a:rPr lang="en" sz="1600">
-                <a:solidFill>
-                  <a:srgbClr val="000000"/>
-                </a:solidFill>
-              </a:rPr>
-              <a:t>Inheriting</a:t>
-            </a:r>
-            <a:r>
-              <a:rPr lang="en" sz="1600">
-                <a:solidFill>
-                  <a:srgbClr val="000000"/>
-                </a:solidFill>
-              </a:rPr>
-              <a:t> a design left little room for creative freedom.</a:t>
+              <a:t> Inheriting a design left little room for creative freedom.</a:t>
             </a:r>
             <a:endParaRPr sz="1600">
               <a:solidFill>
@@ -11179,7 +11471,7 @@
             </a:endParaRPr>
           </a:p>
           <a:p>
-            <a:pPr indent="-330200" lvl="0" marL="457200" rtl="0" algn="l">
+            <a:pPr marL="457200" lvl="0" indent="-330200" algn="l" rtl="0">
               <a:spcBef>
                 <a:spcPts val="0"/>
               </a:spcBef>
@@ -11193,7 +11485,7 @@
               <a:buChar char="●"/>
             </a:pPr>
             <a:r>
-              <a:rPr b="1" i="1" lang="en" sz="1600">
+              <a:rPr lang="en" sz="1600" b="1" i="1">
                 <a:solidFill>
                   <a:srgbClr val="000000"/>
                 </a:solidFill>
@@ -11201,7 +11493,7 @@
               <a:t>Dislike</a:t>
             </a:r>
             <a:r>
-              <a:rPr b="1" lang="en" sz="1600">
+              <a:rPr lang="en" sz="1600" b="1">
                 <a:solidFill>
                   <a:srgbClr val="000000"/>
                 </a:solidFill>
@@ -11223,7 +11515,7 @@
             </a:endParaRPr>
           </a:p>
           <a:p>
-            <a:pPr indent="0" lvl="0" marL="0" rtl="0" algn="l">
+            <a:pPr marL="0" lvl="0" indent="0" algn="l" rtl="0">
               <a:spcBef>
                 <a:spcPts val="1600"/>
               </a:spcBef>
@@ -11233,37 +11525,21 @@
               <a:buNone/>
             </a:pPr>
             <a:r>
-              <a:rPr b="1" lang="en" sz="1800">
+              <a:rPr lang="en" sz="1800" b="1">
                 <a:solidFill>
                   <a:srgbClr val="000000"/>
                 </a:solidFill>
               </a:rPr>
-              <a:t>What did you </a:t>
-            </a:r>
-            <a:r>
-              <a:rPr b="1" lang="en" sz="1800">
-                <a:solidFill>
-                  <a:srgbClr val="000000"/>
-                </a:solidFill>
-              </a:rPr>
-              <a:t>learn</a:t>
-            </a:r>
-            <a:r>
-              <a:rPr b="1" lang="en" sz="1800">
-                <a:solidFill>
-                  <a:srgbClr val="000000"/>
-                </a:solidFill>
-              </a:rPr>
-              <a:t> about yourself as you collaborated and worked through this milestone?</a:t>
-            </a:r>
-            <a:endParaRPr b="1" sz="1800">
+              <a:t>What did you learn about yourself as you collaborated and worked through this milestone?</a:t>
+            </a:r>
+            <a:endParaRPr sz="1800" b="1">
               <a:solidFill>
                 <a:srgbClr val="000000"/>
               </a:solidFill>
             </a:endParaRPr>
           </a:p>
           <a:p>
-            <a:pPr indent="-330200" lvl="0" marL="457200" rtl="0" algn="l">
+            <a:pPr marL="457200" lvl="0" indent="-330200" algn="l" rtl="0">
               <a:spcBef>
                 <a:spcPts val="1600"/>
               </a:spcBef>
@@ -11291,7 +11567,7 @@
             </a:endParaRPr>
           </a:p>
           <a:p>
-            <a:pPr indent="0" lvl="0" marL="0" marR="0" rtl="0" algn="l">
+            <a:pPr marL="0" marR="0" lvl="0" indent="0" algn="l" rtl="0">
               <a:lnSpc>
                 <a:spcPct val="115000"/>
               </a:lnSpc>
@@ -11303,9 +11579,6 @@
               </a:spcAft>
               <a:buNone/>
             </a:pPr>
-            <a:r>
-              <a:t/>
-            </a:r>
             <a:endParaRPr sz="1800"/>
           </a:p>
         </p:txBody>
@@ -11319,11 +11592,11 @@
 </file>
 
 <file path=ppt/slides/slide19.xml><?xml version="1.0" encoding="utf-8"?>
-<p:sld xmlns:a="http://schemas.openxmlformats.org/drawingml/2006/main" xmlns:r="http://schemas.openxmlformats.org/officeDocument/2006/relationships" xmlns:mc="http://schemas.openxmlformats.org/markup-compatibility/2006" xmlns:mv="urn:schemas-microsoft-com:mac:vml" xmlns:p="http://schemas.openxmlformats.org/presentationml/2006/main" xmlns:c="http://schemas.openxmlformats.org/drawingml/2006/chart" xmlns:dgm="http://schemas.openxmlformats.org/drawingml/2006/diagram" xmlns:o="urn:schemas-microsoft-com:office:office" xmlns:v="urn:schemas-microsoft-com:vml" xmlns:pvml="urn:schemas-microsoft-com:office:powerpoint" xmlns:com="http://schemas.openxmlformats.org/drawingml/2006/compatibility" xmlns:p14="http://schemas.microsoft.com/office/powerpoint/2010/main" xmlns:p15="http://schemas.microsoft.com/office/powerpoint/2012/main">
+<p:sld xmlns:a="http://schemas.openxmlformats.org/drawingml/2006/main" xmlns:r="http://schemas.openxmlformats.org/officeDocument/2006/relationships" xmlns:p="http://schemas.openxmlformats.org/presentationml/2006/main">
   <p:cSld>
     <p:spTree>
       <p:nvGrpSpPr>
-        <p:cNvPr id="173" name="Shape 173"/>
+        <p:cNvPr id="1" name="Shape 173"/>
         <p:cNvGrpSpPr/>
         <p:nvPr/>
       </p:nvGrpSpPr>
@@ -11338,7 +11611,9 @@
       <p:sp>
         <p:nvSpPr>
           <p:cNvPr id="174" name="Google Shape;174;p31"/>
-          <p:cNvSpPr txBox="1"/>
+          <p:cNvSpPr txBox="1">
+            <a:spLocks noGrp="1"/>
+          </p:cNvSpPr>
           <p:nvPr>
             <p:ph type="title"/>
           </p:nvPr>
@@ -11353,12 +11628,12 @@
           </a:prstGeom>
         </p:spPr>
         <p:txBody>
-          <a:bodyPr anchorCtr="0" anchor="t" bIns="91425" lIns="91425" spcFirstLastPara="1" rIns="91425" wrap="square" tIns="91425">
+          <a:bodyPr spcFirstLastPara="1" wrap="square" lIns="91425" tIns="91425" rIns="91425" bIns="91425" anchor="t" anchorCtr="0">
             <a:noAutofit/>
           </a:bodyPr>
           <a:lstStyle/>
           <a:p>
-            <a:pPr indent="0" lvl="0" marL="0" rtl="0" algn="l">
+            <a:pPr marL="0" lvl="0" indent="0" algn="l" rtl="0">
               <a:spcBef>
                 <a:spcPts val="0"/>
               </a:spcBef>
@@ -11374,7 +11649,7 @@
             <a:endParaRPr/>
           </a:p>
           <a:p>
-            <a:pPr indent="0" lvl="0" marL="0" rtl="0" algn="l">
+            <a:pPr marL="0" lvl="0" indent="0" algn="l" rtl="0">
               <a:spcBef>
                 <a:spcPts val="0"/>
               </a:spcBef>
@@ -11383,9 +11658,6 @@
               </a:spcAft>
               <a:buNone/>
             </a:pPr>
-            <a:r>
-              <a:t/>
-            </a:r>
             <a:endParaRPr/>
           </a:p>
         </p:txBody>
@@ -11393,9 +11665,11 @@
       <p:sp>
         <p:nvSpPr>
           <p:cNvPr id="175" name="Google Shape;175;p31"/>
-          <p:cNvSpPr txBox="1"/>
+          <p:cNvSpPr txBox="1">
+            <a:spLocks noGrp="1"/>
+          </p:cNvSpPr>
           <p:nvPr>
-            <p:ph idx="1" type="body"/>
+            <p:ph type="body" idx="1"/>
           </p:nvPr>
         </p:nvSpPr>
         <p:spPr>
@@ -11408,12 +11682,12 @@
           </a:prstGeom>
         </p:spPr>
         <p:txBody>
-          <a:bodyPr anchorCtr="0" anchor="t" bIns="91425" lIns="91425" spcFirstLastPara="1" rIns="91425" wrap="square" tIns="91425">
+          <a:bodyPr spcFirstLastPara="1" wrap="square" lIns="91425" tIns="91425" rIns="91425" bIns="91425" anchor="t" anchorCtr="0">
             <a:noAutofit/>
           </a:bodyPr>
           <a:lstStyle/>
           <a:p>
-            <a:pPr indent="0" lvl="0" marL="0" rtl="0" algn="l">
+            <a:pPr marL="0" lvl="0" indent="0" algn="l" rtl="0">
               <a:spcBef>
                 <a:spcPts val="0"/>
               </a:spcBef>
@@ -11423,21 +11697,21 @@
               <a:buNone/>
             </a:pPr>
             <a:r>
-              <a:rPr b="1" lang="en" sz="1800">
+              <a:rPr lang="en" sz="1800" b="1">
                 <a:solidFill>
                   <a:srgbClr val="000000"/>
                 </a:solidFill>
               </a:rPr>
               <a:t>How will you use what you have learned going forward?</a:t>
             </a:r>
-            <a:endParaRPr b="1" sz="1800">
+            <a:endParaRPr sz="1800" b="1">
               <a:solidFill>
                 <a:srgbClr val="000000"/>
               </a:solidFill>
             </a:endParaRPr>
           </a:p>
           <a:p>
-            <a:pPr indent="-330200" lvl="0" marL="457200" rtl="0" algn="l">
+            <a:pPr marL="457200" lvl="0" indent="-330200" algn="l" rtl="0">
               <a:spcBef>
                 <a:spcPts val="1600"/>
               </a:spcBef>
@@ -11465,7 +11739,7 @@
             </a:endParaRPr>
           </a:p>
           <a:p>
-            <a:pPr indent="0" lvl="0" marL="0" rtl="0" algn="l">
+            <a:pPr marL="0" lvl="0" indent="0" algn="l" rtl="0">
               <a:spcBef>
                 <a:spcPts val="1600"/>
               </a:spcBef>
@@ -11475,21 +11749,21 @@
               <a:buNone/>
             </a:pPr>
             <a:r>
-              <a:rPr b="1" lang="en" sz="1800">
+              <a:rPr lang="en" sz="1800" b="1">
                 <a:solidFill>
                   <a:srgbClr val="000000"/>
                 </a:solidFill>
               </a:rPr>
               <a:t>What “stuff &amp; things” related to this milestone would you want help with?</a:t>
             </a:r>
-            <a:endParaRPr b="1" sz="1800">
+            <a:endParaRPr sz="1800" b="1">
               <a:solidFill>
                 <a:srgbClr val="000000"/>
               </a:solidFill>
             </a:endParaRPr>
           </a:p>
           <a:p>
-            <a:pPr indent="-330200" lvl="0" marL="457200" rtl="0" algn="l">
+            <a:pPr marL="457200" lvl="0" indent="-330200" algn="l" rtl="0">
               <a:spcBef>
                 <a:spcPts val="1600"/>
               </a:spcBef>
@@ -11527,11 +11801,11 @@
 </file>
 
 <file path=ppt/slides/slide2.xml><?xml version="1.0" encoding="utf-8"?>
-<p:sld xmlns:a="http://schemas.openxmlformats.org/drawingml/2006/main" xmlns:r="http://schemas.openxmlformats.org/officeDocument/2006/relationships" xmlns:mc="http://schemas.openxmlformats.org/markup-compatibility/2006" xmlns:mv="urn:schemas-microsoft-com:mac:vml" xmlns:p="http://schemas.openxmlformats.org/presentationml/2006/main" xmlns:c="http://schemas.openxmlformats.org/drawingml/2006/chart" xmlns:dgm="http://schemas.openxmlformats.org/drawingml/2006/diagram" xmlns:o="urn:schemas-microsoft-com:office:office" xmlns:v="urn:schemas-microsoft-com:vml" xmlns:pvml="urn:schemas-microsoft-com:office:powerpoint" xmlns:com="http://schemas.openxmlformats.org/drawingml/2006/compatibility" xmlns:p14="http://schemas.microsoft.com/office/powerpoint/2010/main" xmlns:p15="http://schemas.microsoft.com/office/powerpoint/2012/main">
+<p:sld xmlns:a="http://schemas.openxmlformats.org/drawingml/2006/main" xmlns:r="http://schemas.openxmlformats.org/officeDocument/2006/relationships" xmlns:p="http://schemas.openxmlformats.org/presentationml/2006/main">
   <p:cSld>
     <p:spTree>
       <p:nvGrpSpPr>
-        <p:cNvPr id="70" name="Shape 70"/>
+        <p:cNvPr id="1" name="Shape 70"/>
         <p:cNvGrpSpPr/>
         <p:nvPr/>
       </p:nvGrpSpPr>
@@ -11546,7 +11820,9 @@
       <p:sp>
         <p:nvSpPr>
           <p:cNvPr id="71" name="Google Shape;71;p14"/>
-          <p:cNvSpPr txBox="1"/>
+          <p:cNvSpPr txBox="1">
+            <a:spLocks noGrp="1"/>
+          </p:cNvSpPr>
           <p:nvPr>
             <p:ph type="title"/>
           </p:nvPr>
@@ -11561,12 +11837,12 @@
           </a:prstGeom>
         </p:spPr>
         <p:txBody>
-          <a:bodyPr anchorCtr="0" anchor="t" bIns="91425" lIns="91425" spcFirstLastPara="1" rIns="91425" wrap="square" tIns="91425">
+          <a:bodyPr spcFirstLastPara="1" wrap="square" lIns="91425" tIns="91425" rIns="91425" bIns="91425" anchor="t" anchorCtr="0">
             <a:noAutofit/>
           </a:bodyPr>
           <a:lstStyle/>
           <a:p>
-            <a:pPr indent="0" lvl="0" marL="0" rtl="0" algn="l">
+            <a:pPr marL="0" lvl="0" indent="0" algn="l" rtl="0">
               <a:spcBef>
                 <a:spcPts val="0"/>
               </a:spcBef>
@@ -11586,9 +11862,11 @@
       <p:sp>
         <p:nvSpPr>
           <p:cNvPr id="72" name="Google Shape;72;p14"/>
-          <p:cNvSpPr txBox="1"/>
+          <p:cNvSpPr txBox="1">
+            <a:spLocks noGrp="1"/>
+          </p:cNvSpPr>
           <p:nvPr>
-            <p:ph idx="1" type="body"/>
+            <p:ph type="body" idx="1"/>
           </p:nvPr>
         </p:nvSpPr>
         <p:spPr>
@@ -11601,12 +11879,12 @@
           </a:prstGeom>
         </p:spPr>
         <p:txBody>
-          <a:bodyPr anchorCtr="0" anchor="t" bIns="91425" lIns="91425" spcFirstLastPara="1" rIns="91425" wrap="square" tIns="91425">
+          <a:bodyPr spcFirstLastPara="1" wrap="square" lIns="91425" tIns="91425" rIns="91425" bIns="91425" anchor="t" anchorCtr="0">
             <a:noAutofit/>
           </a:bodyPr>
           <a:lstStyle/>
           <a:p>
-            <a:pPr indent="0" lvl="0" marL="0" rtl="0" algn="l">
+            <a:pPr marL="0" lvl="0" indent="0" algn="l" rtl="0">
               <a:lnSpc>
                 <a:spcPct val="114000"/>
               </a:lnSpc>
@@ -11619,21 +11897,21 @@
               <a:buNone/>
             </a:pPr>
             <a:r>
-              <a:rPr b="1" lang="en" sz="2400">
+              <a:rPr lang="en" sz="2400" b="1">
                 <a:solidFill>
                   <a:srgbClr val="000000"/>
                 </a:solidFill>
               </a:rPr>
               <a:t>Team Members:</a:t>
             </a:r>
-            <a:endParaRPr b="1" sz="2400">
+            <a:endParaRPr sz="2400" b="1">
               <a:solidFill>
                 <a:srgbClr val="000000"/>
               </a:solidFill>
             </a:endParaRPr>
           </a:p>
           <a:p>
-            <a:pPr indent="-342900" lvl="0" marL="914400" rtl="0" algn="l">
+            <a:pPr marL="914400" lvl="0" indent="-342900" algn="l" rtl="0">
               <a:lnSpc>
                 <a:spcPct val="114000"/>
               </a:lnSpc>
@@ -11664,7 +11942,7 @@
             </a:endParaRPr>
           </a:p>
           <a:p>
-            <a:pPr indent="-342900" lvl="0" marL="914400" rtl="0" algn="l">
+            <a:pPr marL="914400" lvl="0" indent="-342900" algn="l" rtl="0">
               <a:spcBef>
                 <a:spcPts val="0"/>
               </a:spcBef>
@@ -11692,7 +11970,7 @@
             </a:endParaRPr>
           </a:p>
           <a:p>
-            <a:pPr indent="-342900" lvl="0" marL="914400" rtl="0" algn="l">
+            <a:pPr marL="914400" lvl="0" indent="-342900" algn="l" rtl="0">
               <a:spcBef>
                 <a:spcPts val="0"/>
               </a:spcBef>
@@ -11720,7 +11998,7 @@
             </a:endParaRPr>
           </a:p>
           <a:p>
-            <a:pPr indent="-342900" lvl="0" marL="914400" rtl="0" algn="l">
+            <a:pPr marL="914400" lvl="0" indent="-342900" algn="l" rtl="0">
               <a:spcBef>
                 <a:spcPts val="0"/>
               </a:spcBef>
@@ -11748,7 +12026,7 @@
             </a:endParaRPr>
           </a:p>
           <a:p>
-            <a:pPr indent="-342900" lvl="0" marL="914400" rtl="0" algn="l">
+            <a:pPr marL="914400" lvl="0" indent="-342900" algn="l" rtl="0">
               <a:spcBef>
                 <a:spcPts val="0"/>
               </a:spcBef>
@@ -11776,7 +12054,7 @@
             </a:endParaRPr>
           </a:p>
           <a:p>
-            <a:pPr indent="-342900" lvl="0" marL="914400" rtl="0" algn="l">
+            <a:pPr marL="914400" lvl="0" indent="-342900" algn="l" rtl="0">
               <a:spcBef>
                 <a:spcPts val="0"/>
               </a:spcBef>
@@ -11808,9 +12086,11 @@
       <p:sp>
         <p:nvSpPr>
           <p:cNvPr id="73" name="Google Shape;73;p14"/>
-          <p:cNvSpPr txBox="1"/>
+          <p:cNvSpPr txBox="1">
+            <a:spLocks noGrp="1"/>
+          </p:cNvSpPr>
           <p:nvPr>
-            <p:ph idx="2" type="body"/>
+            <p:ph type="body" idx="2"/>
           </p:nvPr>
         </p:nvSpPr>
         <p:spPr>
@@ -11823,12 +12103,12 @@
           </a:prstGeom>
         </p:spPr>
         <p:txBody>
-          <a:bodyPr anchorCtr="0" anchor="t" bIns="91425" lIns="91425" spcFirstLastPara="1" rIns="91425" wrap="square" tIns="91425">
+          <a:bodyPr spcFirstLastPara="1" wrap="square" lIns="91425" tIns="91425" rIns="91425" bIns="91425" anchor="t" anchorCtr="0">
             <a:noAutofit/>
           </a:bodyPr>
           <a:lstStyle/>
           <a:p>
-            <a:pPr indent="0" lvl="0" marL="0" rtl="0" algn="l">
+            <a:pPr marL="0" lvl="0" indent="0" algn="l" rtl="0">
               <a:lnSpc>
                 <a:spcPct val="100000"/>
               </a:lnSpc>
@@ -11841,21 +12121,21 @@
               <a:buNone/>
             </a:pPr>
             <a:r>
-              <a:rPr b="1" lang="en" sz="2400">
+              <a:rPr lang="en" sz="2400" b="1">
                 <a:solidFill>
                   <a:srgbClr val="000000"/>
                 </a:solidFill>
               </a:rPr>
               <a:t>Team Name: </a:t>
             </a:r>
-            <a:endParaRPr b="1" sz="2400">
+            <a:endParaRPr sz="2400" b="1">
               <a:solidFill>
                 <a:srgbClr val="000000"/>
               </a:solidFill>
             </a:endParaRPr>
           </a:p>
           <a:p>
-            <a:pPr indent="457200" lvl="0" marL="0" rtl="0" algn="l">
+            <a:pPr marL="0" lvl="0" indent="457200" algn="l" rtl="0">
               <a:lnSpc>
                 <a:spcPct val="100000"/>
               </a:lnSpc>
@@ -11882,7 +12162,7 @@
             </a:endParaRPr>
           </a:p>
           <a:p>
-            <a:pPr indent="457200" lvl="0" marL="0" rtl="0" algn="l">
+            <a:pPr marL="0" lvl="0" indent="457200" algn="l" rtl="0">
               <a:spcBef>
                 <a:spcPts val="800"/>
               </a:spcBef>
@@ -11891,9 +12171,6 @@
               </a:spcAft>
               <a:buNone/>
             </a:pPr>
-            <a:r>
-              <a:t/>
-            </a:r>
             <a:endParaRPr sz="2400">
               <a:solidFill>
                 <a:srgbClr val="000000"/>
@@ -11901,7 +12178,7 @@
             </a:endParaRPr>
           </a:p>
           <a:p>
-            <a:pPr indent="0" lvl="0" marL="0" rtl="0" algn="l">
+            <a:pPr marL="0" lvl="0" indent="0" algn="l" rtl="0">
               <a:lnSpc>
                 <a:spcPct val="100000"/>
               </a:lnSpc>
@@ -11914,21 +12191,21 @@
               <a:buNone/>
             </a:pPr>
             <a:r>
-              <a:rPr b="1" lang="en" sz="2400">
+              <a:rPr lang="en" sz="2400" b="1">
                 <a:solidFill>
                   <a:srgbClr val="000000"/>
                 </a:solidFill>
               </a:rPr>
               <a:t>Assigned Project: </a:t>
             </a:r>
-            <a:endParaRPr b="1" sz="2400">
+            <a:endParaRPr sz="2400" b="1">
               <a:solidFill>
                 <a:srgbClr val="000000"/>
               </a:solidFill>
             </a:endParaRPr>
           </a:p>
           <a:p>
-            <a:pPr indent="457200" lvl="0" marL="0" rtl="0" algn="l">
+            <a:pPr marL="0" lvl="0" indent="457200" algn="l" rtl="0">
               <a:lnSpc>
                 <a:spcPct val="100000"/>
               </a:lnSpc>
@@ -11965,11 +12242,11 @@
 </file>
 
 <file path=ppt/slides/slide20.xml><?xml version="1.0" encoding="utf-8"?>
-<p:sld xmlns:a="http://schemas.openxmlformats.org/drawingml/2006/main" xmlns:r="http://schemas.openxmlformats.org/officeDocument/2006/relationships" xmlns:mc="http://schemas.openxmlformats.org/markup-compatibility/2006" xmlns:mv="urn:schemas-microsoft-com:mac:vml" xmlns:p="http://schemas.openxmlformats.org/presentationml/2006/main" xmlns:c="http://schemas.openxmlformats.org/drawingml/2006/chart" xmlns:dgm="http://schemas.openxmlformats.org/drawingml/2006/diagram" xmlns:o="urn:schemas-microsoft-com:office:office" xmlns:v="urn:schemas-microsoft-com:vml" xmlns:pvml="urn:schemas-microsoft-com:office:powerpoint" xmlns:com="http://schemas.openxmlformats.org/drawingml/2006/compatibility" xmlns:p14="http://schemas.microsoft.com/office/powerpoint/2010/main" xmlns:p15="http://schemas.microsoft.com/office/powerpoint/2012/main">
+<p:sld xmlns:a="http://schemas.openxmlformats.org/drawingml/2006/main" xmlns:r="http://schemas.openxmlformats.org/officeDocument/2006/relationships" xmlns:p="http://schemas.openxmlformats.org/presentationml/2006/main">
   <p:cSld>
     <p:spTree>
       <p:nvGrpSpPr>
-        <p:cNvPr id="179" name="Shape 179"/>
+        <p:cNvPr id="1" name="Shape 179"/>
         <p:cNvGrpSpPr/>
         <p:nvPr/>
       </p:nvGrpSpPr>
@@ -11984,7 +12261,9 @@
       <p:sp>
         <p:nvSpPr>
           <p:cNvPr id="180" name="Google Shape;180;p32"/>
-          <p:cNvSpPr txBox="1"/>
+          <p:cNvSpPr txBox="1">
+            <a:spLocks noGrp="1"/>
+          </p:cNvSpPr>
           <p:nvPr>
             <p:ph type="title"/>
           </p:nvPr>
@@ -11999,12 +12278,12 @@
           </a:prstGeom>
         </p:spPr>
         <p:txBody>
-          <a:bodyPr anchorCtr="0" anchor="t" bIns="91425" lIns="91425" spcFirstLastPara="1" rIns="91425" wrap="square" tIns="91425">
+          <a:bodyPr spcFirstLastPara="1" wrap="square" lIns="91425" tIns="91425" rIns="91425" bIns="91425" anchor="t" anchorCtr="0">
             <a:noAutofit/>
           </a:bodyPr>
           <a:lstStyle/>
           <a:p>
-            <a:pPr indent="0" lvl="0" marL="0" rtl="0" algn="l">
+            <a:pPr marL="0" lvl="0" indent="0" algn="l" rtl="0">
               <a:spcBef>
                 <a:spcPts val="0"/>
               </a:spcBef>
@@ -12030,11 +12309,11 @@
 </file>
 
 <file path=ppt/slides/slide3.xml><?xml version="1.0" encoding="utf-8"?>
-<p:sld xmlns:a="http://schemas.openxmlformats.org/drawingml/2006/main" xmlns:r="http://schemas.openxmlformats.org/officeDocument/2006/relationships" xmlns:mc="http://schemas.openxmlformats.org/markup-compatibility/2006" xmlns:mv="urn:schemas-microsoft-com:mac:vml" xmlns:p="http://schemas.openxmlformats.org/presentationml/2006/main" xmlns:c="http://schemas.openxmlformats.org/drawingml/2006/chart" xmlns:dgm="http://schemas.openxmlformats.org/drawingml/2006/diagram" xmlns:o="urn:schemas-microsoft-com:office:office" xmlns:v="urn:schemas-microsoft-com:vml" xmlns:pvml="urn:schemas-microsoft-com:office:powerpoint" xmlns:com="http://schemas.openxmlformats.org/drawingml/2006/compatibility" xmlns:p14="http://schemas.microsoft.com/office/powerpoint/2010/main" xmlns:p15="http://schemas.microsoft.com/office/powerpoint/2012/main">
+<p:sld xmlns:a="http://schemas.openxmlformats.org/drawingml/2006/main" xmlns:r="http://schemas.openxmlformats.org/officeDocument/2006/relationships" xmlns:p="http://schemas.openxmlformats.org/presentationml/2006/main">
   <p:cSld>
     <p:spTree>
       <p:nvGrpSpPr>
-        <p:cNvPr id="77" name="Shape 77"/>
+        <p:cNvPr id="1" name="Shape 77"/>
         <p:cNvGrpSpPr/>
         <p:nvPr/>
       </p:nvGrpSpPr>
@@ -12049,7 +12328,9 @@
       <p:sp>
         <p:nvSpPr>
           <p:cNvPr id="78" name="Google Shape;78;p15"/>
-          <p:cNvSpPr txBox="1"/>
+          <p:cNvSpPr txBox="1">
+            <a:spLocks noGrp="1"/>
+          </p:cNvSpPr>
           <p:nvPr>
             <p:ph type="title"/>
           </p:nvPr>
@@ -12064,12 +12345,12 @@
           </a:prstGeom>
         </p:spPr>
         <p:txBody>
-          <a:bodyPr anchorCtr="0" anchor="t" bIns="91425" lIns="91425" spcFirstLastPara="1" rIns="91425" wrap="square" tIns="91425">
+          <a:bodyPr spcFirstLastPara="1" wrap="square" lIns="91425" tIns="91425" rIns="91425" bIns="91425" anchor="t" anchorCtr="0">
             <a:noAutofit/>
           </a:bodyPr>
           <a:lstStyle/>
           <a:p>
-            <a:pPr indent="0" lvl="0" marL="0" rtl="0" algn="l">
+            <a:pPr marL="0" lvl="0" indent="0" algn="l" rtl="0">
               <a:spcBef>
                 <a:spcPts val="0"/>
               </a:spcBef>
@@ -12089,9 +12370,11 @@
       <p:sp>
         <p:nvSpPr>
           <p:cNvPr id="79" name="Google Shape;79;p15"/>
-          <p:cNvSpPr txBox="1"/>
+          <p:cNvSpPr txBox="1">
+            <a:spLocks noGrp="1"/>
+          </p:cNvSpPr>
           <p:nvPr>
-            <p:ph idx="1" type="body"/>
+            <p:ph type="body" idx="1"/>
           </p:nvPr>
         </p:nvSpPr>
         <p:spPr>
@@ -12104,12 +12387,12 @@
           </a:prstGeom>
         </p:spPr>
         <p:txBody>
-          <a:bodyPr anchorCtr="0" anchor="t" bIns="91425" lIns="91425" spcFirstLastPara="1" rIns="91425" wrap="square" tIns="91425">
+          <a:bodyPr spcFirstLastPara="1" wrap="square" lIns="91425" tIns="91425" rIns="91425" bIns="91425" anchor="t" anchorCtr="0">
             <a:noAutofit/>
           </a:bodyPr>
           <a:lstStyle/>
           <a:p>
-            <a:pPr indent="0" lvl="0" marL="0" rtl="0" algn="l">
+            <a:pPr marL="0" lvl="0" indent="0" algn="l" rtl="0">
               <a:spcBef>
                 <a:spcPts val="0"/>
               </a:spcBef>
@@ -12119,7 +12402,7 @@
               <a:buNone/>
             </a:pPr>
             <a:r>
-              <a:rPr b="1" lang="en" sz="2400">
+              <a:rPr lang="en" sz="2400" b="1">
                 <a:solidFill>
                   <a:srgbClr val="000000"/>
                 </a:solidFill>
@@ -12133,7 +12416,7 @@
             </a:endParaRPr>
           </a:p>
           <a:p>
-            <a:pPr indent="-342900" lvl="0" marL="457200" rtl="0" algn="l">
+            <a:pPr marL="457200" lvl="0" indent="-342900" algn="l" rtl="0">
               <a:spcBef>
                 <a:spcPts val="1600"/>
               </a:spcBef>
@@ -12147,7 +12430,7 @@
               <a:buChar char="●"/>
             </a:pPr>
             <a:r>
-              <a:rPr b="1" i="1" lang="en" sz="1800">
+              <a:rPr lang="en" sz="1800" b="1" i="1">
                 <a:solidFill>
                   <a:srgbClr val="000000"/>
                 </a:solidFill>
@@ -12169,7 +12452,7 @@
             </a:endParaRPr>
           </a:p>
           <a:p>
-            <a:pPr indent="-342900" lvl="0" marL="457200" rtl="0" algn="l">
+            <a:pPr marL="457200" lvl="0" indent="-342900" algn="l" rtl="0">
               <a:spcBef>
                 <a:spcPts val="0"/>
               </a:spcBef>
@@ -12183,7 +12466,7 @@
               <a:buChar char="●"/>
             </a:pPr>
             <a:r>
-              <a:rPr b="1" i="1" lang="en" sz="1800">
+              <a:rPr lang="en" sz="1800" b="1" i="1">
                 <a:solidFill>
                   <a:srgbClr val="000000"/>
                 </a:solidFill>
@@ -12205,7 +12488,7 @@
             </a:endParaRPr>
           </a:p>
           <a:p>
-            <a:pPr indent="0" lvl="0" marL="0" rtl="0" algn="l">
+            <a:pPr marL="0" lvl="0" indent="0" algn="l" rtl="0">
               <a:spcBef>
                 <a:spcPts val="0"/>
               </a:spcBef>
@@ -12214,9 +12497,6 @@
               </a:spcAft>
               <a:buNone/>
             </a:pPr>
-            <a:r>
-              <a:t/>
-            </a:r>
             <a:endParaRPr sz="1800">
               <a:solidFill>
                 <a:srgbClr val="000000"/>
@@ -12224,7 +12504,7 @@
             </a:endParaRPr>
           </a:p>
           <a:p>
-            <a:pPr indent="-342900" lvl="0" marL="457200" rtl="0" algn="l">
+            <a:pPr marL="457200" lvl="0" indent="-342900" algn="l" rtl="0">
               <a:spcBef>
                 <a:spcPts val="1600"/>
               </a:spcBef>
@@ -12238,7 +12518,7 @@
               <a:buChar char="●"/>
             </a:pPr>
             <a:r>
-              <a:rPr b="1" i="1" lang="en" sz="1800">
+              <a:rPr lang="en" sz="1800" b="1" i="1">
                 <a:solidFill>
                   <a:srgbClr val="000000"/>
                 </a:solidFill>
@@ -12251,15 +12531,7 @@
                   <a:srgbClr val="000000"/>
                 </a:solidFill>
               </a:rPr>
-              <a:t> </a:t>
-            </a:r>
-            <a:r>
-              <a:rPr lang="en" sz="1800">
-                <a:solidFill>
-                  <a:srgbClr val="000000"/>
-                </a:solidFill>
-              </a:rPr>
-              <a:t>Folder structure could be better</a:t>
+              <a:t> Folder structure could be better</a:t>
             </a:r>
             <a:endParaRPr sz="1800">
               <a:solidFill>
@@ -12268,7 +12540,7 @@
             </a:endParaRPr>
           </a:p>
           <a:p>
-            <a:pPr indent="-342900" lvl="0" marL="457200" rtl="0" algn="l">
+            <a:pPr marL="457200" lvl="0" indent="-342900" algn="l" rtl="0">
               <a:spcBef>
                 <a:spcPts val="0"/>
               </a:spcBef>
@@ -12282,7 +12554,7 @@
               <a:buChar char="●"/>
             </a:pPr>
             <a:r>
-              <a:rPr b="1" i="1" lang="en" sz="1800">
+              <a:rPr lang="en" sz="1800" b="1" i="1">
                 <a:solidFill>
                   <a:srgbClr val="000000"/>
                 </a:solidFill>
@@ -12314,11 +12586,11 @@
 </file>
 
 <file path=ppt/slides/slide4.xml><?xml version="1.0" encoding="utf-8"?>
-<p:sld xmlns:a="http://schemas.openxmlformats.org/drawingml/2006/main" xmlns:r="http://schemas.openxmlformats.org/officeDocument/2006/relationships" xmlns:mc="http://schemas.openxmlformats.org/markup-compatibility/2006" xmlns:mv="urn:schemas-microsoft-com:mac:vml" xmlns:p="http://schemas.openxmlformats.org/presentationml/2006/main" xmlns:c="http://schemas.openxmlformats.org/drawingml/2006/chart" xmlns:dgm="http://schemas.openxmlformats.org/drawingml/2006/diagram" xmlns:o="urn:schemas-microsoft-com:office:office" xmlns:v="urn:schemas-microsoft-com:vml" xmlns:pvml="urn:schemas-microsoft-com:office:powerpoint" xmlns:com="http://schemas.openxmlformats.org/drawingml/2006/compatibility" xmlns:p14="http://schemas.microsoft.com/office/powerpoint/2010/main" xmlns:p15="http://schemas.microsoft.com/office/powerpoint/2012/main">
+<p:sld xmlns:a="http://schemas.openxmlformats.org/drawingml/2006/main" xmlns:r="http://schemas.openxmlformats.org/officeDocument/2006/relationships" xmlns:p="http://schemas.openxmlformats.org/presentationml/2006/main">
   <p:cSld>
     <p:spTree>
       <p:nvGrpSpPr>
-        <p:cNvPr id="83" name="Shape 83"/>
+        <p:cNvPr id="1" name="Shape 83"/>
         <p:cNvGrpSpPr/>
         <p:nvPr/>
       </p:nvGrpSpPr>
@@ -12333,7 +12605,9 @@
       <p:sp>
         <p:nvSpPr>
           <p:cNvPr id="84" name="Google Shape;84;p16"/>
-          <p:cNvSpPr txBox="1"/>
+          <p:cNvSpPr txBox="1">
+            <a:spLocks noGrp="1"/>
+          </p:cNvSpPr>
           <p:nvPr>
             <p:ph type="title"/>
           </p:nvPr>
@@ -12348,12 +12622,12 @@
           </a:prstGeom>
         </p:spPr>
         <p:txBody>
-          <a:bodyPr anchorCtr="0" anchor="t" bIns="91425" lIns="91425" spcFirstLastPara="1" rIns="91425" wrap="square" tIns="91425">
+          <a:bodyPr spcFirstLastPara="1" wrap="square" lIns="91425" tIns="91425" rIns="91425" bIns="91425" anchor="t" anchorCtr="0">
             <a:noAutofit/>
           </a:bodyPr>
           <a:lstStyle/>
           <a:p>
-            <a:pPr indent="0" lvl="0" marL="0" rtl="0" algn="l">
+            <a:pPr marL="0" lvl="0" indent="0" algn="l" rtl="0">
               <a:spcBef>
                 <a:spcPts val="0"/>
               </a:spcBef>
@@ -12373,9 +12647,11 @@
       <p:sp>
         <p:nvSpPr>
           <p:cNvPr id="85" name="Google Shape;85;p16"/>
-          <p:cNvSpPr txBox="1"/>
+          <p:cNvSpPr txBox="1">
+            <a:spLocks noGrp="1"/>
+          </p:cNvSpPr>
           <p:nvPr>
-            <p:ph idx="1" type="body"/>
+            <p:ph type="body" idx="1"/>
           </p:nvPr>
         </p:nvSpPr>
         <p:spPr>
@@ -12388,12 +12664,12 @@
           </a:prstGeom>
         </p:spPr>
         <p:txBody>
-          <a:bodyPr anchorCtr="0" anchor="t" bIns="91425" lIns="91425" spcFirstLastPara="1" rIns="91425" wrap="square" tIns="91425">
+          <a:bodyPr spcFirstLastPara="1" wrap="square" lIns="91425" tIns="91425" rIns="91425" bIns="91425" anchor="t" anchorCtr="0">
             <a:noAutofit/>
           </a:bodyPr>
           <a:lstStyle/>
           <a:p>
-            <a:pPr indent="0" lvl="0" marL="0" rtl="0" algn="l">
+            <a:pPr marL="0" lvl="0" indent="0" algn="l" rtl="0">
               <a:spcBef>
                 <a:spcPts val="0"/>
               </a:spcBef>
@@ -12403,7 +12679,7 @@
               <a:buNone/>
             </a:pPr>
             <a:r>
-              <a:rPr b="1" lang="en" sz="2400">
+              <a:rPr lang="en" sz="2400" b="1">
                 <a:solidFill>
                   <a:srgbClr val="000000"/>
                 </a:solidFill>
@@ -12417,7 +12693,7 @@
             </a:endParaRPr>
           </a:p>
           <a:p>
-            <a:pPr indent="-342900" lvl="0" marL="457200" rtl="0" algn="l">
+            <a:pPr marL="457200" lvl="0" indent="-342900" algn="l" rtl="0">
               <a:spcBef>
                 <a:spcPts val="1600"/>
               </a:spcBef>
@@ -12431,7 +12707,7 @@
               <a:buChar char="●"/>
             </a:pPr>
             <a:r>
-              <a:rPr b="1" i="1" lang="en" sz="1800">
+              <a:rPr lang="en" sz="1800" b="1" i="1">
                 <a:solidFill>
                   <a:srgbClr val="000000"/>
                 </a:solidFill>
@@ -12453,7 +12729,7 @@
             </a:endParaRPr>
           </a:p>
           <a:p>
-            <a:pPr indent="-342900" lvl="0" marL="457200" rtl="0" algn="l">
+            <a:pPr marL="457200" lvl="0" indent="-342900" algn="l" rtl="0">
               <a:spcBef>
                 <a:spcPts val="0"/>
               </a:spcBef>
@@ -12467,7 +12743,7 @@
               <a:buChar char="●"/>
             </a:pPr>
             <a:r>
-              <a:rPr b="1" i="1" lang="en" sz="1800">
+              <a:rPr lang="en" sz="1800" b="1" i="1">
                 <a:solidFill>
                   <a:srgbClr val="000000"/>
                 </a:solidFill>
@@ -12475,7 +12751,7 @@
               <a:t>Like:</a:t>
             </a:r>
             <a:r>
-              <a:rPr b="1" lang="en" sz="1800">
+              <a:rPr lang="en" sz="1800" b="1">
                 <a:solidFill>
                   <a:srgbClr val="000000"/>
                 </a:solidFill>
@@ -12497,7 +12773,7 @@
             </a:endParaRPr>
           </a:p>
           <a:p>
-            <a:pPr indent="0" lvl="0" marL="457200" rtl="0" algn="l">
+            <a:pPr marL="457200" lvl="0" indent="0" algn="l" rtl="0">
               <a:spcBef>
                 <a:spcPts val="0"/>
               </a:spcBef>
@@ -12506,9 +12782,6 @@
               </a:spcAft>
               <a:buNone/>
             </a:pPr>
-            <a:r>
-              <a:t/>
-            </a:r>
             <a:endParaRPr sz="1800">
               <a:solidFill>
                 <a:srgbClr val="000000"/>
@@ -12516,7 +12789,7 @@
             </a:endParaRPr>
           </a:p>
           <a:p>
-            <a:pPr indent="-342900" lvl="0" marL="457200" rtl="0" algn="l">
+            <a:pPr marL="457200" lvl="0" indent="-342900" algn="l" rtl="0">
               <a:spcBef>
                 <a:spcPts val="1600"/>
               </a:spcBef>
@@ -12530,7 +12803,7 @@
               <a:buChar char="●"/>
             </a:pPr>
             <a:r>
-              <a:rPr b="1" i="1" lang="en" sz="1800">
+              <a:rPr lang="en" sz="1800" b="1" i="1">
                 <a:solidFill>
                   <a:srgbClr val="000000"/>
                 </a:solidFill>
@@ -12552,7 +12825,7 @@
             </a:endParaRPr>
           </a:p>
           <a:p>
-            <a:pPr indent="-342900" lvl="0" marL="457200" rtl="0" algn="l">
+            <a:pPr marL="457200" lvl="0" indent="-342900" algn="l" rtl="0">
               <a:spcBef>
                 <a:spcPts val="0"/>
               </a:spcBef>
@@ -12566,7 +12839,7 @@
               <a:buChar char="●"/>
             </a:pPr>
             <a:r>
-              <a:rPr b="1" i="1" lang="en" sz="1800">
+              <a:rPr lang="en" sz="1800" b="1" i="1">
                 <a:solidFill>
                   <a:srgbClr val="000000"/>
                 </a:solidFill>
@@ -12588,7 +12861,7 @@
             </a:endParaRPr>
           </a:p>
           <a:p>
-            <a:pPr indent="-342900" lvl="0" marL="457200" rtl="0" algn="l">
+            <a:pPr marL="457200" lvl="0" indent="-342900" algn="l" rtl="0">
               <a:spcBef>
                 <a:spcPts val="0"/>
               </a:spcBef>
@@ -12602,7 +12875,7 @@
               <a:buChar char="●"/>
             </a:pPr>
             <a:r>
-              <a:rPr b="1" i="1" lang="en" sz="1800">
+              <a:rPr lang="en" sz="1800" b="1" i="1">
                 <a:solidFill>
                   <a:srgbClr val="000000"/>
                 </a:solidFill>
@@ -12634,11 +12907,11 @@
 </file>
 
 <file path=ppt/slides/slide5.xml><?xml version="1.0" encoding="utf-8"?>
-<p:sld xmlns:a="http://schemas.openxmlformats.org/drawingml/2006/main" xmlns:r="http://schemas.openxmlformats.org/officeDocument/2006/relationships" xmlns:mc="http://schemas.openxmlformats.org/markup-compatibility/2006" xmlns:mv="urn:schemas-microsoft-com:mac:vml" xmlns:p="http://schemas.openxmlformats.org/presentationml/2006/main" xmlns:c="http://schemas.openxmlformats.org/drawingml/2006/chart" xmlns:dgm="http://schemas.openxmlformats.org/drawingml/2006/diagram" xmlns:o="urn:schemas-microsoft-com:office:office" xmlns:v="urn:schemas-microsoft-com:vml" xmlns:pvml="urn:schemas-microsoft-com:office:powerpoint" xmlns:com="http://schemas.openxmlformats.org/drawingml/2006/compatibility" xmlns:p14="http://schemas.microsoft.com/office/powerpoint/2010/main" xmlns:p15="http://schemas.microsoft.com/office/powerpoint/2012/main">
+<p:sld xmlns:a="http://schemas.openxmlformats.org/drawingml/2006/main" xmlns:r="http://schemas.openxmlformats.org/officeDocument/2006/relationships" xmlns:p="http://schemas.openxmlformats.org/presentationml/2006/main">
   <p:cSld>
     <p:spTree>
       <p:nvGrpSpPr>
-        <p:cNvPr id="89" name="Shape 89"/>
+        <p:cNvPr id="1" name="Shape 89"/>
         <p:cNvGrpSpPr/>
         <p:nvPr/>
       </p:nvGrpSpPr>
@@ -12653,7 +12926,9 @@
       <p:sp>
         <p:nvSpPr>
           <p:cNvPr id="90" name="Google Shape;90;p17"/>
-          <p:cNvSpPr txBox="1"/>
+          <p:cNvSpPr txBox="1">
+            <a:spLocks noGrp="1"/>
+          </p:cNvSpPr>
           <p:nvPr>
             <p:ph type="title"/>
           </p:nvPr>
@@ -12668,12 +12943,12 @@
           </a:prstGeom>
         </p:spPr>
         <p:txBody>
-          <a:bodyPr anchorCtr="0" anchor="t" bIns="91425" lIns="91425" spcFirstLastPara="1" rIns="91425" wrap="square" tIns="91425">
+          <a:bodyPr spcFirstLastPara="1" wrap="square" lIns="91425" tIns="91425" rIns="91425" bIns="91425" anchor="t" anchorCtr="0">
             <a:noAutofit/>
           </a:bodyPr>
           <a:lstStyle/>
           <a:p>
-            <a:pPr indent="0" lvl="0" marL="0" rtl="0" algn="l">
+            <a:pPr marL="0" lvl="0" indent="0" algn="l" rtl="0">
               <a:spcBef>
                 <a:spcPts val="0"/>
               </a:spcBef>
@@ -12693,9 +12968,11 @@
       <p:sp>
         <p:nvSpPr>
           <p:cNvPr id="91" name="Google Shape;91;p17"/>
-          <p:cNvSpPr txBox="1"/>
+          <p:cNvSpPr txBox="1">
+            <a:spLocks noGrp="1"/>
+          </p:cNvSpPr>
           <p:nvPr>
-            <p:ph idx="1" type="body"/>
+            <p:ph type="body" idx="1"/>
           </p:nvPr>
         </p:nvSpPr>
         <p:spPr>
@@ -12708,12 +12985,12 @@
           </a:prstGeom>
         </p:spPr>
         <p:txBody>
-          <a:bodyPr anchorCtr="0" anchor="t" bIns="91425" lIns="91425" spcFirstLastPara="1" rIns="91425" wrap="square" tIns="91425">
+          <a:bodyPr spcFirstLastPara="1" wrap="square" lIns="91425" tIns="91425" rIns="91425" bIns="91425" anchor="t" anchorCtr="0">
             <a:noAutofit/>
           </a:bodyPr>
           <a:lstStyle/>
           <a:p>
-            <a:pPr indent="0" lvl="0" marL="0" rtl="0" algn="l">
+            <a:pPr marL="0" lvl="0" indent="0" algn="l" rtl="0">
               <a:spcBef>
                 <a:spcPts val="0"/>
               </a:spcBef>
@@ -12723,7 +13000,7 @@
               <a:buNone/>
             </a:pPr>
             <a:r>
-              <a:rPr b="1" lang="en" sz="2400">
+              <a:rPr lang="en" sz="2400" b="1">
                 <a:solidFill>
                   <a:srgbClr val="000000"/>
                 </a:solidFill>
@@ -12737,7 +13014,7 @@
             </a:endParaRPr>
           </a:p>
           <a:p>
-            <a:pPr indent="-342900" lvl="0" marL="457200" rtl="0" algn="l">
+            <a:pPr marL="457200" lvl="0" indent="-342900" algn="l" rtl="0">
               <a:spcBef>
                 <a:spcPts val="1600"/>
               </a:spcBef>
@@ -12765,7 +13042,7 @@
             </a:endParaRPr>
           </a:p>
           <a:p>
-            <a:pPr indent="-342900" lvl="1" marL="914400" rtl="0" algn="l">
+            <a:pPr marL="914400" lvl="1" indent="-342900" algn="l" rtl="0">
               <a:spcBef>
                 <a:spcPts val="0"/>
               </a:spcBef>
@@ -12793,7 +13070,7 @@
             </a:endParaRPr>
           </a:p>
           <a:p>
-            <a:pPr indent="-342900" lvl="0" marL="457200" rtl="0" algn="l">
+            <a:pPr marL="457200" lvl="0" indent="-342900" algn="l" rtl="0">
               <a:spcBef>
                 <a:spcPts val="0"/>
               </a:spcBef>
@@ -12821,7 +13098,7 @@
             </a:endParaRPr>
           </a:p>
           <a:p>
-            <a:pPr indent="-342900" lvl="1" marL="914400" rtl="0" algn="l">
+            <a:pPr marL="914400" lvl="1" indent="-342900" algn="l" rtl="0">
               <a:spcBef>
                 <a:spcPts val="0"/>
               </a:spcBef>
@@ -12849,7 +13126,7 @@
             </a:endParaRPr>
           </a:p>
           <a:p>
-            <a:pPr indent="-342900" lvl="0" marL="457200" rtl="0" algn="l">
+            <a:pPr marL="457200" lvl="0" indent="-342900" algn="l" rtl="0">
               <a:spcBef>
                 <a:spcPts val="0"/>
               </a:spcBef>
@@ -12877,7 +13154,7 @@
             </a:endParaRPr>
           </a:p>
           <a:p>
-            <a:pPr indent="0" lvl="0" marL="0" rtl="0" algn="l">
+            <a:pPr marL="0" lvl="0" indent="0" algn="l" rtl="0">
               <a:spcBef>
                 <a:spcPts val="1600"/>
               </a:spcBef>
@@ -12887,7 +13164,7 @@
               <a:buNone/>
             </a:pPr>
             <a:r>
-              <a:rPr i="1" lang="en" sz="1800" u="sng">
+              <a:rPr lang="en" sz="1800" i="1" u="sng">
                 <a:solidFill>
                   <a:schemeClr val="hlink"/>
                 </a:solidFill>
@@ -12912,11 +13189,11 @@
 </file>
 
 <file path=ppt/slides/slide6.xml><?xml version="1.0" encoding="utf-8"?>
-<p:sld xmlns:a="http://schemas.openxmlformats.org/drawingml/2006/main" xmlns:r="http://schemas.openxmlformats.org/officeDocument/2006/relationships" xmlns:mc="http://schemas.openxmlformats.org/markup-compatibility/2006" xmlns:mv="urn:schemas-microsoft-com:mac:vml" xmlns:p="http://schemas.openxmlformats.org/presentationml/2006/main" xmlns:c="http://schemas.openxmlformats.org/drawingml/2006/chart" xmlns:dgm="http://schemas.openxmlformats.org/drawingml/2006/diagram" xmlns:o="urn:schemas-microsoft-com:office:office" xmlns:v="urn:schemas-microsoft-com:vml" xmlns:pvml="urn:schemas-microsoft-com:office:powerpoint" xmlns:com="http://schemas.openxmlformats.org/drawingml/2006/compatibility" xmlns:p14="http://schemas.microsoft.com/office/powerpoint/2010/main" xmlns:p15="http://schemas.microsoft.com/office/powerpoint/2012/main">
+<p:sld xmlns:a="http://schemas.openxmlformats.org/drawingml/2006/main" xmlns:r="http://schemas.openxmlformats.org/officeDocument/2006/relationships" xmlns:p="http://schemas.openxmlformats.org/presentationml/2006/main">
   <p:cSld>
     <p:spTree>
       <p:nvGrpSpPr>
-        <p:cNvPr id="95" name="Shape 95"/>
+        <p:cNvPr id="1" name="Shape 95"/>
         <p:cNvGrpSpPr/>
         <p:nvPr/>
       </p:nvGrpSpPr>
@@ -12931,7 +13208,9 @@
       <p:sp>
         <p:nvSpPr>
           <p:cNvPr id="96" name="Google Shape;96;p18"/>
-          <p:cNvSpPr txBox="1"/>
+          <p:cNvSpPr txBox="1">
+            <a:spLocks noGrp="1"/>
+          </p:cNvSpPr>
           <p:nvPr>
             <p:ph type="title"/>
           </p:nvPr>
@@ -12946,12 +13225,12 @@
           </a:prstGeom>
         </p:spPr>
         <p:txBody>
-          <a:bodyPr anchorCtr="0" anchor="t" bIns="91425" lIns="91425" spcFirstLastPara="1" rIns="91425" wrap="square" tIns="91425">
+          <a:bodyPr spcFirstLastPara="1" wrap="square" lIns="91425" tIns="91425" rIns="91425" bIns="91425" anchor="t" anchorCtr="0">
             <a:noAutofit/>
           </a:bodyPr>
           <a:lstStyle/>
           <a:p>
-            <a:pPr indent="0" lvl="0" marL="0" rtl="0" algn="l">
+            <a:pPr marL="0" lvl="0" indent="0" algn="l" rtl="0">
               <a:spcBef>
                 <a:spcPts val="0"/>
               </a:spcBef>
@@ -13005,11 +13284,11 @@
 </file>
 
 <file path=ppt/slides/slide7.xml><?xml version="1.0" encoding="utf-8"?>
-<p:sld xmlns:a="http://schemas.openxmlformats.org/drawingml/2006/main" xmlns:r="http://schemas.openxmlformats.org/officeDocument/2006/relationships" xmlns:mc="http://schemas.openxmlformats.org/markup-compatibility/2006" xmlns:mv="urn:schemas-microsoft-com:mac:vml" xmlns:p="http://schemas.openxmlformats.org/presentationml/2006/main" xmlns:c="http://schemas.openxmlformats.org/drawingml/2006/chart" xmlns:dgm="http://schemas.openxmlformats.org/drawingml/2006/diagram" xmlns:o="urn:schemas-microsoft-com:office:office" xmlns:v="urn:schemas-microsoft-com:vml" xmlns:pvml="urn:schemas-microsoft-com:office:powerpoint" xmlns:com="http://schemas.openxmlformats.org/drawingml/2006/compatibility" xmlns:p14="http://schemas.microsoft.com/office/powerpoint/2010/main" xmlns:p15="http://schemas.microsoft.com/office/powerpoint/2012/main">
+<p:sld xmlns:a="http://schemas.openxmlformats.org/drawingml/2006/main" xmlns:r="http://schemas.openxmlformats.org/officeDocument/2006/relationships" xmlns:p="http://schemas.openxmlformats.org/presentationml/2006/main">
   <p:cSld>
     <p:spTree>
       <p:nvGrpSpPr>
-        <p:cNvPr id="101" name="Shape 101"/>
+        <p:cNvPr id="1" name="Shape 101"/>
         <p:cNvGrpSpPr/>
         <p:nvPr/>
       </p:nvGrpSpPr>
@@ -13024,7 +13303,9 @@
       <p:sp>
         <p:nvSpPr>
           <p:cNvPr id="102" name="Google Shape;102;p19"/>
-          <p:cNvSpPr txBox="1"/>
+          <p:cNvSpPr txBox="1">
+            <a:spLocks noGrp="1"/>
+          </p:cNvSpPr>
           <p:nvPr>
             <p:ph type="title"/>
           </p:nvPr>
@@ -13039,12 +13320,12 @@
           </a:prstGeom>
         </p:spPr>
         <p:txBody>
-          <a:bodyPr anchorCtr="0" anchor="t" bIns="91425" lIns="91425" spcFirstLastPara="1" rIns="91425" wrap="square" tIns="91425">
+          <a:bodyPr spcFirstLastPara="1" wrap="square" lIns="91425" tIns="91425" rIns="91425" bIns="91425" anchor="t" anchorCtr="0">
             <a:noAutofit/>
           </a:bodyPr>
           <a:lstStyle/>
           <a:p>
-            <a:pPr indent="0" lvl="0" marL="0" rtl="0" algn="l">
+            <a:pPr marL="0" lvl="0" indent="0" algn="l" rtl="0">
               <a:spcBef>
                 <a:spcPts val="0"/>
               </a:spcBef>
@@ -13055,11 +13336,7 @@
             </a:pPr>
             <a:r>
               <a:rPr lang="en"/>
-              <a:t>User Story Map - Release</a:t>
-            </a:r>
-            <a:r>
-              <a:rPr lang="en"/>
-              <a:t> 1 (cont.)</a:t>
+              <a:t>User Story Map - Release 1 (cont.)</a:t>
             </a:r>
             <a:endParaRPr/>
           </a:p>
@@ -13102,11 +13379,11 @@
 </file>
 
 <file path=ppt/slides/slide8.xml><?xml version="1.0" encoding="utf-8"?>
-<p:sld xmlns:a="http://schemas.openxmlformats.org/drawingml/2006/main" xmlns:r="http://schemas.openxmlformats.org/officeDocument/2006/relationships" xmlns:mc="http://schemas.openxmlformats.org/markup-compatibility/2006" xmlns:mv="urn:schemas-microsoft-com:mac:vml" xmlns:p="http://schemas.openxmlformats.org/presentationml/2006/main" xmlns:c="http://schemas.openxmlformats.org/drawingml/2006/chart" xmlns:dgm="http://schemas.openxmlformats.org/drawingml/2006/diagram" xmlns:o="urn:schemas-microsoft-com:office:office" xmlns:v="urn:schemas-microsoft-com:vml" xmlns:pvml="urn:schemas-microsoft-com:office:powerpoint" xmlns:com="http://schemas.openxmlformats.org/drawingml/2006/compatibility" xmlns:p14="http://schemas.microsoft.com/office/powerpoint/2010/main" xmlns:p15="http://schemas.microsoft.com/office/powerpoint/2012/main">
+<p:sld xmlns:a="http://schemas.openxmlformats.org/drawingml/2006/main" xmlns:r="http://schemas.openxmlformats.org/officeDocument/2006/relationships" xmlns:p="http://schemas.openxmlformats.org/presentationml/2006/main">
   <p:cSld>
     <p:spTree>
       <p:nvGrpSpPr>
-        <p:cNvPr id="107" name="Shape 107"/>
+        <p:cNvPr id="1" name="Shape 107"/>
         <p:cNvGrpSpPr/>
         <p:nvPr/>
       </p:nvGrpSpPr>
@@ -13121,7 +13398,9 @@
       <p:sp>
         <p:nvSpPr>
           <p:cNvPr id="108" name="Google Shape;108;p20"/>
-          <p:cNvSpPr txBox="1"/>
+          <p:cNvSpPr txBox="1">
+            <a:spLocks noGrp="1"/>
+          </p:cNvSpPr>
           <p:nvPr>
             <p:ph type="title"/>
           </p:nvPr>
@@ -13136,12 +13415,12 @@
           </a:prstGeom>
         </p:spPr>
         <p:txBody>
-          <a:bodyPr anchorCtr="0" anchor="t" bIns="91425" lIns="91425" spcFirstLastPara="1" rIns="91425" wrap="square" tIns="91425">
+          <a:bodyPr spcFirstLastPara="1" wrap="square" lIns="91425" tIns="91425" rIns="91425" bIns="91425" anchor="t" anchorCtr="0">
             <a:noAutofit/>
           </a:bodyPr>
           <a:lstStyle/>
           <a:p>
-            <a:pPr indent="0" lvl="0" marL="0" rtl="0" algn="l">
+            <a:pPr marL="0" lvl="0" indent="0" algn="l" rtl="0">
               <a:spcBef>
                 <a:spcPts val="0"/>
               </a:spcBef>
@@ -13195,11 +13474,11 @@
 </file>
 
 <file path=ppt/slides/slide9.xml><?xml version="1.0" encoding="utf-8"?>
-<p:sld xmlns:a="http://schemas.openxmlformats.org/drawingml/2006/main" xmlns:r="http://schemas.openxmlformats.org/officeDocument/2006/relationships" xmlns:mc="http://schemas.openxmlformats.org/markup-compatibility/2006" xmlns:mv="urn:schemas-microsoft-com:mac:vml" xmlns:p="http://schemas.openxmlformats.org/presentationml/2006/main" xmlns:c="http://schemas.openxmlformats.org/drawingml/2006/chart" xmlns:dgm="http://schemas.openxmlformats.org/drawingml/2006/diagram" xmlns:o="urn:schemas-microsoft-com:office:office" xmlns:v="urn:schemas-microsoft-com:vml" xmlns:pvml="urn:schemas-microsoft-com:office:powerpoint" xmlns:com="http://schemas.openxmlformats.org/drawingml/2006/compatibility" xmlns:p14="http://schemas.microsoft.com/office/powerpoint/2010/main" xmlns:p15="http://schemas.microsoft.com/office/powerpoint/2012/main">
+<p:sld xmlns:a="http://schemas.openxmlformats.org/drawingml/2006/main" xmlns:r="http://schemas.openxmlformats.org/officeDocument/2006/relationships" xmlns:p="http://schemas.openxmlformats.org/presentationml/2006/main">
   <p:cSld>
     <p:spTree>
       <p:nvGrpSpPr>
-        <p:cNvPr id="113" name="Shape 113"/>
+        <p:cNvPr id="1" name="Shape 113"/>
         <p:cNvGrpSpPr/>
         <p:nvPr/>
       </p:nvGrpSpPr>
@@ -13214,7 +13493,9 @@
       <p:sp>
         <p:nvSpPr>
           <p:cNvPr id="114" name="Google Shape;114;p21"/>
-          <p:cNvSpPr txBox="1"/>
+          <p:cNvSpPr txBox="1">
+            <a:spLocks noGrp="1"/>
+          </p:cNvSpPr>
           <p:nvPr>
             <p:ph type="title"/>
           </p:nvPr>
@@ -13229,12 +13510,12 @@
           </a:prstGeom>
         </p:spPr>
         <p:txBody>
-          <a:bodyPr anchorCtr="0" anchor="t" bIns="91425" lIns="91425" spcFirstLastPara="1" rIns="91425" wrap="square" tIns="91425">
+          <a:bodyPr spcFirstLastPara="1" wrap="square" lIns="91425" tIns="91425" rIns="91425" bIns="91425" anchor="t" anchorCtr="0">
             <a:noAutofit/>
           </a:bodyPr>
           <a:lstStyle/>
           <a:p>
-            <a:pPr indent="0" lvl="0" marL="0" rtl="0" algn="l">
+            <a:pPr marL="0" lvl="0" indent="0" algn="l" rtl="0">
               <a:spcBef>
                 <a:spcPts val="0"/>
               </a:spcBef>
@@ -13288,7 +13569,7 @@
 </file>
 
 <file path=ppt/theme/theme1.xml><?xml version="1.0" encoding="utf-8"?>
-<a:theme xmlns:a="http://schemas.openxmlformats.org/drawingml/2006/main" xmlns:r="http://schemas.openxmlformats.org/officeDocument/2006/relationships" name="Paradigm">
+<a:theme xmlns:a="http://schemas.openxmlformats.org/drawingml/2006/main" name="Paradigm">
   <a:themeElements>
     <a:clrScheme name="Paradigm">
       <a:dk1>
@@ -13563,11 +13844,13 @@
       </a:bgFillStyleLst>
     </a:fmtScheme>
   </a:themeElements>
+  <a:objectDefaults/>
+  <a:extraClrSchemeLst/>
 </a:theme>
 </file>
 
 <file path=ppt/theme/theme2.xml><?xml version="1.0" encoding="utf-8"?>
-<a:theme xmlns:a="http://schemas.openxmlformats.org/drawingml/2006/main" xmlns:r="http://schemas.openxmlformats.org/officeDocument/2006/relationships">
+<a:theme xmlns:a="http://schemas.openxmlformats.org/drawingml/2006/main">
   <a:themeElements>
     <a:clrScheme name="Default">
       <a:dk1>
@@ -13842,5 +14125,7 @@
       </a:bgFillStyleLst>
     </a:fmtScheme>
   </a:themeElements>
+  <a:objectDefaults/>
+  <a:extraClrSchemeLst/>
 </a:theme>
 </file>